--- a/Fase 2/Evidencias Proyecto/PRESENTACION-PARCIAL 2.pptx
+++ b/Fase 2/Evidencias Proyecto/PRESENTACION-PARCIAL 2.pptx
@@ -23,6 +23,7 @@
     <p:sldId id="268" r:id="rId18"/>
     <p:sldId id="269" r:id="rId19"/>
     <p:sldId id="270" r:id="rId20"/>
+    <p:sldId id="271" r:id="rId21"/>
   </p:sldIdLst>
   <p:sldSz cy="6858000" cx="12192000"/>
   <p:notesSz cx="6858000" cy="9144000"/>
@@ -257,7 +258,7 @@
   </p:defaultTextStyle>
   <p:extLst>
     <p:ext uri="GoogleSlidesCustomDataVersion2">
-      <go:slidesCustomData xmlns:go="http://customooxmlschemas.google.com/" r:id="rId21" roundtripDataSignature="AMtx7mgpQvxdByb4EqZYhDh3g2RCMQ5tGg=="/>
+      <go:slidesCustomData xmlns:go="http://customooxmlschemas.google.com/" r:id="rId22" roundtripDataSignature="AMtx7mi3zxSuXH5W1UObH8vwwboWpdE29A=="/>
     </p:ext>
   </p:extLst>
 </p:presentation>
@@ -2310,6 +2311,10 @@
           <a:prstGeom prst="rect">
             <a:avLst/>
           </a:prstGeom>
+          <a:noFill/>
+          <a:ln>
+            <a:noFill/>
+          </a:ln>
         </p:spPr>
         <p:txBody>
           <a:bodyPr anchorCtr="0" anchor="t" bIns="45700" lIns="91425" spcFirstLastPara="1" rIns="91425" wrap="square" tIns="45700">
@@ -2318,12 +2323,16 @@
           <a:lstStyle/>
           <a:p>
             <a:pPr indent="0" lvl="0" marL="0" rtl="0" algn="l">
-              <a:spcBef>
-                <a:spcPts val="0"/>
-              </a:spcBef>
-              <a:spcAft>
-                <a:spcPts val="0"/>
-              </a:spcAft>
+              <a:lnSpc>
+                <a:spcPct val="100000"/>
+              </a:lnSpc>
+              <a:spcBef>
+                <a:spcPts val="0"/>
+              </a:spcBef>
+              <a:spcAft>
+                <a:spcPts val="0"/>
+              </a:spcAft>
+              <a:buSzPts val="1400"/>
               <a:buNone/>
             </a:pPr>
             <a:r>
@@ -2366,6 +2375,16 @@
               </a:path>
             </a:pathLst>
           </a:custGeom>
+          <a:noFill/>
+          <a:ln cap="flat" cmpd="sng" w="12700">
+            <a:solidFill>
+              <a:srgbClr val="000000"/>
+            </a:solidFill>
+            <a:prstDash val="solid"/>
+            <a:round/>
+            <a:headEnd len="sm" w="sm" type="none"/>
+            <a:tailEnd len="sm" w="sm" type="none"/>
+          </a:ln>
         </p:spPr>
       </p:sp>
     </p:spTree>
@@ -2381,7 +2400,7 @@
   <p:cSld>
     <p:spTree>
       <p:nvGrpSpPr>
-        <p:cNvPr id="204" name="Shape 204"/>
+        <p:cNvPr id="201" name="Shape 201"/>
         <p:cNvGrpSpPr/>
         <p:nvPr/>
       </p:nvGrpSpPr>
@@ -2395,7 +2414,124 @@
       </p:grpSpPr>
       <p:sp>
         <p:nvSpPr>
-          <p:cNvPr id="205" name="Google Shape;205;p34:notes"/>
+          <p:cNvPr id="202" name="Google Shape;202;g31083fedd1d_0_0:notes"/>
+          <p:cNvSpPr txBox="1"/>
+          <p:nvPr>
+            <p:ph idx="1" type="body"/>
+          </p:nvPr>
+        </p:nvSpPr>
+        <p:spPr>
+          <a:xfrm>
+            <a:off x="685800" y="4400550"/>
+            <a:ext cx="5486400" cy="3600600"/>
+          </a:xfrm>
+          <a:prstGeom prst="rect">
+            <a:avLst/>
+          </a:prstGeom>
+          <a:noFill/>
+          <a:ln>
+            <a:noFill/>
+          </a:ln>
+        </p:spPr>
+        <p:txBody>
+          <a:bodyPr anchorCtr="0" anchor="t" bIns="45700" lIns="91425" spcFirstLastPara="1" rIns="91425" wrap="square" tIns="45700">
+            <a:noAutofit/>
+          </a:bodyPr>
+          <a:lstStyle/>
+          <a:p>
+            <a:pPr indent="0" lvl="0" marL="0" rtl="0" algn="l">
+              <a:lnSpc>
+                <a:spcPct val="100000"/>
+              </a:lnSpc>
+              <a:spcBef>
+                <a:spcPts val="0"/>
+              </a:spcBef>
+              <a:spcAft>
+                <a:spcPts val="0"/>
+              </a:spcAft>
+              <a:buSzPts val="1400"/>
+              <a:buNone/>
+            </a:pPr>
+            <a:r>
+              <a:t/>
+            </a:r>
+            <a:endParaRPr/>
+          </a:p>
+        </p:txBody>
+      </p:sp>
+      <p:sp>
+        <p:nvSpPr>
+          <p:cNvPr id="203" name="Google Shape;203;g31083fedd1d_0_0:notes"/>
+          <p:cNvSpPr/>
+          <p:nvPr>
+            <p:ph idx="2" type="sldImg"/>
+          </p:nvPr>
+        </p:nvSpPr>
+        <p:spPr>
+          <a:xfrm>
+            <a:off x="685800" y="1143000"/>
+            <a:ext cx="5486400" cy="3086100"/>
+          </a:xfrm>
+          <a:custGeom>
+            <a:rect b="b" l="l" r="r" t="t"/>
+            <a:pathLst>
+              <a:path extrusionOk="0" h="120000" w="120000">
+                <a:moveTo>
+                  <a:pt x="0" y="0"/>
+                </a:moveTo>
+                <a:lnTo>
+                  <a:pt x="120000" y="0"/>
+                </a:lnTo>
+                <a:lnTo>
+                  <a:pt x="120000" y="120000"/>
+                </a:lnTo>
+                <a:lnTo>
+                  <a:pt x="0" y="120000"/>
+                </a:lnTo>
+                <a:close/>
+              </a:path>
+            </a:pathLst>
+          </a:custGeom>
+          <a:noFill/>
+          <a:ln cap="flat" cmpd="sng" w="12700">
+            <a:solidFill>
+              <a:srgbClr val="000000"/>
+            </a:solidFill>
+            <a:prstDash val="solid"/>
+            <a:round/>
+            <a:headEnd len="sm" w="sm" type="none"/>
+            <a:tailEnd len="sm" w="sm" type="none"/>
+          </a:ln>
+        </p:spPr>
+      </p:sp>
+    </p:spTree>
+  </p:cSld>
+  <p:clrMapOvr>
+    <a:masterClrMapping/>
+  </p:clrMapOvr>
+</p:notes>
+</file>
+
+<file path=ppt/notesSlides/notesSlide16.xml><?xml version="1.0" encoding="utf-8"?>
+<p:notes xmlns:a="http://schemas.openxmlformats.org/drawingml/2006/main" xmlns:r="http://schemas.openxmlformats.org/officeDocument/2006/relationships" xmlns:mc="http://schemas.openxmlformats.org/markup-compatibility/2006" xmlns:mv="urn:schemas-microsoft-com:mac:vml" xmlns:p="http://schemas.openxmlformats.org/presentationml/2006/main" xmlns:c="http://schemas.openxmlformats.org/drawingml/2006/chart" xmlns:dgm="http://schemas.openxmlformats.org/drawingml/2006/diagram" xmlns:o="urn:schemas-microsoft-com:office:office" xmlns:v="urn:schemas-microsoft-com:vml" xmlns:pvml="urn:schemas-microsoft-com:office:powerpoint" xmlns:com="http://schemas.openxmlformats.org/drawingml/2006/compatibility" xmlns:p14="http://schemas.microsoft.com/office/powerpoint/2010/main" xmlns:p15="http://schemas.microsoft.com/office/powerpoint/2012/main" xmlns:ahyp="http://schemas.microsoft.com/office/drawing/2018/hyperlinkcolor" showMasterPhAnim="0" showMasterSp="0">
+  <p:cSld>
+    <p:spTree>
+      <p:nvGrpSpPr>
+        <p:cNvPr id="207" name="Shape 207"/>
+        <p:cNvGrpSpPr/>
+        <p:nvPr/>
+      </p:nvGrpSpPr>
+      <p:grpSpPr>
+        <a:xfrm>
+          <a:off x="0" y="0"/>
+          <a:ext cx="0" cy="0"/>
+          <a:chOff x="0" y="0"/>
+          <a:chExt cx="0" cy="0"/>
+        </a:xfrm>
+      </p:grpSpPr>
+      <p:sp>
+        <p:nvSpPr>
+          <p:cNvPr id="208" name="Google Shape;208;p34:notes"/>
           <p:cNvSpPr txBox="1"/>
           <p:nvPr>
             <p:ph idx="1" type="body"/>
@@ -2442,7 +2578,7 @@
       </p:sp>
       <p:sp>
         <p:nvSpPr>
-          <p:cNvPr id="206" name="Google Shape;206;p34:notes"/>
+          <p:cNvPr id="209" name="Google Shape;209;p34:notes"/>
           <p:cNvSpPr/>
           <p:nvPr>
             <p:ph idx="2" type="sldImg"/>
@@ -2526,6 +2662,10 @@
           <a:prstGeom prst="rect">
             <a:avLst/>
           </a:prstGeom>
+          <a:noFill/>
+          <a:ln>
+            <a:noFill/>
+          </a:ln>
         </p:spPr>
         <p:txBody>
           <a:bodyPr anchorCtr="0" anchor="t" bIns="45700" lIns="91425" spcFirstLastPara="1" rIns="91425" wrap="square" tIns="45700">
@@ -2534,12 +2674,16 @@
           <a:lstStyle/>
           <a:p>
             <a:pPr indent="0" lvl="0" marL="0" rtl="0" algn="l">
-              <a:spcBef>
-                <a:spcPts val="0"/>
-              </a:spcBef>
-              <a:spcAft>
-                <a:spcPts val="0"/>
-              </a:spcAft>
+              <a:lnSpc>
+                <a:spcPct val="100000"/>
+              </a:lnSpc>
+              <a:spcBef>
+                <a:spcPts val="0"/>
+              </a:spcBef>
+              <a:spcAft>
+                <a:spcPts val="0"/>
+              </a:spcAft>
+              <a:buSzPts val="1400"/>
               <a:buNone/>
             </a:pPr>
             <a:r>
@@ -2582,6 +2726,16 @@
               </a:path>
             </a:pathLst>
           </a:custGeom>
+          <a:noFill/>
+          <a:ln cap="flat" cmpd="sng" w="12700">
+            <a:solidFill>
+              <a:srgbClr val="000000"/>
+            </a:solidFill>
+            <a:prstDash val="solid"/>
+            <a:round/>
+            <a:headEnd len="sm" w="sm" type="none"/>
+            <a:tailEnd len="sm" w="sm" type="none"/>
+          </a:ln>
         </p:spPr>
       </p:sp>
     </p:spTree>
@@ -2625,6 +2779,10 @@
           <a:prstGeom prst="rect">
             <a:avLst/>
           </a:prstGeom>
+          <a:noFill/>
+          <a:ln>
+            <a:noFill/>
+          </a:ln>
         </p:spPr>
         <p:txBody>
           <a:bodyPr anchorCtr="0" anchor="t" bIns="45700" lIns="91425" spcFirstLastPara="1" rIns="91425" wrap="square" tIns="45700">
@@ -2633,12 +2791,16 @@
           <a:lstStyle/>
           <a:p>
             <a:pPr indent="0" lvl="0" marL="0" rtl="0" algn="l">
-              <a:spcBef>
-                <a:spcPts val="0"/>
-              </a:spcBef>
-              <a:spcAft>
-                <a:spcPts val="0"/>
-              </a:spcAft>
+              <a:lnSpc>
+                <a:spcPct val="100000"/>
+              </a:lnSpc>
+              <a:spcBef>
+                <a:spcPts val="0"/>
+              </a:spcBef>
+              <a:spcAft>
+                <a:spcPts val="0"/>
+              </a:spcAft>
+              <a:buSzPts val="1400"/>
               <a:buNone/>
             </a:pPr>
             <a:r>
@@ -2681,6 +2843,16 @@
               </a:path>
             </a:pathLst>
           </a:custGeom>
+          <a:noFill/>
+          <a:ln cap="flat" cmpd="sng" w="12700">
+            <a:solidFill>
+              <a:srgbClr val="000000"/>
+            </a:solidFill>
+            <a:prstDash val="solid"/>
+            <a:round/>
+            <a:headEnd len="sm" w="sm" type="none"/>
+            <a:tailEnd len="sm" w="sm" type="none"/>
+          </a:ln>
         </p:spPr>
       </p:sp>
     </p:spTree>
@@ -2724,6 +2896,10 @@
           <a:prstGeom prst="rect">
             <a:avLst/>
           </a:prstGeom>
+          <a:noFill/>
+          <a:ln>
+            <a:noFill/>
+          </a:ln>
         </p:spPr>
         <p:txBody>
           <a:bodyPr anchorCtr="0" anchor="t" bIns="45700" lIns="91425" spcFirstLastPara="1" rIns="91425" wrap="square" tIns="45700">
@@ -2732,12 +2908,16 @@
           <a:lstStyle/>
           <a:p>
             <a:pPr indent="0" lvl="0" marL="0" rtl="0" algn="l">
-              <a:spcBef>
-                <a:spcPts val="0"/>
-              </a:spcBef>
-              <a:spcAft>
-                <a:spcPts val="0"/>
-              </a:spcAft>
+              <a:lnSpc>
+                <a:spcPct val="100000"/>
+              </a:lnSpc>
+              <a:spcBef>
+                <a:spcPts val="0"/>
+              </a:spcBef>
+              <a:spcAft>
+                <a:spcPts val="0"/>
+              </a:spcAft>
+              <a:buSzPts val="1400"/>
               <a:buNone/>
             </a:pPr>
             <a:r>
@@ -2780,6 +2960,16 @@
               </a:path>
             </a:pathLst>
           </a:custGeom>
+          <a:noFill/>
+          <a:ln cap="flat" cmpd="sng" w="12700">
+            <a:solidFill>
+              <a:srgbClr val="000000"/>
+            </a:solidFill>
+            <a:prstDash val="solid"/>
+            <a:round/>
+            <a:headEnd len="sm" w="sm" type="none"/>
+            <a:tailEnd len="sm" w="sm" type="none"/>
+          </a:ln>
         </p:spPr>
       </p:sp>
     </p:spTree>
@@ -2823,6 +3013,10 @@
           <a:prstGeom prst="rect">
             <a:avLst/>
           </a:prstGeom>
+          <a:noFill/>
+          <a:ln>
+            <a:noFill/>
+          </a:ln>
         </p:spPr>
         <p:txBody>
           <a:bodyPr anchorCtr="0" anchor="t" bIns="45700" lIns="91425" spcFirstLastPara="1" rIns="91425" wrap="square" tIns="45700">
@@ -2831,12 +3025,16 @@
           <a:lstStyle/>
           <a:p>
             <a:pPr indent="0" lvl="0" marL="0" rtl="0" algn="l">
-              <a:spcBef>
-                <a:spcPts val="0"/>
-              </a:spcBef>
-              <a:spcAft>
-                <a:spcPts val="0"/>
-              </a:spcAft>
+              <a:lnSpc>
+                <a:spcPct val="100000"/>
+              </a:lnSpc>
+              <a:spcBef>
+                <a:spcPts val="0"/>
+              </a:spcBef>
+              <a:spcAft>
+                <a:spcPts val="0"/>
+              </a:spcAft>
+              <a:buSzPts val="1400"/>
               <a:buNone/>
             </a:pPr>
             <a:r>
@@ -2879,6 +3077,16 @@
               </a:path>
             </a:pathLst>
           </a:custGeom>
+          <a:noFill/>
+          <a:ln cap="flat" cmpd="sng" w="12700">
+            <a:solidFill>
+              <a:srgbClr val="000000"/>
+            </a:solidFill>
+            <a:prstDash val="solid"/>
+            <a:round/>
+            <a:headEnd len="sm" w="sm" type="none"/>
+            <a:tailEnd len="sm" w="sm" type="none"/>
+          </a:ln>
         </p:spPr>
       </p:sp>
     </p:spTree>
@@ -3040,6 +3248,10 @@
           <a:prstGeom prst="rect">
             <a:avLst/>
           </a:prstGeom>
+          <a:noFill/>
+          <a:ln>
+            <a:noFill/>
+          </a:ln>
         </p:spPr>
         <p:txBody>
           <a:bodyPr anchorCtr="0" anchor="t" bIns="45700" lIns="91425" spcFirstLastPara="1" rIns="91425" wrap="square" tIns="45700">
@@ -3048,12 +3260,16 @@
           <a:lstStyle/>
           <a:p>
             <a:pPr indent="0" lvl="0" marL="0" rtl="0" algn="l">
-              <a:spcBef>
-                <a:spcPts val="0"/>
-              </a:spcBef>
-              <a:spcAft>
-                <a:spcPts val="0"/>
-              </a:spcAft>
+              <a:lnSpc>
+                <a:spcPct val="100000"/>
+              </a:lnSpc>
+              <a:spcBef>
+                <a:spcPts val="0"/>
+              </a:spcBef>
+              <a:spcAft>
+                <a:spcPts val="0"/>
+              </a:spcAft>
+              <a:buSzPts val="1400"/>
               <a:buNone/>
             </a:pPr>
             <a:r>
@@ -3096,6 +3312,16 @@
               </a:path>
             </a:pathLst>
           </a:custGeom>
+          <a:noFill/>
+          <a:ln cap="flat" cmpd="sng" w="12700">
+            <a:solidFill>
+              <a:srgbClr val="000000"/>
+            </a:solidFill>
+            <a:prstDash val="solid"/>
+            <a:round/>
+            <a:headEnd len="sm" w="sm" type="none"/>
+            <a:tailEnd len="sm" w="sm" type="none"/>
+          </a:ln>
         </p:spPr>
       </p:sp>
     </p:spTree>
@@ -16519,19 +16745,7 @@
                 <a:cs typeface="Calibri"/>
                 <a:sym typeface="Calibri"/>
               </a:rPr>
-              <a:t>Caso de negocio </a:t>
-            </a:r>
-            <a:r>
-              <a:rPr lang="es-419" sz="2800">
-                <a:solidFill>
-                  <a:schemeClr val="dk1"/>
-                </a:solidFill>
-                <a:latin typeface="Calibri"/>
-                <a:ea typeface="Calibri"/>
-                <a:cs typeface="Calibri"/>
-                <a:sym typeface="Calibri"/>
-              </a:rPr>
-              <a:t>Hotelería Web Perriot</a:t>
+              <a:t>Caso de negocio Hotelería Web Perriot</a:t>
             </a:r>
             <a:endParaRPr b="0" i="0" sz="2800" u="none" cap="none" strike="noStrike">
               <a:solidFill>
@@ -16573,7 +16787,15 @@
               </a:rPr>
               <a:t>Arquitectura Diseño Solución</a:t>
             </a:r>
-            <a:endParaRPr/>
+            <a:endParaRPr b="0" i="0" sz="1400" u="none" cap="none" strike="noStrike">
+              <a:solidFill>
+                <a:srgbClr val="000000"/>
+              </a:solidFill>
+              <a:latin typeface="Arial"/>
+              <a:ea typeface="Arial"/>
+              <a:cs typeface="Arial"/>
+              <a:sym typeface="Arial"/>
+            </a:endParaRPr>
           </a:p>
           <a:p>
             <a:pPr indent="0" lvl="0" marL="0" marR="0" rtl="0" algn="ctr">
@@ -16720,21 +16942,9 @@
                 <a:cs typeface="Calibri"/>
                 <a:sym typeface="Calibri"/>
               </a:rPr>
-              <a:t>Integrantes	: </a:t>
+              <a:t>Integrantes	: Gabriel Avendaño</a:t>
             </a:r>
-            <a:r>
-              <a:rPr lang="es-419" sz="2800">
-                <a:solidFill>
-                  <a:schemeClr val="lt1"/>
-                </a:solidFill>
-                <a:latin typeface="Calibri"/>
-                <a:ea typeface="Calibri"/>
-                <a:cs typeface="Calibri"/>
-                <a:sym typeface="Calibri"/>
-              </a:rPr>
-              <a:t>Gabriel Avendaño</a:t>
-            </a:r>
-            <a:endParaRPr sz="2800">
+            <a:endParaRPr b="0" i="0" sz="2800" u="none" cap="none" strike="noStrike">
               <a:solidFill>
                 <a:schemeClr val="lt1"/>
               </a:solidFill>
@@ -16763,7 +16973,7 @@
               <a:buNone/>
             </a:pPr>
             <a:r>
-              <a:rPr lang="es-419" sz="2800">
+              <a:rPr b="0" i="0" lang="es-419" sz="2800" u="none" cap="none" strike="noStrike">
                 <a:solidFill>
                   <a:schemeClr val="lt1"/>
                 </a:solidFill>
@@ -16774,7 +16984,7 @@
               </a:rPr>
               <a:t>                         Ignacio Coloma</a:t>
             </a:r>
-            <a:endParaRPr sz="2800">
+            <a:endParaRPr b="0" i="0" sz="2800" u="none" cap="none" strike="noStrike">
               <a:solidFill>
                 <a:schemeClr val="lt1"/>
               </a:solidFill>
@@ -16823,19 +17033,7 @@
                 <a:cs typeface="Calibri"/>
                 <a:sym typeface="Calibri"/>
               </a:rPr>
-              <a:t>Docente	:Christian Laz</a:t>
-            </a:r>
-            <a:r>
-              <a:rPr lang="es-419" sz="2800">
-                <a:solidFill>
-                  <a:schemeClr val="lt1"/>
-                </a:solidFill>
-                <a:latin typeface="Calibri"/>
-                <a:ea typeface="Calibri"/>
-                <a:cs typeface="Calibri"/>
-                <a:sym typeface="Calibri"/>
-              </a:rPr>
-              <a:t>cano</a:t>
+              <a:t>Docente	:Christian Lazcano</a:t>
             </a:r>
             <a:endParaRPr b="0" i="0" sz="5400" u="none" cap="none" strike="noStrike">
               <a:solidFill>
@@ -16955,13 +17153,12 @@
           <p:cNvPicPr preferRelativeResize="0"/>
           <p:nvPr/>
         </p:nvPicPr>
-        <p:blipFill>
+        <p:blipFill rotWithShape="1">
           <a:blip r:embed="rId3">
             <a:alphaModFix/>
           </a:blip>
-          <a:stretch>
-            <a:fillRect/>
-          </a:stretch>
+          <a:srcRect b="0" l="0" r="0" t="0"/>
+          <a:stretch/>
         </p:blipFill>
         <p:spPr>
           <a:xfrm>
@@ -17008,13 +17205,12 @@
           <p:cNvPicPr preferRelativeResize="0"/>
           <p:nvPr/>
         </p:nvPicPr>
-        <p:blipFill>
+        <p:blipFill rotWithShape="1">
           <a:blip r:embed="rId3">
             <a:alphaModFix/>
           </a:blip>
-          <a:stretch>
-            <a:fillRect/>
-          </a:stretch>
+          <a:srcRect b="0" l="0" r="0" t="0"/>
+          <a:stretch/>
         </p:blipFill>
         <p:spPr>
           <a:xfrm>
@@ -17450,16 +17646,24 @@
           <a:chExt cx="0" cy="0"/>
         </a:xfrm>
       </p:grpSpPr>
-      <p:sp>
-        <p:nvSpPr>
+      <p:pic>
+        <p:nvPicPr>
           <p:cNvPr id="199" name="Google Shape;199;p36"/>
-          <p:cNvSpPr/>
+          <p:cNvPicPr preferRelativeResize="0"/>
           <p:nvPr/>
-        </p:nvSpPr>
+        </p:nvPicPr>
+        <p:blipFill>
+          <a:blip r:embed="rId3">
+            <a:alphaModFix/>
+          </a:blip>
+          <a:stretch>
+            <a:fillRect/>
+          </a:stretch>
+        </p:blipFill>
         <p:spPr>
           <a:xfrm>
             <a:off x="0" y="0"/>
-            <a:ext cx="12192000" cy="6858000"/>
+            <a:ext cx="12191999" cy="6858001"/>
           </a:xfrm>
           <a:prstGeom prst="rect">
             <a:avLst/>
@@ -17471,184 +17675,17 @@
             <a:noFill/>
           </a:ln>
         </p:spPr>
-        <p:txBody>
-          <a:bodyPr anchorCtr="0" anchor="ctr" bIns="45700" lIns="91425" spcFirstLastPara="1" rIns="91425" wrap="square" tIns="45700">
-            <a:noAutofit/>
-          </a:bodyPr>
-          <a:lstStyle/>
-          <a:p>
-            <a:pPr indent="0" lvl="0" marL="0" marR="0" rtl="0" algn="ctr">
-              <a:lnSpc>
-                <a:spcPct val="100000"/>
-              </a:lnSpc>
-              <a:spcBef>
-                <a:spcPts val="0"/>
-              </a:spcBef>
-              <a:spcAft>
-                <a:spcPts val="0"/>
-              </a:spcAft>
-              <a:buNone/>
-            </a:pPr>
-            <a:r>
-              <a:t/>
-            </a:r>
-            <a:endParaRPr b="0" i="0" sz="1400" u="none" cap="none" strike="noStrike">
-              <a:solidFill>
-                <a:schemeClr val="lt1"/>
-              </a:solidFill>
-              <a:latin typeface="Arial"/>
-              <a:ea typeface="Arial"/>
-              <a:cs typeface="Arial"/>
-              <a:sym typeface="Arial"/>
-            </a:endParaRPr>
-          </a:p>
-        </p:txBody>
-      </p:sp>
-      <p:pic>
-        <p:nvPicPr>
-          <p:cNvPr descr="Arquitectura de microservicios: qué es, ventajas y desventajas" id="200" name="Google Shape;200;p36"/>
-          <p:cNvPicPr preferRelativeResize="0"/>
-          <p:nvPr/>
-        </p:nvPicPr>
-        <p:blipFill rotWithShape="1">
-          <a:blip r:embed="rId3">
-            <a:alphaModFix/>
-          </a:blip>
-          <a:srcRect b="0" l="38793" r="21764" t="0"/>
-          <a:stretch/>
-        </p:blipFill>
-        <p:spPr>
-          <a:xfrm>
-            <a:off x="20" y="10"/>
-            <a:ext cx="5409897" cy="6857990"/>
-          </a:xfrm>
-          <a:prstGeom prst="rect">
-            <a:avLst/>
-          </a:prstGeom>
-          <a:noFill/>
-          <a:ln>
-            <a:noFill/>
-          </a:ln>
-        </p:spPr>
       </p:pic>
       <p:sp>
         <p:nvSpPr>
-          <p:cNvPr id="201" name="Google Shape;201;p36"/>
-          <p:cNvSpPr/>
-          <p:nvPr/>
-        </p:nvSpPr>
-        <p:spPr>
-          <a:xfrm>
-            <a:off x="5410200" y="1"/>
-            <a:ext cx="6781801" cy="6857999"/>
-          </a:xfrm>
-          <a:prstGeom prst="rect">
-            <a:avLst/>
-          </a:prstGeom>
-          <a:solidFill>
-            <a:srgbClr val="FEE8CF"/>
-          </a:solidFill>
-          <a:ln>
-            <a:noFill/>
-          </a:ln>
-        </p:spPr>
-        <p:txBody>
-          <a:bodyPr anchorCtr="0" anchor="ctr" bIns="45700" lIns="91425" spcFirstLastPara="1" rIns="91425" wrap="square" tIns="45700">
-            <a:noAutofit/>
-          </a:bodyPr>
-          <a:lstStyle/>
-          <a:p>
-            <a:pPr indent="0" lvl="0" marL="0" marR="0" rtl="0" algn="ctr">
-              <a:lnSpc>
-                <a:spcPct val="100000"/>
-              </a:lnSpc>
-              <a:spcBef>
-                <a:spcPts val="0"/>
-              </a:spcBef>
-              <a:spcAft>
-                <a:spcPts val="0"/>
-              </a:spcAft>
-              <a:buNone/>
-            </a:pPr>
-            <a:r>
-              <a:t/>
-            </a:r>
-            <a:endParaRPr b="0" i="0" sz="1400" u="none" cap="none" strike="noStrike">
-              <a:solidFill>
-                <a:schemeClr val="lt1"/>
-              </a:solidFill>
-              <a:latin typeface="Arial"/>
-              <a:ea typeface="Arial"/>
-              <a:cs typeface="Arial"/>
-              <a:sym typeface="Arial"/>
-            </a:endParaRPr>
-          </a:p>
-        </p:txBody>
-      </p:sp>
-      <p:sp>
-        <p:nvSpPr>
-          <p:cNvPr id="202" name="Google Shape;202;p36"/>
-          <p:cNvSpPr/>
-          <p:nvPr/>
-        </p:nvSpPr>
-        <p:spPr>
-          <a:xfrm>
-            <a:off x="6096565" y="685800"/>
-            <a:ext cx="5409636" cy="5486400"/>
-          </a:xfrm>
-          <a:prstGeom prst="rect">
-            <a:avLst/>
-          </a:prstGeom>
-          <a:solidFill>
-            <a:schemeClr val="lt1"/>
-          </a:solidFill>
-          <a:ln>
-            <a:noFill/>
-          </a:ln>
-        </p:spPr>
-        <p:txBody>
-          <a:bodyPr anchorCtr="0" anchor="ctr" bIns="45700" lIns="91425" spcFirstLastPara="1" rIns="91425" wrap="square" tIns="45700">
-            <a:noAutofit/>
-          </a:bodyPr>
-          <a:lstStyle/>
-          <a:p>
-            <a:pPr indent="0" lvl="0" marL="0" marR="0" rtl="0" algn="ctr">
-              <a:lnSpc>
-                <a:spcPct val="100000"/>
-              </a:lnSpc>
-              <a:spcBef>
-                <a:spcPts val="0"/>
-              </a:spcBef>
-              <a:spcAft>
-                <a:spcPts val="0"/>
-              </a:spcAft>
-              <a:buNone/>
-            </a:pPr>
-            <a:r>
-              <a:t/>
-            </a:r>
-            <a:endParaRPr b="0" i="0" sz="1400" u="none" cap="none" strike="noStrike">
-              <a:solidFill>
-                <a:schemeClr val="lt1"/>
-              </a:solidFill>
-              <a:latin typeface="Arial"/>
-              <a:ea typeface="Arial"/>
-              <a:cs typeface="Arial"/>
-              <a:sym typeface="Arial"/>
-            </a:endParaRPr>
-          </a:p>
-        </p:txBody>
-      </p:sp>
-      <p:sp>
-        <p:nvSpPr>
-          <p:cNvPr id="203" name="Google Shape;203;p36"/>
+          <p:cNvPr id="200" name="Google Shape;200;p36"/>
           <p:cNvSpPr txBox="1"/>
           <p:nvPr/>
         </p:nvSpPr>
         <p:spPr>
           <a:xfrm>
-            <a:off x="6416336" y="685799"/>
-            <a:ext cx="4403781" cy="907199"/>
+            <a:off x="5180725" y="-47350"/>
+            <a:ext cx="2035800" cy="459900"/>
           </a:xfrm>
           <a:prstGeom prst="rect">
             <a:avLst/>
@@ -17660,7 +17697,7 @@
         </p:spPr>
         <p:txBody>
           <a:bodyPr anchorCtr="0" anchor="b" bIns="45700" lIns="91425" spcFirstLastPara="1" rIns="91425" wrap="square" tIns="45700">
-            <a:normAutofit fontScale="92500"/>
+            <a:normAutofit/>
           </a:bodyPr>
           <a:lstStyle/>
           <a:p>
@@ -17674,6 +17711,11 @@
               <a:spcAft>
                 <a:spcPts val="0"/>
               </a:spcAft>
+              <a:buClr>
+                <a:srgbClr val="000000"/>
+              </a:buClr>
+              <a:buSzPts val="2500"/>
+              <a:buFont typeface="Arial"/>
               <a:buNone/>
             </a:pPr>
             <a:r>
@@ -17686,36 +17728,17 @@
                 <a:cs typeface="Arial"/>
                 <a:sym typeface="Arial"/>
               </a:rPr>
-              <a:t>Roadmap - Trello</a:t>
+              <a:t>Roadmap </a:t>
             </a:r>
-            <a:endParaRPr/>
-          </a:p>
-          <a:p>
-            <a:pPr indent="0" lvl="0" marL="0" marR="0" rtl="0" algn="ctr">
-              <a:lnSpc>
-                <a:spcPct val="90000"/>
-              </a:lnSpc>
-              <a:spcBef>
-                <a:spcPts val="600"/>
-              </a:spcBef>
-              <a:spcAft>
-                <a:spcPts val="600"/>
-              </a:spcAft>
-              <a:buNone/>
-            </a:pPr>
-            <a:r>
-              <a:rPr b="0" i="0" lang="es-419" sz="2500" u="none" cap="none" strike="noStrike">
-                <a:solidFill>
-                  <a:srgbClr val="595959"/>
-                </a:solidFill>
-                <a:latin typeface="Arial"/>
-                <a:ea typeface="Arial"/>
-                <a:cs typeface="Arial"/>
-                <a:sym typeface="Arial"/>
-              </a:rPr>
-              <a:t>Principales entregables FASE 2</a:t>
-            </a:r>
-            <a:endParaRPr/>
+            <a:endParaRPr b="0" i="0" sz="1400" u="none" cap="none" strike="noStrike">
+              <a:solidFill>
+                <a:srgbClr val="000000"/>
+              </a:solidFill>
+              <a:latin typeface="Arial"/>
+              <a:ea typeface="Arial"/>
+              <a:cs typeface="Arial"/>
+              <a:sym typeface="Arial"/>
+            </a:endParaRPr>
           </a:p>
         </p:txBody>
       </p:sp>
@@ -17730,9 +17753,16 @@
 <file path=ppt/slides/slide15.xml><?xml version="1.0" encoding="utf-8"?>
 <p:sld xmlns:a="http://schemas.openxmlformats.org/drawingml/2006/main" xmlns:r="http://schemas.openxmlformats.org/officeDocument/2006/relationships" xmlns:mc="http://schemas.openxmlformats.org/markup-compatibility/2006" xmlns:mv="urn:schemas-microsoft-com:mac:vml" xmlns:p="http://schemas.openxmlformats.org/presentationml/2006/main" xmlns:c="http://schemas.openxmlformats.org/drawingml/2006/chart" xmlns:dgm="http://schemas.openxmlformats.org/drawingml/2006/diagram" xmlns:o="urn:schemas-microsoft-com:office:office" xmlns:v="urn:schemas-microsoft-com:vml" xmlns:pvml="urn:schemas-microsoft-com:office:powerpoint" xmlns:com="http://schemas.openxmlformats.org/drawingml/2006/compatibility" xmlns:p14="http://schemas.microsoft.com/office/powerpoint/2010/main" xmlns:p15="http://schemas.microsoft.com/office/powerpoint/2012/main" xmlns:ahyp="http://schemas.microsoft.com/office/drawing/2018/hyperlinkcolor">
   <p:cSld>
+    <p:bg>
+      <p:bgPr>
+        <a:solidFill>
+          <a:schemeClr val="lt1"/>
+        </a:solidFill>
+      </p:bgPr>
+    </p:bg>
     <p:spTree>
       <p:nvGrpSpPr>
-        <p:cNvPr id="207" name="Shape 207"/>
+        <p:cNvPr id="204" name="Shape 204"/>
         <p:cNvGrpSpPr/>
         <p:nvPr/>
       </p:nvGrpSpPr>
@@ -17746,7 +17776,157 @@
       </p:grpSpPr>
       <p:sp>
         <p:nvSpPr>
-          <p:cNvPr id="208" name="Google Shape;208;p34"/>
+          <p:cNvPr id="205" name="Google Shape;205;g31083fedd1d_0_0"/>
+          <p:cNvSpPr txBox="1"/>
+          <p:nvPr/>
+        </p:nvSpPr>
+        <p:spPr>
+          <a:xfrm>
+            <a:off x="4883100" y="33800"/>
+            <a:ext cx="1440600" cy="507300"/>
+          </a:xfrm>
+          <a:prstGeom prst="rect">
+            <a:avLst/>
+          </a:prstGeom>
+          <a:noFill/>
+          <a:ln>
+            <a:noFill/>
+          </a:ln>
+        </p:spPr>
+        <p:txBody>
+          <a:bodyPr anchorCtr="0" anchor="b" bIns="45700" lIns="91425" spcFirstLastPara="1" rIns="91425" wrap="square" tIns="45700">
+            <a:normAutofit fontScale="40000" lnSpcReduction="20000"/>
+          </a:bodyPr>
+          <a:lstStyle/>
+          <a:p>
+            <a:pPr indent="0" lvl="0" marL="0" marR="0" rtl="0" algn="ctr">
+              <a:lnSpc>
+                <a:spcPct val="90000"/>
+              </a:lnSpc>
+              <a:spcBef>
+                <a:spcPts val="0"/>
+              </a:spcBef>
+              <a:spcAft>
+                <a:spcPts val="0"/>
+              </a:spcAft>
+              <a:buClr>
+                <a:srgbClr val="000000"/>
+              </a:buClr>
+              <a:buSzPct val="40676"/>
+              <a:buFont typeface="Arial"/>
+              <a:buNone/>
+            </a:pPr>
+            <a:r>
+              <a:rPr b="0" i="0" lang="es-419" sz="6146" u="none" cap="none" strike="noStrike">
+                <a:solidFill>
+                  <a:srgbClr val="595959"/>
+                </a:solidFill>
+                <a:latin typeface="Arial"/>
+                <a:ea typeface="Arial"/>
+                <a:cs typeface="Arial"/>
+                <a:sym typeface="Arial"/>
+              </a:rPr>
+              <a:t>Trello</a:t>
+            </a:r>
+            <a:endParaRPr b="0" i="0" sz="5046" u="none" cap="none" strike="noStrike">
+              <a:solidFill>
+                <a:srgbClr val="000000"/>
+              </a:solidFill>
+              <a:latin typeface="Arial"/>
+              <a:ea typeface="Arial"/>
+              <a:cs typeface="Arial"/>
+              <a:sym typeface="Arial"/>
+            </a:endParaRPr>
+          </a:p>
+          <a:p>
+            <a:pPr indent="0" lvl="0" marL="0" marR="0" rtl="0" algn="ctr">
+              <a:lnSpc>
+                <a:spcPct val="90000"/>
+              </a:lnSpc>
+              <a:spcBef>
+                <a:spcPts val="600"/>
+              </a:spcBef>
+              <a:spcAft>
+                <a:spcPts val="600"/>
+              </a:spcAft>
+              <a:buClr>
+                <a:srgbClr val="000000"/>
+              </a:buClr>
+              <a:buSzPct val="178571"/>
+              <a:buFont typeface="Arial"/>
+              <a:buNone/>
+            </a:pPr>
+            <a:r>
+              <a:t/>
+            </a:r>
+            <a:endParaRPr b="0" i="0" sz="1400" u="none" cap="none" strike="noStrike">
+              <a:solidFill>
+                <a:srgbClr val="000000"/>
+              </a:solidFill>
+              <a:latin typeface="Arial"/>
+              <a:ea typeface="Arial"/>
+              <a:cs typeface="Arial"/>
+              <a:sym typeface="Arial"/>
+            </a:endParaRPr>
+          </a:p>
+        </p:txBody>
+      </p:sp>
+      <p:pic>
+        <p:nvPicPr>
+          <p:cNvPr id="206" name="Google Shape;206;g31083fedd1d_0_0"/>
+          <p:cNvPicPr preferRelativeResize="0"/>
+          <p:nvPr/>
+        </p:nvPicPr>
+        <p:blipFill>
+          <a:blip r:embed="rId3">
+            <a:alphaModFix/>
+          </a:blip>
+          <a:stretch>
+            <a:fillRect/>
+          </a:stretch>
+        </p:blipFill>
+        <p:spPr>
+          <a:xfrm>
+            <a:off x="0" y="507300"/>
+            <a:ext cx="12192001" cy="6320051"/>
+          </a:xfrm>
+          <a:prstGeom prst="rect">
+            <a:avLst/>
+          </a:prstGeom>
+          <a:noFill/>
+          <a:ln>
+            <a:noFill/>
+          </a:ln>
+        </p:spPr>
+      </p:pic>
+    </p:spTree>
+  </p:cSld>
+  <p:clrMapOvr>
+    <a:masterClrMapping/>
+  </p:clrMapOvr>
+</p:sld>
+</file>
+
+<file path=ppt/slides/slide16.xml><?xml version="1.0" encoding="utf-8"?>
+<p:sld xmlns:a="http://schemas.openxmlformats.org/drawingml/2006/main" xmlns:r="http://schemas.openxmlformats.org/officeDocument/2006/relationships" xmlns:mc="http://schemas.openxmlformats.org/markup-compatibility/2006" xmlns:mv="urn:schemas-microsoft-com:mac:vml" xmlns:p="http://schemas.openxmlformats.org/presentationml/2006/main" xmlns:c="http://schemas.openxmlformats.org/drawingml/2006/chart" xmlns:dgm="http://schemas.openxmlformats.org/drawingml/2006/diagram" xmlns:o="urn:schemas-microsoft-com:office:office" xmlns:v="urn:schemas-microsoft-com:vml" xmlns:pvml="urn:schemas-microsoft-com:office:powerpoint" xmlns:com="http://schemas.openxmlformats.org/drawingml/2006/compatibility" xmlns:p14="http://schemas.microsoft.com/office/powerpoint/2010/main" xmlns:p15="http://schemas.microsoft.com/office/powerpoint/2012/main" xmlns:ahyp="http://schemas.microsoft.com/office/drawing/2018/hyperlinkcolor">
+  <p:cSld>
+    <p:spTree>
+      <p:nvGrpSpPr>
+        <p:cNvPr id="210" name="Shape 210"/>
+        <p:cNvGrpSpPr/>
+        <p:nvPr/>
+      </p:nvGrpSpPr>
+      <p:grpSpPr>
+        <a:xfrm>
+          <a:off x="0" y="0"/>
+          <a:ext cx="0" cy="0"/>
+          <a:chOff x="0" y="0"/>
+          <a:chExt cx="0" cy="0"/>
+        </a:xfrm>
+      </p:grpSpPr>
+      <p:sp>
+        <p:nvSpPr>
+          <p:cNvPr id="211" name="Google Shape;211;p34"/>
           <p:cNvSpPr txBox="1"/>
           <p:nvPr>
             <p:ph type="title"/>
@@ -17810,7 +17990,7 @@
       </p:sp>
       <p:pic>
         <p:nvPicPr>
-          <p:cNvPr descr="Dentistas 3.0: Diagnóstico por imagen - IMED Dental" id="209" name="Google Shape;209;p34"/>
+          <p:cNvPr descr="Dentistas 3.0: Diagnóstico por imagen - IMED Dental" id="212" name="Google Shape;212;p34"/>
           <p:cNvPicPr preferRelativeResize="0"/>
           <p:nvPr/>
         </p:nvPicPr>
@@ -17929,6 +18109,11 @@
               <a:spcAft>
                 <a:spcPts val="0"/>
               </a:spcAft>
+              <a:buClr>
+                <a:srgbClr val="000000"/>
+              </a:buClr>
+              <a:buSzPts val="1400"/>
+              <a:buFont typeface="Arial"/>
               <a:buNone/>
             </a:pPr>
             <a:r>
@@ -17956,7 +18141,7 @@
           <a:blip r:embed="rId3">
             <a:alphaModFix/>
           </a:blip>
-          <a:srcRect b="0" l="23265" r="6235" t="0"/>
+          <a:srcRect b="0" l="23265" r="6234" t="0"/>
           <a:stretch/>
         </p:blipFill>
         <p:spPr>
@@ -17996,12 +18181,12 @@
               </a:gs>
               <a:gs pos="19000">
                 <a:srgbClr val="FFFFFF">
-                  <a:alpha val="37647"/>
+                  <a:alpha val="37254"/>
                 </a:srgbClr>
               </a:gs>
               <a:gs pos="35000">
                 <a:srgbClr val="FFFFFF">
-                  <a:alpha val="76862"/>
+                  <a:alpha val="76470"/>
                 </a:srgbClr>
               </a:gs>
               <a:gs pos="48000">
@@ -18033,6 +18218,11 @@
               <a:spcAft>
                 <a:spcPts val="0"/>
               </a:spcAft>
+              <a:buClr>
+                <a:srgbClr val="000000"/>
+              </a:buClr>
+              <a:buSzPts val="1400"/>
+              <a:buFont typeface="Arial"/>
               <a:buNone/>
             </a:pPr>
             <a:r>
@@ -18085,6 +18275,11 @@
               <a:spcAft>
                 <a:spcPts val="600"/>
               </a:spcAft>
+              <a:buClr>
+                <a:srgbClr val="000000"/>
+              </a:buClr>
+              <a:buSzPts val="4000"/>
+              <a:buFont typeface="Arial"/>
               <a:buNone/>
             </a:pPr>
             <a:r>
@@ -18099,7 +18294,15 @@
               </a:rPr>
               <a:t>Alcances de la propuesta</a:t>
             </a:r>
-            <a:endParaRPr/>
+            <a:endParaRPr b="0" i="0" sz="1400" u="none" cap="none" strike="noStrike">
+              <a:solidFill>
+                <a:srgbClr val="000000"/>
+              </a:solidFill>
+              <a:latin typeface="Arial"/>
+              <a:ea typeface="Arial"/>
+              <a:cs typeface="Arial"/>
+              <a:sym typeface="Arial"/>
+            </a:endParaRPr>
           </a:p>
         </p:txBody>
       </p:sp>
@@ -18138,6 +18341,11 @@
               <a:spcAft>
                 <a:spcPts val="0"/>
               </a:spcAft>
+              <a:buClr>
+                <a:srgbClr val="000000"/>
+              </a:buClr>
+              <a:buSzPts val="1600"/>
+              <a:buFont typeface="Arial"/>
               <a:buNone/>
             </a:pPr>
             <a:r>
@@ -18163,7 +18371,7 @@
             </a:endParaRPr>
           </a:p>
           <a:p>
-            <a:pPr indent="0" lvl="0" marL="0" marR="0" rtl="0" algn="r">
+            <a:pPr indent="-101600" lvl="0" marL="0" marR="0" rtl="0" algn="r">
               <a:lnSpc>
                 <a:spcPct val="150000"/>
               </a:lnSpc>
@@ -18192,10 +18400,18 @@
               </a:rPr>
               <a:t>Las características generales del diseño</a:t>
             </a:r>
-            <a:endParaRPr/>
+            <a:endParaRPr b="0" i="0" sz="1400" u="none" cap="none" strike="noStrike">
+              <a:solidFill>
+                <a:srgbClr val="000000"/>
+              </a:solidFill>
+              <a:latin typeface="Arial"/>
+              <a:ea typeface="Arial"/>
+              <a:cs typeface="Arial"/>
+              <a:sym typeface="Arial"/>
+            </a:endParaRPr>
           </a:p>
           <a:p>
-            <a:pPr indent="0" lvl="0" marL="0" marR="0" rtl="0" algn="r">
+            <a:pPr indent="-101600" lvl="0" marL="0" marR="0" rtl="0" algn="r">
               <a:lnSpc>
                 <a:spcPct val="150000"/>
               </a:lnSpc>
@@ -18224,10 +18440,18 @@
               </a:rPr>
               <a:t>Los requisitos atendidos por el diseño</a:t>
             </a:r>
-            <a:endParaRPr/>
+            <a:endParaRPr b="0" i="0" sz="1400" u="none" cap="none" strike="noStrike">
+              <a:solidFill>
+                <a:srgbClr val="000000"/>
+              </a:solidFill>
+              <a:latin typeface="Arial"/>
+              <a:ea typeface="Arial"/>
+              <a:cs typeface="Arial"/>
+              <a:sym typeface="Arial"/>
+            </a:endParaRPr>
           </a:p>
           <a:p>
-            <a:pPr indent="0" lvl="0" marL="0" marR="0" rtl="0" algn="r">
+            <a:pPr indent="-101600" lvl="0" marL="0" marR="0" rtl="0" algn="r">
               <a:lnSpc>
                 <a:spcPct val="150000"/>
               </a:lnSpc>
@@ -18256,7 +18480,15 @@
               </a:rPr>
               <a:t>Los modelos y vistas que lo detalla</a:t>
             </a:r>
-            <a:endParaRPr/>
+            <a:endParaRPr b="0" i="0" sz="1400" u="none" cap="none" strike="noStrike">
+              <a:solidFill>
+                <a:srgbClr val="000000"/>
+              </a:solidFill>
+              <a:latin typeface="Arial"/>
+              <a:ea typeface="Arial"/>
+              <a:cs typeface="Arial"/>
+              <a:sym typeface="Arial"/>
+            </a:endParaRPr>
           </a:p>
         </p:txBody>
       </p:sp>
@@ -18276,7 +18508,7 @@
           </a:prstGeom>
           <a:solidFill>
             <a:srgbClr val="595959">
-              <a:alpha val="69803"/>
+              <a:alpha val="69411"/>
             </a:srgbClr>
           </a:solidFill>
           <a:ln cap="flat" cmpd="sng" w="9525">
@@ -18305,6 +18537,11 @@
               <a:spcAft>
                 <a:spcPts val="0"/>
               </a:spcAft>
+              <a:buClr>
+                <a:srgbClr val="000000"/>
+              </a:buClr>
+              <a:buSzPts val="1400"/>
+              <a:buFont typeface="Arial"/>
               <a:buNone/>
             </a:pPr>
             <a:r>
@@ -18319,7 +18556,15 @@
               </a:rPr>
               <a:t>Referencias y estándares aplicables a este documento: </a:t>
             </a:r>
-            <a:endParaRPr/>
+            <a:endParaRPr b="0" i="0" sz="1400" u="none" cap="none" strike="noStrike">
+              <a:solidFill>
+                <a:srgbClr val="000000"/>
+              </a:solidFill>
+              <a:latin typeface="Arial"/>
+              <a:ea typeface="Arial"/>
+              <a:cs typeface="Arial"/>
+              <a:sym typeface="Arial"/>
+            </a:endParaRPr>
           </a:p>
           <a:p>
             <a:pPr indent="-285750" lvl="0" marL="285750" marR="0" rtl="0" algn="l">
@@ -18391,7 +18636,15 @@
               </a:rPr>
               <a:t>ISO/IEC 25010</a:t>
             </a:r>
-            <a:endParaRPr/>
+            <a:endParaRPr b="0" i="0" sz="1400" u="none" cap="none" strike="noStrike">
+              <a:solidFill>
+                <a:srgbClr val="000000"/>
+              </a:solidFill>
+              <a:latin typeface="Arial"/>
+              <a:ea typeface="Arial"/>
+              <a:cs typeface="Arial"/>
+              <a:sym typeface="Arial"/>
+            </a:endParaRPr>
           </a:p>
           <a:p>
             <a:pPr indent="-285750" lvl="0" marL="285750" marR="0" rtl="0" algn="l">
@@ -18444,6 +18697,11 @@
               <a:spcAft>
                 <a:spcPts val="0"/>
               </a:spcAft>
+              <a:buClr>
+                <a:srgbClr val="000000"/>
+              </a:buClr>
+              <a:buSzPts val="1400"/>
+              <a:buFont typeface="Arial"/>
               <a:buNone/>
             </a:pPr>
             <a:r>
@@ -18479,6 +18737,11 @@
               <a:spcAft>
                 <a:spcPts val="0"/>
               </a:spcAft>
+              <a:buClr>
+                <a:srgbClr val="000000"/>
+              </a:buClr>
+              <a:buSzPts val="1400"/>
+              <a:buFont typeface="Arial"/>
               <a:buNone/>
             </a:pPr>
             <a:r>
@@ -18514,6 +18777,11 @@
               <a:spcAft>
                 <a:spcPts val="0"/>
               </a:spcAft>
+              <a:buClr>
+                <a:srgbClr val="000000"/>
+              </a:buClr>
+              <a:buSzPts val="1400"/>
+              <a:buFont typeface="Arial"/>
               <a:buNone/>
             </a:pPr>
             <a:r>
@@ -18609,6 +18877,11 @@
               <a:spcAft>
                 <a:spcPts val="0"/>
               </a:spcAft>
+              <a:buClr>
+                <a:srgbClr val="000000"/>
+              </a:buClr>
+              <a:buSzPts val="1400"/>
+              <a:buFont typeface="Arial"/>
               <a:buNone/>
             </a:pPr>
             <a:r>
@@ -18690,6 +18963,11 @@
               <a:spcAft>
                 <a:spcPts val="0"/>
               </a:spcAft>
+              <a:buClr>
+                <a:srgbClr val="000000"/>
+              </a:buClr>
+              <a:buSzPts val="1400"/>
+              <a:buFont typeface="Arial"/>
               <a:buNone/>
             </a:pPr>
             <a:r>
@@ -18744,6 +19022,11 @@
               <a:spcAft>
                 <a:spcPts val="0"/>
               </a:spcAft>
+              <a:buClr>
+                <a:srgbClr val="000000"/>
+              </a:buClr>
+              <a:buSzPts val="1400"/>
+              <a:buFont typeface="Arial"/>
               <a:buNone/>
             </a:pPr>
             <a:r>
@@ -18796,6 +19079,11 @@
               <a:spcAft>
                 <a:spcPts val="600"/>
               </a:spcAft>
+              <a:buClr>
+                <a:srgbClr val="000000"/>
+              </a:buClr>
+              <a:buSzPts val="2500"/>
+              <a:buFont typeface="Arial"/>
               <a:buNone/>
             </a:pPr>
             <a:r>
@@ -18810,7 +19098,15 @@
               </a:rPr>
               <a:t>Descripción caso de negocio</a:t>
             </a:r>
-            <a:endParaRPr/>
+            <a:endParaRPr b="0" i="0" sz="1400" u="none" cap="none" strike="noStrike">
+              <a:solidFill>
+                <a:srgbClr val="000000"/>
+              </a:solidFill>
+              <a:latin typeface="Arial"/>
+              <a:ea typeface="Arial"/>
+              <a:cs typeface="Arial"/>
+              <a:sym typeface="Arial"/>
+            </a:endParaRPr>
           </a:p>
         </p:txBody>
       </p:sp>
@@ -18839,7 +19135,7 @@
           </a:bodyPr>
           <a:lstStyle/>
           <a:p>
-            <a:pPr indent="0" lvl="0" marL="0" marR="0" rtl="0" algn="l">
+            <a:pPr indent="-127000" lvl="0" marL="0" marR="0" rtl="0" algn="l">
               <a:lnSpc>
                 <a:spcPct val="90000"/>
               </a:lnSpc>
@@ -18868,7 +19164,15 @@
               </a:rPr>
               <a:t>Problema o Necesidad a cubrir</a:t>
             </a:r>
-            <a:endParaRPr/>
+            <a:endParaRPr b="0" i="0" sz="1400" u="none" cap="none" strike="noStrike">
+              <a:solidFill>
+                <a:srgbClr val="000000"/>
+              </a:solidFill>
+              <a:latin typeface="Arial"/>
+              <a:ea typeface="Arial"/>
+              <a:cs typeface="Arial"/>
+              <a:sym typeface="Arial"/>
+            </a:endParaRPr>
           </a:p>
           <a:p>
             <a:pPr indent="127000" lvl="0" marL="0" marR="0" rtl="0" algn="l">
@@ -18916,20 +19220,33 @@
                 <a:srgbClr val="595959"/>
               </a:buClr>
               <a:buSzPts val="2000"/>
+              <a:buFont typeface="Arial"/>
               <a:buChar char="•"/>
             </a:pPr>
             <a:r>
-              <a:rPr lang="es-419" sz="2000">
+              <a:rPr b="0" i="0" lang="es-419" sz="2000" u="none" cap="none" strike="noStrike">
                 <a:solidFill>
                   <a:srgbClr val="595959"/>
                 </a:solidFill>
+                <a:latin typeface="Arial"/>
+                <a:ea typeface="Arial"/>
+                <a:cs typeface="Arial"/>
+                <a:sym typeface="Arial"/>
               </a:rPr>
               <a:t>Problemas para administrar     las reservas de su hotel canino.</a:t>
             </a:r>
-            <a:endParaRPr/>
+            <a:endParaRPr b="0" i="0" sz="1400" u="none" cap="none" strike="noStrike">
+              <a:solidFill>
+                <a:srgbClr val="000000"/>
+              </a:solidFill>
+              <a:latin typeface="Arial"/>
+              <a:ea typeface="Arial"/>
+              <a:cs typeface="Arial"/>
+              <a:sym typeface="Arial"/>
+            </a:endParaRPr>
           </a:p>
           <a:p>
-            <a:pPr indent="0" lvl="0" marL="0" marR="0" rtl="0" algn="l">
+            <a:pPr indent="-127000" lvl="0" marL="0" marR="0" rtl="0" algn="l">
               <a:lnSpc>
                 <a:spcPct val="90000"/>
               </a:lnSpc>
@@ -18958,10 +19275,18 @@
               </a:rPr>
               <a:t>Xxxxxxxxxxxxxxxx</a:t>
             </a:r>
-            <a:endParaRPr/>
+            <a:endParaRPr b="0" i="0" sz="1400" u="none" cap="none" strike="noStrike">
+              <a:solidFill>
+                <a:srgbClr val="000000"/>
+              </a:solidFill>
+              <a:latin typeface="Arial"/>
+              <a:ea typeface="Arial"/>
+              <a:cs typeface="Arial"/>
+              <a:sym typeface="Arial"/>
+            </a:endParaRPr>
           </a:p>
           <a:p>
-            <a:pPr indent="0" lvl="0" marL="0" marR="0" rtl="0" algn="l">
+            <a:pPr indent="-127000" lvl="0" marL="0" marR="0" rtl="0" algn="l">
               <a:lnSpc>
                 <a:spcPct val="90000"/>
               </a:lnSpc>
@@ -18990,7 +19315,15 @@
               </a:rPr>
               <a:t>xxxxxxxxxxxxxxxxx</a:t>
             </a:r>
-            <a:endParaRPr/>
+            <a:endParaRPr b="0" i="0" sz="1400" u="none" cap="none" strike="noStrike">
+              <a:solidFill>
+                <a:srgbClr val="000000"/>
+              </a:solidFill>
+              <a:latin typeface="Arial"/>
+              <a:ea typeface="Arial"/>
+              <a:cs typeface="Arial"/>
+              <a:sym typeface="Arial"/>
+            </a:endParaRPr>
           </a:p>
         </p:txBody>
       </p:sp>
@@ -19063,6 +19396,11 @@
               <a:spcAft>
                 <a:spcPts val="0"/>
               </a:spcAft>
+              <a:buClr>
+                <a:srgbClr val="000000"/>
+              </a:buClr>
+              <a:buSzPts val="1400"/>
+              <a:buFont typeface="Arial"/>
               <a:buNone/>
             </a:pPr>
             <a:r>
@@ -19144,6 +19482,11 @@
               <a:spcAft>
                 <a:spcPts val="0"/>
               </a:spcAft>
+              <a:buClr>
+                <a:srgbClr val="000000"/>
+              </a:buClr>
+              <a:buSzPts val="1400"/>
+              <a:buFont typeface="Arial"/>
               <a:buNone/>
             </a:pPr>
             <a:r>
@@ -19198,6 +19541,11 @@
               <a:spcAft>
                 <a:spcPts val="0"/>
               </a:spcAft>
+              <a:buClr>
+                <a:srgbClr val="000000"/>
+              </a:buClr>
+              <a:buSzPts val="1400"/>
+              <a:buFont typeface="Arial"/>
               <a:buNone/>
             </a:pPr>
             <a:r>
@@ -19250,6 +19598,11 @@
               <a:spcAft>
                 <a:spcPts val="600"/>
               </a:spcAft>
+              <a:buClr>
+                <a:srgbClr val="000000"/>
+              </a:buClr>
+              <a:buSzPts val="2500"/>
+              <a:buFont typeface="Arial"/>
               <a:buNone/>
             </a:pPr>
             <a:r>
@@ -19264,7 +19617,15 @@
               </a:rPr>
               <a:t>Descripción caso de negocio</a:t>
             </a:r>
-            <a:endParaRPr/>
+            <a:endParaRPr b="0" i="0" sz="1400" u="none" cap="none" strike="noStrike">
+              <a:solidFill>
+                <a:srgbClr val="000000"/>
+              </a:solidFill>
+              <a:latin typeface="Arial"/>
+              <a:ea typeface="Arial"/>
+              <a:cs typeface="Arial"/>
+              <a:sym typeface="Arial"/>
+            </a:endParaRPr>
           </a:p>
         </p:txBody>
       </p:sp>
@@ -19303,6 +19664,11 @@
               <a:spcAft>
                 <a:spcPts val="0"/>
               </a:spcAft>
+              <a:buClr>
+                <a:srgbClr val="000000"/>
+              </a:buClr>
+              <a:buSzPct val="100000"/>
+              <a:buFont typeface="Arial"/>
               <a:buNone/>
             </a:pPr>
             <a:r>
@@ -19329,7 +19695,7 @@
               </a:rPr>
             </a:br>
             <a:r>
-              <a:rPr lang="es-419" sz="2200">
+              <a:rPr b="0" i="0" lang="es-419" sz="2200" u="none" cap="none" strike="noStrike">
                 <a:solidFill>
                   <a:srgbClr val="3F3F3F"/>
                 </a:solidFill>
@@ -19395,10 +19761,15 @@
               <a:spcAft>
                 <a:spcPts val="0"/>
               </a:spcAft>
+              <a:buClr>
+                <a:srgbClr val="000000"/>
+              </a:buClr>
+              <a:buSzPct val="100000"/>
+              <a:buFont typeface="Arial"/>
               <a:buNone/>
             </a:pPr>
             <a:r>
-              <a:rPr lang="es-419" sz="2200">
+              <a:rPr b="0" i="0" lang="es-419" sz="2200" u="none" cap="none" strike="noStrike">
                 <a:solidFill>
                   <a:srgbClr val="3F3F3F"/>
                 </a:solidFill>
@@ -19407,33 +19778,9 @@
                 <a:cs typeface="Calibri"/>
                 <a:sym typeface="Calibri"/>
               </a:rPr>
-              <a:t>Servicio web para el hotel canino perriot que mejore la eficacia y eficiencia de sus reservas y la </a:t>
+              <a:t>Servicio web para el hotel canino perriot que mejore la eficacia y eficiencia de sus reservas y la gestión del mismo.</a:t>
             </a:r>
-            <a:r>
-              <a:rPr lang="es-419" sz="2200">
-                <a:solidFill>
-                  <a:srgbClr val="3F3F3F"/>
-                </a:solidFill>
-                <a:latin typeface="Calibri"/>
-                <a:ea typeface="Calibri"/>
-                <a:cs typeface="Calibri"/>
-                <a:sym typeface="Calibri"/>
-              </a:rPr>
-              <a:t>gestión</a:t>
-            </a:r>
-            <a:r>
-              <a:rPr lang="es-419" sz="2200">
-                <a:solidFill>
-                  <a:srgbClr val="3F3F3F"/>
-                </a:solidFill>
-                <a:latin typeface="Calibri"/>
-                <a:ea typeface="Calibri"/>
-                <a:cs typeface="Calibri"/>
-                <a:sym typeface="Calibri"/>
-              </a:rPr>
-              <a:t> del mismo.</a:t>
-            </a:r>
-            <a:endParaRPr sz="2200">
+            <a:endParaRPr b="0" i="0" sz="2200" u="none" cap="none" strike="noStrike">
               <a:solidFill>
                 <a:srgbClr val="3F3F3F"/>
               </a:solidFill>
@@ -19514,6 +19861,11 @@
               <a:spcAft>
                 <a:spcPts val="0"/>
               </a:spcAft>
+              <a:buClr>
+                <a:srgbClr val="000000"/>
+              </a:buClr>
+              <a:buSzPts val="1400"/>
+              <a:buFont typeface="Arial"/>
               <a:buNone/>
             </a:pPr>
             <a:r>
@@ -19595,6 +19947,11 @@
               <a:spcAft>
                 <a:spcPts val="0"/>
               </a:spcAft>
+              <a:buClr>
+                <a:srgbClr val="000000"/>
+              </a:buClr>
+              <a:buSzPts val="1400"/>
+              <a:buFont typeface="Arial"/>
               <a:buNone/>
             </a:pPr>
             <a:r>
@@ -19649,6 +20006,11 @@
               <a:spcAft>
                 <a:spcPts val="0"/>
               </a:spcAft>
+              <a:buClr>
+                <a:srgbClr val="000000"/>
+              </a:buClr>
+              <a:buSzPts val="1400"/>
+              <a:buFont typeface="Arial"/>
               <a:buNone/>
             </a:pPr>
             <a:r>
@@ -19701,6 +20063,11 @@
               <a:spcAft>
                 <a:spcPts val="600"/>
               </a:spcAft>
+              <a:buClr>
+                <a:srgbClr val="000000"/>
+              </a:buClr>
+              <a:buSzPts val="2500"/>
+              <a:buFont typeface="Arial"/>
               <a:buNone/>
             </a:pPr>
             <a:r>
@@ -19715,7 +20082,15 @@
               </a:rPr>
               <a:t>Requerimientos de alto nivel</a:t>
             </a:r>
-            <a:endParaRPr/>
+            <a:endParaRPr b="0" i="0" sz="1400" u="none" cap="none" strike="noStrike">
+              <a:solidFill>
+                <a:srgbClr val="000000"/>
+              </a:solidFill>
+              <a:latin typeface="Arial"/>
+              <a:ea typeface="Arial"/>
+              <a:cs typeface="Arial"/>
+              <a:sym typeface="Arial"/>
+            </a:endParaRPr>
           </a:p>
         </p:txBody>
       </p:sp>
@@ -19744,17 +20119,25 @@
           </a:bodyPr>
           <a:lstStyle/>
           <a:p>
-            <a:pPr indent="0" lvl="0" marL="0" rtl="0" algn="l">
-              <a:spcBef>
-                <a:spcPts val="0"/>
-              </a:spcBef>
-              <a:spcAft>
-                <a:spcPts val="0"/>
-              </a:spcAft>
+            <a:pPr indent="0" lvl="0" marL="0" marR="0" rtl="0" algn="l">
+              <a:lnSpc>
+                <a:spcPct val="100000"/>
+              </a:lnSpc>
+              <a:spcBef>
+                <a:spcPts val="0"/>
+              </a:spcBef>
+              <a:spcAft>
+                <a:spcPts val="0"/>
+              </a:spcAft>
+              <a:buClr>
+                <a:srgbClr val="000000"/>
+              </a:buClr>
+              <a:buSzPts val="2600"/>
+              <a:buFont typeface="Arial"/>
               <a:buNone/>
             </a:pPr>
             <a:r>
-              <a:rPr lang="es-419" sz="2600">
+              <a:rPr b="0" i="0" lang="es-419" sz="2600" u="none" cap="none" strike="noStrike">
                 <a:solidFill>
                   <a:schemeClr val="dk1"/>
                 </a:solidFill>
@@ -19763,105 +20146,9 @@
                 <a:cs typeface="Calibri"/>
                 <a:sym typeface="Calibri"/>
               </a:rPr>
-              <a:t>Se espera lograr una </a:t>
+              <a:t>Se espera lograr una página web que permita al usuario agilizar el procedimiento de reserva de su mascota, además de, aumentar la difusión de la empresa Perriot para aumentar los clientes y las ganancias de este servicio.</a:t>
             </a:r>
-            <a:r>
-              <a:rPr lang="es-419" sz="2600">
-                <a:solidFill>
-                  <a:schemeClr val="dk1"/>
-                </a:solidFill>
-                <a:latin typeface="Calibri"/>
-                <a:ea typeface="Calibri"/>
-                <a:cs typeface="Calibri"/>
-                <a:sym typeface="Calibri"/>
-              </a:rPr>
-              <a:t>página</a:t>
-            </a:r>
-            <a:r>
-              <a:rPr lang="es-419" sz="2600">
-                <a:solidFill>
-                  <a:schemeClr val="dk1"/>
-                </a:solidFill>
-                <a:latin typeface="Calibri"/>
-                <a:ea typeface="Calibri"/>
-                <a:cs typeface="Calibri"/>
-                <a:sym typeface="Calibri"/>
-              </a:rPr>
-              <a:t> web que permita al usuario agilizar el procedimiento de reserva de su mascota, </a:t>
-            </a:r>
-            <a:r>
-              <a:rPr lang="es-419" sz="2600">
-                <a:solidFill>
-                  <a:schemeClr val="dk1"/>
-                </a:solidFill>
-                <a:latin typeface="Calibri"/>
-                <a:ea typeface="Calibri"/>
-                <a:cs typeface="Calibri"/>
-                <a:sym typeface="Calibri"/>
-              </a:rPr>
-              <a:t>además</a:t>
-            </a:r>
-            <a:r>
-              <a:rPr lang="es-419" sz="2600">
-                <a:solidFill>
-                  <a:schemeClr val="dk1"/>
-                </a:solidFill>
-                <a:latin typeface="Calibri"/>
-                <a:ea typeface="Calibri"/>
-                <a:cs typeface="Calibri"/>
-                <a:sym typeface="Calibri"/>
-              </a:rPr>
-              <a:t> de, aumentar la </a:t>
-            </a:r>
-            <a:r>
-              <a:rPr lang="es-419" sz="2600">
-                <a:solidFill>
-                  <a:schemeClr val="dk1"/>
-                </a:solidFill>
-                <a:latin typeface="Calibri"/>
-                <a:ea typeface="Calibri"/>
-                <a:cs typeface="Calibri"/>
-                <a:sym typeface="Calibri"/>
-              </a:rPr>
-              <a:t>difusión</a:t>
-            </a:r>
-            <a:r>
-              <a:rPr lang="es-419" sz="2600">
-                <a:solidFill>
-                  <a:schemeClr val="dk1"/>
-                </a:solidFill>
-                <a:latin typeface="Calibri"/>
-                <a:ea typeface="Calibri"/>
-                <a:cs typeface="Calibri"/>
-                <a:sym typeface="Calibri"/>
-              </a:rPr>
-              <a:t> de la empresa </a:t>
-            </a:r>
-            <a:r>
-              <a:rPr lang="es-419" sz="2600">
-                <a:solidFill>
-                  <a:schemeClr val="dk1"/>
-                </a:solidFill>
-                <a:latin typeface="Calibri"/>
-                <a:ea typeface="Calibri"/>
-                <a:cs typeface="Calibri"/>
-                <a:sym typeface="Calibri"/>
-              </a:rPr>
-              <a:t>Perriot</a:t>
-            </a:r>
-            <a:r>
-              <a:rPr lang="es-419" sz="2600">
-                <a:solidFill>
-                  <a:schemeClr val="dk1"/>
-                </a:solidFill>
-                <a:latin typeface="Calibri"/>
-                <a:ea typeface="Calibri"/>
-                <a:cs typeface="Calibri"/>
-                <a:sym typeface="Calibri"/>
-              </a:rPr>
-              <a:t> para aumentar los clientes y las ganancias de este servicio.</a:t>
-            </a:r>
-            <a:endParaRPr sz="2600">
+            <a:endParaRPr b="0" i="0" sz="2600" u="none" cap="none" strike="noStrike">
               <a:solidFill>
                 <a:schemeClr val="dk1"/>
               </a:solidFill>
@@ -19872,17 +20159,25 @@
             </a:endParaRPr>
           </a:p>
           <a:p>
-            <a:pPr indent="0" lvl="0" marL="0" rtl="0" algn="l">
-              <a:spcBef>
-                <a:spcPts val="0"/>
-              </a:spcBef>
-              <a:spcAft>
-                <a:spcPts val="0"/>
-              </a:spcAft>
+            <a:pPr indent="0" lvl="0" marL="0" marR="0" rtl="0" algn="l">
+              <a:lnSpc>
+                <a:spcPct val="100000"/>
+              </a:lnSpc>
+              <a:spcBef>
+                <a:spcPts val="0"/>
+              </a:spcBef>
+              <a:spcAft>
+                <a:spcPts val="0"/>
+              </a:spcAft>
+              <a:buClr>
+                <a:srgbClr val="000000"/>
+              </a:buClr>
+              <a:buSzPts val="2600"/>
+              <a:buFont typeface="Arial"/>
               <a:buNone/>
             </a:pPr>
             <a:r>
-              <a:rPr lang="es-419" sz="2600">
+              <a:rPr b="0" i="0" lang="es-419" sz="2600" u="none" cap="none" strike="noStrike">
                 <a:solidFill>
                   <a:schemeClr val="dk1"/>
                 </a:solidFill>
@@ -19891,57 +20186,9 @@
                 <a:cs typeface="Calibri"/>
                 <a:sym typeface="Calibri"/>
               </a:rPr>
-              <a:t>Para lograrlo se </a:t>
+              <a:t>Para lograrlo se implementará una página web que permita a los usuarios planificar su reserva de antemano sin la necesidad de ir presencialmente.</a:t>
             </a:r>
-            <a:r>
-              <a:rPr lang="es-419" sz="2600">
-                <a:solidFill>
-                  <a:schemeClr val="dk1"/>
-                </a:solidFill>
-                <a:latin typeface="Calibri"/>
-                <a:ea typeface="Calibri"/>
-                <a:cs typeface="Calibri"/>
-                <a:sym typeface="Calibri"/>
-              </a:rPr>
-              <a:t>implementará</a:t>
-            </a:r>
-            <a:r>
-              <a:rPr lang="es-419" sz="2600">
-                <a:solidFill>
-                  <a:schemeClr val="dk1"/>
-                </a:solidFill>
-                <a:latin typeface="Calibri"/>
-                <a:ea typeface="Calibri"/>
-                <a:cs typeface="Calibri"/>
-                <a:sym typeface="Calibri"/>
-              </a:rPr>
-              <a:t> una </a:t>
-            </a:r>
-            <a:r>
-              <a:rPr lang="es-419" sz="2600">
-                <a:solidFill>
-                  <a:schemeClr val="dk1"/>
-                </a:solidFill>
-                <a:latin typeface="Calibri"/>
-                <a:ea typeface="Calibri"/>
-                <a:cs typeface="Calibri"/>
-                <a:sym typeface="Calibri"/>
-              </a:rPr>
-              <a:t>página</a:t>
-            </a:r>
-            <a:r>
-              <a:rPr lang="es-419" sz="2600">
-                <a:solidFill>
-                  <a:schemeClr val="dk1"/>
-                </a:solidFill>
-                <a:latin typeface="Calibri"/>
-                <a:ea typeface="Calibri"/>
-                <a:cs typeface="Calibri"/>
-                <a:sym typeface="Calibri"/>
-              </a:rPr>
-              <a:t> web que permita a los usuarios planificar su reserva de antemano sin la necesidad de ir presencialmente.</a:t>
-            </a:r>
-            <a:endParaRPr sz="2600">
+            <a:endParaRPr b="0" i="0" sz="2600" u="none" cap="none" strike="noStrike">
               <a:solidFill>
                 <a:schemeClr val="dk1"/>
               </a:solidFill>
@@ -20173,7 +20420,7 @@
             <a:tbl>
               <a:tblPr>
                 <a:noFill/>
-                <a:tableStyleId>{240FD805-3509-4F9D-BF3D-3C9AABBD25F3}</a:tableStyleId>
+                <a:tableStyleId>{689214A9-5A22-46FC-940B-F8FDADC3FA68}</a:tableStyleId>
               </a:tblPr>
               <a:tblGrid>
                 <a:gridCol w="2230275"/>
@@ -20267,7 +20514,7 @@
                         <a:buNone/>
                       </a:pPr>
                       <a:r>
-                        <a:rPr lang="es-419"/>
+                        <a:rPr lang="es-419" sz="1400" u="none" cap="none" strike="noStrike"/>
                         <a:t>Usuario Final</a:t>
                       </a:r>
                       <a:endParaRPr sz="1400" u="none" cap="none" strike="noStrike"/>
@@ -20298,7 +20545,7 @@
                         <a:buNone/>
                       </a:pPr>
                       <a:r>
-                        <a:rPr lang="es-419"/>
+                        <a:rPr lang="es-419" sz="1400" u="none" cap="none" strike="noStrike"/>
                         <a:t>Uso del menú del servicio y reservar habitación.</a:t>
                       </a:r>
                       <a:endParaRPr sz="1400" u="none" cap="none" strike="noStrike"/>
@@ -20331,7 +20578,7 @@
                         <a:buNone/>
                       </a:pPr>
                       <a:r>
-                        <a:rPr lang="es-419"/>
+                        <a:rPr lang="es-419" sz="1400" u="none" cap="none" strike="noStrike"/>
                         <a:t>Admin</a:t>
                       </a:r>
                       <a:endParaRPr sz="1400" u="none" cap="none" strike="noStrike"/>
@@ -20362,7 +20609,7 @@
                         <a:buNone/>
                       </a:pPr>
                       <a:r>
-                        <a:rPr lang="es-419"/>
+                        <a:rPr lang="es-419" sz="1400" u="none" cap="none" strike="noStrike"/>
                         <a:t>Gestión de las bases de datos del sistema.</a:t>
                       </a:r>
                       <a:endParaRPr sz="1400" u="none" cap="none" strike="noStrike"/>
@@ -20387,10 +20634,15 @@
                         <a:spcAft>
                           <a:spcPts val="0"/>
                         </a:spcAft>
+                        <a:buClr>
+                          <a:srgbClr val="000000"/>
+                        </a:buClr>
+                        <a:buSzPts val="1400"/>
+                        <a:buFont typeface="Arial"/>
                         <a:buNone/>
                       </a:pPr>
                       <a:r>
-                        <a:rPr lang="es-419"/>
+                        <a:rPr lang="es-419" sz="1400" u="none" cap="none" strike="noStrike"/>
                         <a:t>Recepcionista</a:t>
                       </a:r>
                       <a:endParaRPr sz="1400" u="none" cap="none" strike="noStrike"/>
@@ -20413,10 +20665,15 @@
                         <a:spcAft>
                           <a:spcPts val="0"/>
                         </a:spcAft>
+                        <a:buClr>
+                          <a:srgbClr val="000000"/>
+                        </a:buClr>
+                        <a:buSzPts val="1400"/>
+                        <a:buFont typeface="Arial"/>
                         <a:buNone/>
                       </a:pPr>
                       <a:r>
-                        <a:rPr lang="es-419"/>
+                        <a:rPr lang="es-419" sz="1400" u="none" cap="none" strike="noStrike"/>
                         <a:t>Confirmación comprobante de reserva.</a:t>
                       </a:r>
                       <a:endParaRPr sz="1400" u="none" cap="none" strike="noStrike"/>
@@ -20449,7 +20706,7 @@
                         <a:buNone/>
                       </a:pPr>
                       <a:r>
-                        <a:rPr lang="es-419"/>
+                        <a:rPr lang="es-419" sz="1400" u="none" cap="none" strike="noStrike"/>
                         <a:t>Cuidador</a:t>
                       </a:r>
                       <a:endParaRPr sz="1400" u="none" cap="none" strike="noStrike"/>
@@ -20480,7 +20737,7 @@
                         <a:buNone/>
                       </a:pPr>
                       <a:r>
-                        <a:rPr lang="es-419"/>
+                        <a:rPr lang="es-419" sz="1400" u="none" cap="none" strike="noStrike"/>
                         <a:t>Generar reportes de la mascota.</a:t>
                       </a:r>
                       <a:endParaRPr sz="1400" u="none" cap="none" strike="noStrike"/>
@@ -20562,6 +20819,11 @@
               <a:spcAft>
                 <a:spcPts val="0"/>
               </a:spcAft>
+              <a:buClr>
+                <a:srgbClr val="000000"/>
+              </a:buClr>
+              <a:buSzPts val="1400"/>
+              <a:buFont typeface="Arial"/>
               <a:buNone/>
             </a:pPr>
             <a:r>
@@ -20651,7 +20913,7 @@
           <a:blip r:embed="rId4">
             <a:alphaModFix/>
           </a:blip>
-          <a:srcRect b="10357" l="8305" r="-3" t="17321"/>
+          <a:srcRect b="10356" l="8305" r="-3" t="17321"/>
           <a:stretch/>
         </p:blipFill>
         <p:spPr>
@@ -21066,7 +21328,7 @@
             </a:custGeom>
             <a:solidFill>
               <a:schemeClr val="lt1">
-                <a:alpha val="29803"/>
+                <a:alpha val="29411"/>
               </a:schemeClr>
             </a:solidFill>
             <a:ln>
@@ -21089,6 +21351,11 @@
                 <a:spcAft>
                   <a:spcPts val="0"/>
                 </a:spcAft>
+                <a:buClr>
+                  <a:srgbClr val="000000"/>
+                </a:buClr>
+                <a:buSzPts val="1400"/>
+                <a:buFont typeface="Arial"/>
                 <a:buNone/>
               </a:pPr>
               <a:r>
@@ -21210,7 +21477,7 @@
             </a:custGeom>
             <a:solidFill>
               <a:schemeClr val="lt1">
-                <a:alpha val="29803"/>
+                <a:alpha val="29411"/>
               </a:schemeClr>
             </a:solidFill>
             <a:ln>
@@ -21233,6 +21500,11 @@
                 <a:spcAft>
                   <a:spcPts val="0"/>
                 </a:spcAft>
+                <a:buClr>
+                  <a:srgbClr val="000000"/>
+                </a:buClr>
+                <a:buSzPts val="1400"/>
+                <a:buFont typeface="Arial"/>
                 <a:buNone/>
               </a:pPr>
               <a:r>
@@ -21349,7 +21621,7 @@
             </a:custGeom>
             <a:solidFill>
               <a:schemeClr val="lt1">
-                <a:alpha val="29803"/>
+                <a:alpha val="29411"/>
               </a:schemeClr>
             </a:solidFill>
             <a:ln>
@@ -21372,6 +21644,11 @@
                 <a:spcAft>
                   <a:spcPts val="0"/>
                 </a:spcAft>
+                <a:buClr>
+                  <a:srgbClr val="000000"/>
+                </a:buClr>
+                <a:buSzPts val="1400"/>
+                <a:buFont typeface="Arial"/>
                 <a:buNone/>
               </a:pPr>
               <a:r>
@@ -21779,6 +22056,11 @@
                 <a:spcAft>
                   <a:spcPts val="0"/>
                 </a:spcAft>
+                <a:buClr>
+                  <a:srgbClr val="000000"/>
+                </a:buClr>
+                <a:buSzPts val="1400"/>
+                <a:buFont typeface="Arial"/>
                 <a:buNone/>
               </a:pPr>
               <a:r>
@@ -21927,7 +22209,7 @@
             </a:custGeom>
             <a:solidFill>
               <a:schemeClr val="lt1">
-                <a:alpha val="29803"/>
+                <a:alpha val="29411"/>
               </a:schemeClr>
             </a:solidFill>
             <a:ln>
@@ -21950,6 +22232,11 @@
                 <a:spcAft>
                   <a:spcPts val="0"/>
                 </a:spcAft>
+                <a:buClr>
+                  <a:srgbClr val="000000"/>
+                </a:buClr>
+                <a:buSzPts val="1400"/>
+                <a:buFont typeface="Arial"/>
                 <a:buNone/>
               </a:pPr>
               <a:r>
@@ -22078,7 +22365,7 @@
             </a:custGeom>
             <a:solidFill>
               <a:schemeClr val="lt1">
-                <a:alpha val="29803"/>
+                <a:alpha val="29411"/>
               </a:schemeClr>
             </a:solidFill>
             <a:ln>
@@ -22101,6 +22388,11 @@
                 <a:spcAft>
                   <a:spcPts val="0"/>
                 </a:spcAft>
+                <a:buClr>
+                  <a:srgbClr val="000000"/>
+                </a:buClr>
+                <a:buSzPts val="1400"/>
+                <a:buFont typeface="Arial"/>
                 <a:buNone/>
               </a:pPr>
               <a:r>
@@ -22506,7 +22798,7 @@
             </a:custGeom>
             <a:solidFill>
               <a:schemeClr val="lt1">
-                <a:alpha val="29803"/>
+                <a:alpha val="29411"/>
               </a:schemeClr>
             </a:solidFill>
             <a:ln>
@@ -22529,6 +22821,11 @@
                 <a:spcAft>
                   <a:spcPts val="0"/>
                 </a:spcAft>
+                <a:buClr>
+                  <a:srgbClr val="000000"/>
+                </a:buClr>
+                <a:buSzPts val="1400"/>
+                <a:buFont typeface="Arial"/>
                 <a:buNone/>
               </a:pPr>
               <a:r>
@@ -22662,7 +22959,7 @@
             </a:custGeom>
             <a:solidFill>
               <a:schemeClr val="lt1">
-                <a:alpha val="29803"/>
+                <a:alpha val="29411"/>
               </a:schemeClr>
             </a:solidFill>
             <a:ln>
@@ -22685,6 +22982,11 @@
                 <a:spcAft>
                   <a:spcPts val="0"/>
                 </a:spcAft>
+                <a:buClr>
+                  <a:srgbClr val="000000"/>
+                </a:buClr>
+                <a:buSzPts val="1400"/>
+                <a:buFont typeface="Arial"/>
                 <a:buNone/>
               </a:pPr>
               <a:r>
@@ -22813,7 +23115,7 @@
             </a:custGeom>
             <a:solidFill>
               <a:schemeClr val="lt1">
-                <a:alpha val="29803"/>
+                <a:alpha val="29411"/>
               </a:schemeClr>
             </a:solidFill>
             <a:ln>
@@ -22836,6 +23138,11 @@
                 <a:spcAft>
                   <a:spcPts val="0"/>
                 </a:spcAft>
+                <a:buClr>
+                  <a:srgbClr val="000000"/>
+                </a:buClr>
+                <a:buSzPts val="1400"/>
+                <a:buFont typeface="Arial"/>
                 <a:buNone/>
               </a:pPr>
               <a:r>
@@ -23161,6 +23468,11 @@
                 <a:spcAft>
                   <a:spcPts val="0"/>
                 </a:spcAft>
+                <a:buClr>
+                  <a:srgbClr val="000000"/>
+                </a:buClr>
+                <a:buSzPts val="1400"/>
+                <a:buFont typeface="Arial"/>
                 <a:buNone/>
               </a:pPr>
               <a:r>
@@ -23214,6 +23526,11 @@
               <a:spcAft>
                 <a:spcPts val="0"/>
               </a:spcAft>
+              <a:buClr>
+                <a:srgbClr val="000000"/>
+              </a:buClr>
+              <a:buSzPts val="4400"/>
+              <a:buFont typeface="Arial"/>
               <a:buNone/>
             </a:pPr>
             <a:r>
@@ -23278,13 +23595,12 @@
           <p:cNvPicPr preferRelativeResize="0"/>
           <p:nvPr/>
         </p:nvPicPr>
-        <p:blipFill>
+        <p:blipFill rotWithShape="1">
           <a:blip r:embed="rId3">
             <a:alphaModFix/>
           </a:blip>
-          <a:stretch>
-            <a:fillRect/>
-          </a:stretch>
+          <a:srcRect b="0" l="0" r="0" t="0"/>
+          <a:stretch/>
         </p:blipFill>
         <p:spPr>
           <a:xfrm>
@@ -23321,8 +23637,8 @@
             </a:solidFill>
             <a:prstDash val="solid"/>
             <a:round/>
-            <a:headEnd len="med" w="med" type="none"/>
-            <a:tailEnd len="med" w="med" type="none"/>
+            <a:headEnd len="sm" w="sm" type="none"/>
+            <a:tailEnd len="sm" w="sm" type="none"/>
           </a:ln>
         </p:spPr>
       </p:cxnSp>
@@ -23351,17 +23667,25 @@
           </a:bodyPr>
           <a:lstStyle/>
           <a:p>
-            <a:pPr indent="0" lvl="0" marL="0" rtl="0" algn="l">
-              <a:spcBef>
-                <a:spcPts val="0"/>
-              </a:spcBef>
-              <a:spcAft>
-                <a:spcPts val="0"/>
-              </a:spcAft>
+            <a:pPr indent="0" lvl="0" marL="0" marR="0" rtl="0" algn="l">
+              <a:lnSpc>
+                <a:spcPct val="100000"/>
+              </a:lnSpc>
+              <a:spcBef>
+                <a:spcPts val="0"/>
+              </a:spcBef>
+              <a:spcAft>
+                <a:spcPts val="0"/>
+              </a:spcAft>
+              <a:buClr>
+                <a:srgbClr val="000000"/>
+              </a:buClr>
+              <a:buSzPts val="2800"/>
+              <a:buFont typeface="Arial"/>
               <a:buNone/>
             </a:pPr>
             <a:r>
-              <a:rPr b="1" lang="es-419" sz="2800">
+              <a:rPr b="1" i="0" lang="es-419" sz="2800" u="none" cap="none" strike="noStrike">
                 <a:solidFill>
                   <a:schemeClr val="dk1"/>
                 </a:solidFill>
@@ -23372,7 +23696,7 @@
               </a:rPr>
               <a:t>Diagrama de Casos de uso General</a:t>
             </a:r>
-            <a:endParaRPr b="1" sz="2800">
+            <a:endParaRPr b="1" i="0" sz="2800" u="none" cap="none" strike="noStrike">
               <a:solidFill>
                 <a:schemeClr val="dk1"/>
               </a:solidFill>
@@ -23475,13 +23799,12 @@
           <p:cNvPicPr preferRelativeResize="0"/>
           <p:nvPr/>
         </p:nvPicPr>
-        <p:blipFill>
+        <p:blipFill rotWithShape="1">
           <a:blip r:embed="rId3">
             <a:alphaModFix/>
           </a:blip>
-          <a:stretch>
-            <a:fillRect/>
-          </a:stretch>
+          <a:srcRect b="0" l="0" r="0" t="0"/>
+          <a:stretch/>
         </p:blipFill>
         <p:spPr>
           <a:xfrm>

--- a/Fase 2/Evidencias Proyecto/PRESENTACION-PARCIAL 2.pptx
+++ b/Fase 2/Evidencias Proyecto/PRESENTACION-PARCIAL 2.pptx
@@ -24,6 +24,13 @@
     <p:sldId id="269" r:id="rId19"/>
     <p:sldId id="270" r:id="rId20"/>
     <p:sldId id="271" r:id="rId21"/>
+    <p:sldId id="272" r:id="rId22"/>
+    <p:sldId id="273" r:id="rId23"/>
+    <p:sldId id="274" r:id="rId24"/>
+    <p:sldId id="275" r:id="rId25"/>
+    <p:sldId id="276" r:id="rId26"/>
+    <p:sldId id="277" r:id="rId27"/>
+    <p:sldId id="278" r:id="rId28"/>
   </p:sldIdLst>
   <p:sldSz cy="6858000" cx="12192000"/>
   <p:notesSz cx="6858000" cy="9144000"/>
@@ -258,7 +265,7 @@
   </p:defaultTextStyle>
   <p:extLst>
     <p:ext uri="GoogleSlidesCustomDataVersion2">
-      <go:slidesCustomData xmlns:go="http://customooxmlschemas.google.com/" r:id="rId22" roundtripDataSignature="AMtx7mi3zxSuXH5W1UObH8vwwboWpdE29A=="/>
+      <go:slidesCustomData xmlns:go="http://customooxmlschemas.google.com/" r:id="rId29" roundtripDataSignature="AMtx7miUXC3+S4UrRRRbGqVDOrMYdlb6/A=="/>
     </p:ext>
   </p:extLst>
 </p:presentation>
@@ -1828,7 +1835,7 @@
       </p:grpSpPr>
       <p:sp>
         <p:nvSpPr>
-          <p:cNvPr id="172" name="Google Shape;172;p14:notes"/>
+          <p:cNvPr id="172" name="Google Shape;172;g27b59b7e26b_0_25:notes"/>
           <p:cNvSpPr txBox="1"/>
           <p:nvPr>
             <p:ph idx="1" type="body"/>
@@ -1875,7 +1882,7 @@
       </p:sp>
       <p:sp>
         <p:nvSpPr>
-          <p:cNvPr id="173" name="Google Shape;173;p14:notes"/>
+          <p:cNvPr id="173" name="Google Shape;173;g27b59b7e26b_0_25:notes"/>
           <p:cNvSpPr/>
           <p:nvPr>
             <p:ph idx="2" type="sldImg"/>
@@ -1945,7 +1952,7 @@
       </p:grpSpPr>
       <p:sp>
         <p:nvSpPr>
-          <p:cNvPr id="178" name="Google Shape;178;g27b59b7e26b_0_30:notes"/>
+          <p:cNvPr id="178" name="Google Shape;178;p14:notes"/>
           <p:cNvSpPr txBox="1"/>
           <p:nvPr>
             <p:ph idx="1" type="body"/>
@@ -1992,7 +1999,7 @@
       </p:sp>
       <p:sp>
         <p:nvSpPr>
-          <p:cNvPr id="179" name="Google Shape;179;g27b59b7e26b_0_30:notes"/>
+          <p:cNvPr id="179" name="Google Shape;179;p14:notes"/>
           <p:cNvSpPr/>
           <p:nvPr>
             <p:ph idx="2" type="sldImg"/>
@@ -2062,7 +2069,7 @@
       </p:grpSpPr>
       <p:sp>
         <p:nvSpPr>
-          <p:cNvPr id="184" name="Google Shape;184;p16:notes"/>
+          <p:cNvPr id="184" name="Google Shape;184;g27b59b7e26b_0_30:notes"/>
           <p:cNvSpPr txBox="1"/>
           <p:nvPr>
             <p:ph idx="1" type="body"/>
@@ -2101,8 +2108,7 @@
               <a:buNone/>
             </a:pPr>
             <a:r>
-              <a:rPr lang="es-419"/>
-              <a:t>Desarrollar con Figma las principales vistas de usuario estáticas con diseño de alta fidelidad.</a:t>
+              <a:t/>
             </a:r>
             <a:endParaRPr/>
           </a:p>
@@ -2110,7 +2116,7 @@
       </p:sp>
       <p:sp>
         <p:nvSpPr>
-          <p:cNvPr id="185" name="Google Shape;185;p16:notes"/>
+          <p:cNvPr id="185" name="Google Shape;185;g27b59b7e26b_0_30:notes"/>
           <p:cNvSpPr/>
           <p:nvPr>
             <p:ph idx="2" type="sldImg"/>
@@ -2180,7 +2186,7 @@
       </p:grpSpPr>
       <p:sp>
         <p:nvSpPr>
-          <p:cNvPr id="190" name="Google Shape;190;p17:notes"/>
+          <p:cNvPr id="190" name="Google Shape;190;p16:notes"/>
           <p:cNvSpPr txBox="1"/>
           <p:nvPr>
             <p:ph idx="1" type="body"/>
@@ -2189,7 +2195,7 @@
         <p:spPr>
           <a:xfrm>
             <a:off x="685800" y="4400550"/>
-            <a:ext cx="5486400" cy="3600450"/>
+            <a:ext cx="5486400" cy="3600600"/>
           </a:xfrm>
           <a:prstGeom prst="rect">
             <a:avLst/>
@@ -2219,7 +2225,8 @@
               <a:buNone/>
             </a:pPr>
             <a:r>
-              <a:t/>
+              <a:rPr lang="es-419"/>
+              <a:t>Desarrollar con Figma las principales vistas de usuario estáticas con diseño de alta fidelidad.</a:t>
             </a:r>
             <a:endParaRPr/>
           </a:p>
@@ -2227,7 +2234,7 @@
       </p:sp>
       <p:sp>
         <p:nvSpPr>
-          <p:cNvPr id="191" name="Google Shape;191;p17:notes"/>
+          <p:cNvPr id="191" name="Google Shape;191;p16:notes"/>
           <p:cNvSpPr/>
           <p:nvPr>
             <p:ph idx="2" type="sldImg"/>
@@ -2297,54 +2304,7 @@
       </p:grpSpPr>
       <p:sp>
         <p:nvSpPr>
-          <p:cNvPr id="196" name="Google Shape;196;p36:notes"/>
-          <p:cNvSpPr txBox="1"/>
-          <p:nvPr>
-            <p:ph idx="1" type="body"/>
-          </p:nvPr>
-        </p:nvSpPr>
-        <p:spPr>
-          <a:xfrm>
-            <a:off x="685800" y="4400550"/>
-            <a:ext cx="5486400" cy="3600450"/>
-          </a:xfrm>
-          <a:prstGeom prst="rect">
-            <a:avLst/>
-          </a:prstGeom>
-          <a:noFill/>
-          <a:ln>
-            <a:noFill/>
-          </a:ln>
-        </p:spPr>
-        <p:txBody>
-          <a:bodyPr anchorCtr="0" anchor="t" bIns="45700" lIns="91425" spcFirstLastPara="1" rIns="91425" wrap="square" tIns="45700">
-            <a:noAutofit/>
-          </a:bodyPr>
-          <a:lstStyle/>
-          <a:p>
-            <a:pPr indent="0" lvl="0" marL="0" rtl="0" algn="l">
-              <a:lnSpc>
-                <a:spcPct val="100000"/>
-              </a:lnSpc>
-              <a:spcBef>
-                <a:spcPts val="0"/>
-              </a:spcBef>
-              <a:spcAft>
-                <a:spcPts val="0"/>
-              </a:spcAft>
-              <a:buSzPts val="1400"/>
-              <a:buNone/>
-            </a:pPr>
-            <a:r>
-              <a:t/>
-            </a:r>
-            <a:endParaRPr/>
-          </a:p>
-        </p:txBody>
-      </p:sp>
-      <p:sp>
-        <p:nvSpPr>
-          <p:cNvPr id="197" name="Google Shape;197;p36:notes"/>
+          <p:cNvPr id="196" name="Google Shape;196;g3118a395b3d_0_7:notes"/>
           <p:cNvSpPr/>
           <p:nvPr>
             <p:ph idx="2" type="sldImg"/>
@@ -2387,34 +2347,9 @@
           </a:ln>
         </p:spPr>
       </p:sp>
-    </p:spTree>
-  </p:cSld>
-  <p:clrMapOvr>
-    <a:masterClrMapping/>
-  </p:clrMapOvr>
-</p:notes>
-</file>
-
-<file path=ppt/notesSlides/notesSlide15.xml><?xml version="1.0" encoding="utf-8"?>
-<p:notes xmlns:a="http://schemas.openxmlformats.org/drawingml/2006/main" xmlns:r="http://schemas.openxmlformats.org/officeDocument/2006/relationships" xmlns:mc="http://schemas.openxmlformats.org/markup-compatibility/2006" xmlns:mv="urn:schemas-microsoft-com:mac:vml" xmlns:p="http://schemas.openxmlformats.org/presentationml/2006/main" xmlns:c="http://schemas.openxmlformats.org/drawingml/2006/chart" xmlns:dgm="http://schemas.openxmlformats.org/drawingml/2006/diagram" xmlns:o="urn:schemas-microsoft-com:office:office" xmlns:v="urn:schemas-microsoft-com:vml" xmlns:pvml="urn:schemas-microsoft-com:office:powerpoint" xmlns:com="http://schemas.openxmlformats.org/drawingml/2006/compatibility" xmlns:p14="http://schemas.microsoft.com/office/powerpoint/2010/main" xmlns:p15="http://schemas.microsoft.com/office/powerpoint/2012/main" xmlns:ahyp="http://schemas.microsoft.com/office/drawing/2018/hyperlinkcolor" showMasterPhAnim="0" showMasterSp="0">
-  <p:cSld>
-    <p:spTree>
-      <p:nvGrpSpPr>
-        <p:cNvPr id="201" name="Shape 201"/>
-        <p:cNvGrpSpPr/>
-        <p:nvPr/>
-      </p:nvGrpSpPr>
-      <p:grpSpPr>
-        <a:xfrm>
-          <a:off x="0" y="0"/>
-          <a:ext cx="0" cy="0"/>
-          <a:chOff x="0" y="0"/>
-          <a:chExt cx="0" cy="0"/>
-        </a:xfrm>
-      </p:grpSpPr>
       <p:sp>
         <p:nvSpPr>
-          <p:cNvPr id="202" name="Google Shape;202;g31083fedd1d_0_0:notes"/>
+          <p:cNvPr id="197" name="Google Shape;197;g3118a395b3d_0_7:notes"/>
           <p:cNvSpPr txBox="1"/>
           <p:nvPr>
             <p:ph idx="1" type="body"/>
@@ -2461,7 +2396,84 @@
       </p:sp>
       <p:sp>
         <p:nvSpPr>
-          <p:cNvPr id="203" name="Google Shape;203;g31083fedd1d_0_0:notes"/>
+          <p:cNvPr id="198" name="Google Shape;198;g3118a395b3d_0_7:notes"/>
+          <p:cNvSpPr txBox="1"/>
+          <p:nvPr>
+            <p:ph idx="12" type="sldNum"/>
+          </p:nvPr>
+        </p:nvSpPr>
+        <p:spPr>
+          <a:xfrm>
+            <a:off x="3884613" y="8685213"/>
+            <a:ext cx="2971800" cy="458700"/>
+          </a:xfrm>
+          <a:prstGeom prst="rect">
+            <a:avLst/>
+          </a:prstGeom>
+          <a:noFill/>
+          <a:ln>
+            <a:noFill/>
+          </a:ln>
+        </p:spPr>
+        <p:txBody>
+          <a:bodyPr anchorCtr="0" anchor="b" bIns="45700" lIns="91425" spcFirstLastPara="1" rIns="91425" wrap="square" tIns="45700">
+            <a:noAutofit/>
+          </a:bodyPr>
+          <a:lstStyle/>
+          <a:p>
+            <a:pPr indent="0" lvl="0" marL="0" rtl="0" algn="r">
+              <a:lnSpc>
+                <a:spcPct val="100000"/>
+              </a:lnSpc>
+              <a:spcBef>
+                <a:spcPts val="0"/>
+              </a:spcBef>
+              <a:spcAft>
+                <a:spcPts val="0"/>
+              </a:spcAft>
+              <a:buClr>
+                <a:srgbClr val="000000"/>
+              </a:buClr>
+              <a:buSzPts val="1200"/>
+              <a:buFont typeface="Arial"/>
+              <a:buNone/>
+            </a:pPr>
+            <a:fld id="{00000000-1234-1234-1234-123412341234}" type="slidenum">
+              <a:rPr lang="es-419"/>
+              <a:t>‹#›</a:t>
+            </a:fld>
+            <a:endParaRPr/>
+          </a:p>
+        </p:txBody>
+      </p:sp>
+    </p:spTree>
+  </p:cSld>
+  <p:clrMapOvr>
+    <a:masterClrMapping/>
+  </p:clrMapOvr>
+</p:notes>
+</file>
+
+<file path=ppt/notesSlides/notesSlide15.xml><?xml version="1.0" encoding="utf-8"?>
+<p:notes xmlns:a="http://schemas.openxmlformats.org/drawingml/2006/main" xmlns:r="http://schemas.openxmlformats.org/officeDocument/2006/relationships" xmlns:mc="http://schemas.openxmlformats.org/markup-compatibility/2006" xmlns:mv="urn:schemas-microsoft-com:mac:vml" xmlns:p="http://schemas.openxmlformats.org/presentationml/2006/main" xmlns:c="http://schemas.openxmlformats.org/drawingml/2006/chart" xmlns:dgm="http://schemas.openxmlformats.org/drawingml/2006/diagram" xmlns:o="urn:schemas-microsoft-com:office:office" xmlns:v="urn:schemas-microsoft-com:vml" xmlns:pvml="urn:schemas-microsoft-com:office:powerpoint" xmlns:com="http://schemas.openxmlformats.org/drawingml/2006/compatibility" xmlns:p14="http://schemas.microsoft.com/office/powerpoint/2010/main" xmlns:p15="http://schemas.microsoft.com/office/powerpoint/2012/main" xmlns:ahyp="http://schemas.microsoft.com/office/drawing/2018/hyperlinkcolor" showMasterPhAnim="0" showMasterSp="0">
+  <p:cSld>
+    <p:spTree>
+      <p:nvGrpSpPr>
+        <p:cNvPr id="202" name="Shape 202"/>
+        <p:cNvGrpSpPr/>
+        <p:nvPr/>
+      </p:nvGrpSpPr>
+      <p:grpSpPr>
+        <a:xfrm>
+          <a:off x="0" y="0"/>
+          <a:ext cx="0" cy="0"/>
+          <a:chOff x="0" y="0"/>
+          <a:chExt cx="0" cy="0"/>
+        </a:xfrm>
+      </p:grpSpPr>
+      <p:sp>
+        <p:nvSpPr>
+          <p:cNvPr id="203" name="Google Shape;203;g3118a395b3d_0_2:notes"/>
           <p:cNvSpPr/>
           <p:nvPr>
             <p:ph idx="2" type="sldImg"/>
@@ -2504,34 +2516,9 @@
           </a:ln>
         </p:spPr>
       </p:sp>
-    </p:spTree>
-  </p:cSld>
-  <p:clrMapOvr>
-    <a:masterClrMapping/>
-  </p:clrMapOvr>
-</p:notes>
-</file>
-
-<file path=ppt/notesSlides/notesSlide16.xml><?xml version="1.0" encoding="utf-8"?>
-<p:notes xmlns:a="http://schemas.openxmlformats.org/drawingml/2006/main" xmlns:r="http://schemas.openxmlformats.org/officeDocument/2006/relationships" xmlns:mc="http://schemas.openxmlformats.org/markup-compatibility/2006" xmlns:mv="urn:schemas-microsoft-com:mac:vml" xmlns:p="http://schemas.openxmlformats.org/presentationml/2006/main" xmlns:c="http://schemas.openxmlformats.org/drawingml/2006/chart" xmlns:dgm="http://schemas.openxmlformats.org/drawingml/2006/diagram" xmlns:o="urn:schemas-microsoft-com:office:office" xmlns:v="urn:schemas-microsoft-com:vml" xmlns:pvml="urn:schemas-microsoft-com:office:powerpoint" xmlns:com="http://schemas.openxmlformats.org/drawingml/2006/compatibility" xmlns:p14="http://schemas.microsoft.com/office/powerpoint/2010/main" xmlns:p15="http://schemas.microsoft.com/office/powerpoint/2012/main" xmlns:ahyp="http://schemas.microsoft.com/office/drawing/2018/hyperlinkcolor" showMasterPhAnim="0" showMasterSp="0">
-  <p:cSld>
-    <p:spTree>
-      <p:nvGrpSpPr>
-        <p:cNvPr id="207" name="Shape 207"/>
-        <p:cNvGrpSpPr/>
-        <p:nvPr/>
-      </p:nvGrpSpPr>
-      <p:grpSpPr>
-        <a:xfrm>
-          <a:off x="0" y="0"/>
-          <a:ext cx="0" cy="0"/>
-          <a:chOff x="0" y="0"/>
-          <a:chExt cx="0" cy="0"/>
-        </a:xfrm>
-      </p:grpSpPr>
       <p:sp>
         <p:nvSpPr>
-          <p:cNvPr id="208" name="Google Shape;208;p34:notes"/>
+          <p:cNvPr id="204" name="Google Shape;204;g3118a395b3d_0_2:notes"/>
           <p:cNvSpPr txBox="1"/>
           <p:nvPr>
             <p:ph idx="1" type="body"/>
@@ -2540,7 +2527,7 @@
         <p:spPr>
           <a:xfrm>
             <a:off x="685800" y="4400550"/>
-            <a:ext cx="5486400" cy="3600450"/>
+            <a:ext cx="5486400" cy="3600600"/>
           </a:xfrm>
           <a:prstGeom prst="rect">
             <a:avLst/>
@@ -2578,7 +2565,84 @@
       </p:sp>
       <p:sp>
         <p:nvSpPr>
-          <p:cNvPr id="209" name="Google Shape;209;p34:notes"/>
+          <p:cNvPr id="205" name="Google Shape;205;g3118a395b3d_0_2:notes"/>
+          <p:cNvSpPr txBox="1"/>
+          <p:nvPr>
+            <p:ph idx="12" type="sldNum"/>
+          </p:nvPr>
+        </p:nvSpPr>
+        <p:spPr>
+          <a:xfrm>
+            <a:off x="3884613" y="8685213"/>
+            <a:ext cx="2971800" cy="458700"/>
+          </a:xfrm>
+          <a:prstGeom prst="rect">
+            <a:avLst/>
+          </a:prstGeom>
+          <a:noFill/>
+          <a:ln>
+            <a:noFill/>
+          </a:ln>
+        </p:spPr>
+        <p:txBody>
+          <a:bodyPr anchorCtr="0" anchor="b" bIns="45700" lIns="91425" spcFirstLastPara="1" rIns="91425" wrap="square" tIns="45700">
+            <a:noAutofit/>
+          </a:bodyPr>
+          <a:lstStyle/>
+          <a:p>
+            <a:pPr indent="0" lvl="0" marL="0" rtl="0" algn="r">
+              <a:lnSpc>
+                <a:spcPct val="100000"/>
+              </a:lnSpc>
+              <a:spcBef>
+                <a:spcPts val="0"/>
+              </a:spcBef>
+              <a:spcAft>
+                <a:spcPts val="0"/>
+              </a:spcAft>
+              <a:buClr>
+                <a:srgbClr val="000000"/>
+              </a:buClr>
+              <a:buSzPts val="1200"/>
+              <a:buFont typeface="Arial"/>
+              <a:buNone/>
+            </a:pPr>
+            <a:fld id="{00000000-1234-1234-1234-123412341234}" type="slidenum">
+              <a:rPr lang="es-419"/>
+              <a:t>‹#›</a:t>
+            </a:fld>
+            <a:endParaRPr/>
+          </a:p>
+        </p:txBody>
+      </p:sp>
+    </p:spTree>
+  </p:cSld>
+  <p:clrMapOvr>
+    <a:masterClrMapping/>
+  </p:clrMapOvr>
+</p:notes>
+</file>
+
+<file path=ppt/notesSlides/notesSlide16.xml><?xml version="1.0" encoding="utf-8"?>
+<p:notes xmlns:a="http://schemas.openxmlformats.org/drawingml/2006/main" xmlns:r="http://schemas.openxmlformats.org/officeDocument/2006/relationships" xmlns:mc="http://schemas.openxmlformats.org/markup-compatibility/2006" xmlns:mv="urn:schemas-microsoft-com:mac:vml" xmlns:p="http://schemas.openxmlformats.org/presentationml/2006/main" xmlns:c="http://schemas.openxmlformats.org/drawingml/2006/chart" xmlns:dgm="http://schemas.openxmlformats.org/drawingml/2006/diagram" xmlns:o="urn:schemas-microsoft-com:office:office" xmlns:v="urn:schemas-microsoft-com:vml" xmlns:pvml="urn:schemas-microsoft-com:office:powerpoint" xmlns:com="http://schemas.openxmlformats.org/drawingml/2006/compatibility" xmlns:p14="http://schemas.microsoft.com/office/powerpoint/2010/main" xmlns:p15="http://schemas.microsoft.com/office/powerpoint/2012/main" xmlns:ahyp="http://schemas.microsoft.com/office/drawing/2018/hyperlinkcolor" showMasterPhAnim="0" showMasterSp="0">
+  <p:cSld>
+    <p:spTree>
+      <p:nvGrpSpPr>
+        <p:cNvPr id="209" name="Shape 209"/>
+        <p:cNvGrpSpPr/>
+        <p:nvPr/>
+      </p:nvGrpSpPr>
+      <p:grpSpPr>
+        <a:xfrm>
+          <a:off x="0" y="0"/>
+          <a:ext cx="0" cy="0"/>
+          <a:chOff x="0" y="0"/>
+          <a:chExt cx="0" cy="0"/>
+        </a:xfrm>
+      </p:grpSpPr>
+      <p:sp>
+        <p:nvSpPr>
+          <p:cNvPr id="210" name="Google Shape;210;g3118a395b3d_0_19:notes"/>
           <p:cNvSpPr/>
           <p:nvPr>
             <p:ph idx="2" type="sldImg"/>
@@ -2620,6 +2684,612 @@
             <a:tailEnd len="sm" w="sm" type="none"/>
           </a:ln>
         </p:spPr>
+      </p:sp>
+      <p:sp>
+        <p:nvSpPr>
+          <p:cNvPr id="211" name="Google Shape;211;g3118a395b3d_0_19:notes"/>
+          <p:cNvSpPr txBox="1"/>
+          <p:nvPr>
+            <p:ph idx="1" type="body"/>
+          </p:nvPr>
+        </p:nvSpPr>
+        <p:spPr>
+          <a:xfrm>
+            <a:off x="685800" y="4400550"/>
+            <a:ext cx="5486400" cy="3600600"/>
+          </a:xfrm>
+          <a:prstGeom prst="rect">
+            <a:avLst/>
+          </a:prstGeom>
+          <a:noFill/>
+          <a:ln>
+            <a:noFill/>
+          </a:ln>
+        </p:spPr>
+        <p:txBody>
+          <a:bodyPr anchorCtr="0" anchor="t" bIns="45700" lIns="91425" spcFirstLastPara="1" rIns="91425" wrap="square" tIns="45700">
+            <a:noAutofit/>
+          </a:bodyPr>
+          <a:lstStyle/>
+          <a:p>
+            <a:pPr indent="0" lvl="0" marL="0" rtl="0" algn="l">
+              <a:lnSpc>
+                <a:spcPct val="100000"/>
+              </a:lnSpc>
+              <a:spcBef>
+                <a:spcPts val="0"/>
+              </a:spcBef>
+              <a:spcAft>
+                <a:spcPts val="0"/>
+              </a:spcAft>
+              <a:buSzPts val="1400"/>
+              <a:buNone/>
+            </a:pPr>
+            <a:r>
+              <a:t/>
+            </a:r>
+            <a:endParaRPr/>
+          </a:p>
+        </p:txBody>
+      </p:sp>
+      <p:sp>
+        <p:nvSpPr>
+          <p:cNvPr id="212" name="Google Shape;212;g3118a395b3d_0_19:notes"/>
+          <p:cNvSpPr txBox="1"/>
+          <p:nvPr>
+            <p:ph idx="12" type="sldNum"/>
+          </p:nvPr>
+        </p:nvSpPr>
+        <p:spPr>
+          <a:xfrm>
+            <a:off x="3884613" y="8685213"/>
+            <a:ext cx="2971800" cy="458700"/>
+          </a:xfrm>
+          <a:prstGeom prst="rect">
+            <a:avLst/>
+          </a:prstGeom>
+          <a:noFill/>
+          <a:ln>
+            <a:noFill/>
+          </a:ln>
+        </p:spPr>
+        <p:txBody>
+          <a:bodyPr anchorCtr="0" anchor="b" bIns="45700" lIns="91425" spcFirstLastPara="1" rIns="91425" wrap="square" tIns="45700">
+            <a:noAutofit/>
+          </a:bodyPr>
+          <a:lstStyle/>
+          <a:p>
+            <a:pPr indent="0" lvl="0" marL="0" rtl="0" algn="r">
+              <a:lnSpc>
+                <a:spcPct val="100000"/>
+              </a:lnSpc>
+              <a:spcBef>
+                <a:spcPts val="0"/>
+              </a:spcBef>
+              <a:spcAft>
+                <a:spcPts val="0"/>
+              </a:spcAft>
+              <a:buClr>
+                <a:srgbClr val="000000"/>
+              </a:buClr>
+              <a:buSzPts val="1200"/>
+              <a:buFont typeface="Arial"/>
+              <a:buNone/>
+            </a:pPr>
+            <a:fld id="{00000000-1234-1234-1234-123412341234}" type="slidenum">
+              <a:rPr lang="es-419"/>
+              <a:t>‹#›</a:t>
+            </a:fld>
+            <a:endParaRPr/>
+          </a:p>
+        </p:txBody>
+      </p:sp>
+    </p:spTree>
+  </p:cSld>
+  <p:clrMapOvr>
+    <a:masterClrMapping/>
+  </p:clrMapOvr>
+</p:notes>
+</file>
+
+<file path=ppt/notesSlides/notesSlide17.xml><?xml version="1.0" encoding="utf-8"?>
+<p:notes xmlns:a="http://schemas.openxmlformats.org/drawingml/2006/main" xmlns:r="http://schemas.openxmlformats.org/officeDocument/2006/relationships" xmlns:mc="http://schemas.openxmlformats.org/markup-compatibility/2006" xmlns:mv="urn:schemas-microsoft-com:mac:vml" xmlns:p="http://schemas.openxmlformats.org/presentationml/2006/main" xmlns:c="http://schemas.openxmlformats.org/drawingml/2006/chart" xmlns:dgm="http://schemas.openxmlformats.org/drawingml/2006/diagram" xmlns:o="urn:schemas-microsoft-com:office:office" xmlns:v="urn:schemas-microsoft-com:vml" xmlns:pvml="urn:schemas-microsoft-com:office:powerpoint" xmlns:com="http://schemas.openxmlformats.org/drawingml/2006/compatibility" xmlns:p14="http://schemas.microsoft.com/office/powerpoint/2010/main" xmlns:p15="http://schemas.microsoft.com/office/powerpoint/2012/main" xmlns:ahyp="http://schemas.microsoft.com/office/drawing/2018/hyperlinkcolor" showMasterPhAnim="0" showMasterSp="0">
+  <p:cSld>
+    <p:spTree>
+      <p:nvGrpSpPr>
+        <p:cNvPr id="216" name="Shape 216"/>
+        <p:cNvGrpSpPr/>
+        <p:nvPr/>
+      </p:nvGrpSpPr>
+      <p:grpSpPr>
+        <a:xfrm>
+          <a:off x="0" y="0"/>
+          <a:ext cx="0" cy="0"/>
+          <a:chOff x="0" y="0"/>
+          <a:chExt cx="0" cy="0"/>
+        </a:xfrm>
+      </p:grpSpPr>
+      <p:sp>
+        <p:nvSpPr>
+          <p:cNvPr id="217" name="Google Shape;217;g3118a395b3d_0_24:notes"/>
+          <p:cNvSpPr/>
+          <p:nvPr>
+            <p:ph idx="2" type="sldImg"/>
+          </p:nvPr>
+        </p:nvSpPr>
+        <p:spPr>
+          <a:xfrm>
+            <a:off x="685800" y="1143000"/>
+            <a:ext cx="5486400" cy="3086100"/>
+          </a:xfrm>
+          <a:custGeom>
+            <a:rect b="b" l="l" r="r" t="t"/>
+            <a:pathLst>
+              <a:path extrusionOk="0" h="120000" w="120000">
+                <a:moveTo>
+                  <a:pt x="0" y="0"/>
+                </a:moveTo>
+                <a:lnTo>
+                  <a:pt x="120000" y="0"/>
+                </a:lnTo>
+                <a:lnTo>
+                  <a:pt x="120000" y="120000"/>
+                </a:lnTo>
+                <a:lnTo>
+                  <a:pt x="0" y="120000"/>
+                </a:lnTo>
+                <a:close/>
+              </a:path>
+            </a:pathLst>
+          </a:custGeom>
+          <a:noFill/>
+          <a:ln cap="flat" cmpd="sng" w="12700">
+            <a:solidFill>
+              <a:srgbClr val="000000"/>
+            </a:solidFill>
+            <a:prstDash val="solid"/>
+            <a:round/>
+            <a:headEnd len="sm" w="sm" type="none"/>
+            <a:tailEnd len="sm" w="sm" type="none"/>
+          </a:ln>
+        </p:spPr>
+      </p:sp>
+      <p:sp>
+        <p:nvSpPr>
+          <p:cNvPr id="218" name="Google Shape;218;g3118a395b3d_0_24:notes"/>
+          <p:cNvSpPr txBox="1"/>
+          <p:nvPr>
+            <p:ph idx="1" type="body"/>
+          </p:nvPr>
+        </p:nvSpPr>
+        <p:spPr>
+          <a:xfrm>
+            <a:off x="685800" y="4400550"/>
+            <a:ext cx="5486400" cy="3600600"/>
+          </a:xfrm>
+          <a:prstGeom prst="rect">
+            <a:avLst/>
+          </a:prstGeom>
+          <a:noFill/>
+          <a:ln>
+            <a:noFill/>
+          </a:ln>
+        </p:spPr>
+        <p:txBody>
+          <a:bodyPr anchorCtr="0" anchor="t" bIns="45700" lIns="91425" spcFirstLastPara="1" rIns="91425" wrap="square" tIns="45700">
+            <a:noAutofit/>
+          </a:bodyPr>
+          <a:lstStyle/>
+          <a:p>
+            <a:pPr indent="0" lvl="0" marL="0" rtl="0" algn="l">
+              <a:lnSpc>
+                <a:spcPct val="100000"/>
+              </a:lnSpc>
+              <a:spcBef>
+                <a:spcPts val="0"/>
+              </a:spcBef>
+              <a:spcAft>
+                <a:spcPts val="0"/>
+              </a:spcAft>
+              <a:buSzPts val="1400"/>
+              <a:buNone/>
+            </a:pPr>
+            <a:r>
+              <a:t/>
+            </a:r>
+            <a:endParaRPr/>
+          </a:p>
+        </p:txBody>
+      </p:sp>
+      <p:sp>
+        <p:nvSpPr>
+          <p:cNvPr id="219" name="Google Shape;219;g3118a395b3d_0_24:notes"/>
+          <p:cNvSpPr txBox="1"/>
+          <p:nvPr>
+            <p:ph idx="12" type="sldNum"/>
+          </p:nvPr>
+        </p:nvSpPr>
+        <p:spPr>
+          <a:xfrm>
+            <a:off x="3884613" y="8685213"/>
+            <a:ext cx="2971800" cy="458700"/>
+          </a:xfrm>
+          <a:prstGeom prst="rect">
+            <a:avLst/>
+          </a:prstGeom>
+          <a:noFill/>
+          <a:ln>
+            <a:noFill/>
+          </a:ln>
+        </p:spPr>
+        <p:txBody>
+          <a:bodyPr anchorCtr="0" anchor="b" bIns="45700" lIns="91425" spcFirstLastPara="1" rIns="91425" wrap="square" tIns="45700">
+            <a:noAutofit/>
+          </a:bodyPr>
+          <a:lstStyle/>
+          <a:p>
+            <a:pPr indent="0" lvl="0" marL="0" rtl="0" algn="r">
+              <a:lnSpc>
+                <a:spcPct val="100000"/>
+              </a:lnSpc>
+              <a:spcBef>
+                <a:spcPts val="0"/>
+              </a:spcBef>
+              <a:spcAft>
+                <a:spcPts val="0"/>
+              </a:spcAft>
+              <a:buClr>
+                <a:srgbClr val="000000"/>
+              </a:buClr>
+              <a:buSzPts val="1200"/>
+              <a:buFont typeface="Arial"/>
+              <a:buNone/>
+            </a:pPr>
+            <a:fld id="{00000000-1234-1234-1234-123412341234}" type="slidenum">
+              <a:rPr lang="es-419"/>
+              <a:t>‹#›</a:t>
+            </a:fld>
+            <a:endParaRPr/>
+          </a:p>
+        </p:txBody>
+      </p:sp>
+    </p:spTree>
+  </p:cSld>
+  <p:clrMapOvr>
+    <a:masterClrMapping/>
+  </p:clrMapOvr>
+</p:notes>
+</file>
+
+<file path=ppt/notesSlides/notesSlide18.xml><?xml version="1.0" encoding="utf-8"?>
+<p:notes xmlns:a="http://schemas.openxmlformats.org/drawingml/2006/main" xmlns:r="http://schemas.openxmlformats.org/officeDocument/2006/relationships" xmlns:mc="http://schemas.openxmlformats.org/markup-compatibility/2006" xmlns:mv="urn:schemas-microsoft-com:mac:vml" xmlns:p="http://schemas.openxmlformats.org/presentationml/2006/main" xmlns:c="http://schemas.openxmlformats.org/drawingml/2006/chart" xmlns:dgm="http://schemas.openxmlformats.org/drawingml/2006/diagram" xmlns:o="urn:schemas-microsoft-com:office:office" xmlns:v="urn:schemas-microsoft-com:vml" xmlns:pvml="urn:schemas-microsoft-com:office:powerpoint" xmlns:com="http://schemas.openxmlformats.org/drawingml/2006/compatibility" xmlns:p14="http://schemas.microsoft.com/office/powerpoint/2010/main" xmlns:p15="http://schemas.microsoft.com/office/powerpoint/2012/main" xmlns:ahyp="http://schemas.microsoft.com/office/drawing/2018/hyperlinkcolor" showMasterPhAnim="0" showMasterSp="0">
+  <p:cSld>
+    <p:spTree>
+      <p:nvGrpSpPr>
+        <p:cNvPr id="223" name="Shape 223"/>
+        <p:cNvGrpSpPr/>
+        <p:nvPr/>
+      </p:nvGrpSpPr>
+      <p:grpSpPr>
+        <a:xfrm>
+          <a:off x="0" y="0"/>
+          <a:ext cx="0" cy="0"/>
+          <a:chOff x="0" y="0"/>
+          <a:chExt cx="0" cy="0"/>
+        </a:xfrm>
+      </p:grpSpPr>
+      <p:sp>
+        <p:nvSpPr>
+          <p:cNvPr id="224" name="Google Shape;224;g3118a395b3d_0_32:notes"/>
+          <p:cNvSpPr/>
+          <p:nvPr>
+            <p:ph idx="2" type="sldImg"/>
+          </p:nvPr>
+        </p:nvSpPr>
+        <p:spPr>
+          <a:xfrm>
+            <a:off x="685800" y="1143000"/>
+            <a:ext cx="5486400" cy="3086100"/>
+          </a:xfrm>
+          <a:custGeom>
+            <a:rect b="b" l="l" r="r" t="t"/>
+            <a:pathLst>
+              <a:path extrusionOk="0" h="120000" w="120000">
+                <a:moveTo>
+                  <a:pt x="0" y="0"/>
+                </a:moveTo>
+                <a:lnTo>
+                  <a:pt x="120000" y="0"/>
+                </a:lnTo>
+                <a:lnTo>
+                  <a:pt x="120000" y="120000"/>
+                </a:lnTo>
+                <a:lnTo>
+                  <a:pt x="0" y="120000"/>
+                </a:lnTo>
+                <a:close/>
+              </a:path>
+            </a:pathLst>
+          </a:custGeom>
+          <a:noFill/>
+          <a:ln cap="flat" cmpd="sng" w="12700">
+            <a:solidFill>
+              <a:srgbClr val="000000"/>
+            </a:solidFill>
+            <a:prstDash val="solid"/>
+            <a:round/>
+            <a:headEnd len="sm" w="sm" type="none"/>
+            <a:tailEnd len="sm" w="sm" type="none"/>
+          </a:ln>
+        </p:spPr>
+      </p:sp>
+      <p:sp>
+        <p:nvSpPr>
+          <p:cNvPr id="225" name="Google Shape;225;g3118a395b3d_0_32:notes"/>
+          <p:cNvSpPr txBox="1"/>
+          <p:nvPr>
+            <p:ph idx="1" type="body"/>
+          </p:nvPr>
+        </p:nvSpPr>
+        <p:spPr>
+          <a:xfrm>
+            <a:off x="685800" y="4400550"/>
+            <a:ext cx="5486400" cy="3600600"/>
+          </a:xfrm>
+          <a:prstGeom prst="rect">
+            <a:avLst/>
+          </a:prstGeom>
+          <a:noFill/>
+          <a:ln>
+            <a:noFill/>
+          </a:ln>
+        </p:spPr>
+        <p:txBody>
+          <a:bodyPr anchorCtr="0" anchor="t" bIns="45700" lIns="91425" spcFirstLastPara="1" rIns="91425" wrap="square" tIns="45700">
+            <a:noAutofit/>
+          </a:bodyPr>
+          <a:lstStyle/>
+          <a:p>
+            <a:pPr indent="0" lvl="0" marL="0" rtl="0" algn="l">
+              <a:lnSpc>
+                <a:spcPct val="100000"/>
+              </a:lnSpc>
+              <a:spcBef>
+                <a:spcPts val="0"/>
+              </a:spcBef>
+              <a:spcAft>
+                <a:spcPts val="0"/>
+              </a:spcAft>
+              <a:buSzPts val="1400"/>
+              <a:buNone/>
+            </a:pPr>
+            <a:r>
+              <a:t/>
+            </a:r>
+            <a:endParaRPr/>
+          </a:p>
+        </p:txBody>
+      </p:sp>
+      <p:sp>
+        <p:nvSpPr>
+          <p:cNvPr id="226" name="Google Shape;226;g3118a395b3d_0_32:notes"/>
+          <p:cNvSpPr txBox="1"/>
+          <p:nvPr>
+            <p:ph idx="12" type="sldNum"/>
+          </p:nvPr>
+        </p:nvSpPr>
+        <p:spPr>
+          <a:xfrm>
+            <a:off x="3884613" y="8685213"/>
+            <a:ext cx="2971800" cy="458700"/>
+          </a:xfrm>
+          <a:prstGeom prst="rect">
+            <a:avLst/>
+          </a:prstGeom>
+          <a:noFill/>
+          <a:ln>
+            <a:noFill/>
+          </a:ln>
+        </p:spPr>
+        <p:txBody>
+          <a:bodyPr anchorCtr="0" anchor="b" bIns="45700" lIns="91425" spcFirstLastPara="1" rIns="91425" wrap="square" tIns="45700">
+            <a:noAutofit/>
+          </a:bodyPr>
+          <a:lstStyle/>
+          <a:p>
+            <a:pPr indent="0" lvl="0" marL="0" rtl="0" algn="r">
+              <a:lnSpc>
+                <a:spcPct val="100000"/>
+              </a:lnSpc>
+              <a:spcBef>
+                <a:spcPts val="0"/>
+              </a:spcBef>
+              <a:spcAft>
+                <a:spcPts val="0"/>
+              </a:spcAft>
+              <a:buClr>
+                <a:srgbClr val="000000"/>
+              </a:buClr>
+              <a:buSzPts val="1200"/>
+              <a:buFont typeface="Arial"/>
+              <a:buNone/>
+            </a:pPr>
+            <a:fld id="{00000000-1234-1234-1234-123412341234}" type="slidenum">
+              <a:rPr lang="es-419"/>
+              <a:t>‹#›</a:t>
+            </a:fld>
+            <a:endParaRPr/>
+          </a:p>
+        </p:txBody>
+      </p:sp>
+    </p:spTree>
+  </p:cSld>
+  <p:clrMapOvr>
+    <a:masterClrMapping/>
+  </p:clrMapOvr>
+</p:notes>
+</file>
+
+<file path=ppt/notesSlides/notesSlide19.xml><?xml version="1.0" encoding="utf-8"?>
+<p:notes xmlns:a="http://schemas.openxmlformats.org/drawingml/2006/main" xmlns:r="http://schemas.openxmlformats.org/officeDocument/2006/relationships" xmlns:mc="http://schemas.openxmlformats.org/markup-compatibility/2006" xmlns:mv="urn:schemas-microsoft-com:mac:vml" xmlns:p="http://schemas.openxmlformats.org/presentationml/2006/main" xmlns:c="http://schemas.openxmlformats.org/drawingml/2006/chart" xmlns:dgm="http://schemas.openxmlformats.org/drawingml/2006/diagram" xmlns:o="urn:schemas-microsoft-com:office:office" xmlns:v="urn:schemas-microsoft-com:vml" xmlns:pvml="urn:schemas-microsoft-com:office:powerpoint" xmlns:com="http://schemas.openxmlformats.org/drawingml/2006/compatibility" xmlns:p14="http://schemas.microsoft.com/office/powerpoint/2010/main" xmlns:p15="http://schemas.microsoft.com/office/powerpoint/2012/main" xmlns:ahyp="http://schemas.microsoft.com/office/drawing/2018/hyperlinkcolor" showMasterPhAnim="0" showMasterSp="0">
+  <p:cSld>
+    <p:spTree>
+      <p:nvGrpSpPr>
+        <p:cNvPr id="230" name="Shape 230"/>
+        <p:cNvGrpSpPr/>
+        <p:nvPr/>
+      </p:nvGrpSpPr>
+      <p:grpSpPr>
+        <a:xfrm>
+          <a:off x="0" y="0"/>
+          <a:ext cx="0" cy="0"/>
+          <a:chOff x="0" y="0"/>
+          <a:chExt cx="0" cy="0"/>
+        </a:xfrm>
+      </p:grpSpPr>
+      <p:sp>
+        <p:nvSpPr>
+          <p:cNvPr id="231" name="Google Shape;231;g3118a395b3d_0_37:notes"/>
+          <p:cNvSpPr/>
+          <p:nvPr>
+            <p:ph idx="2" type="sldImg"/>
+          </p:nvPr>
+        </p:nvSpPr>
+        <p:spPr>
+          <a:xfrm>
+            <a:off x="685800" y="1143000"/>
+            <a:ext cx="5486400" cy="3086100"/>
+          </a:xfrm>
+          <a:custGeom>
+            <a:rect b="b" l="l" r="r" t="t"/>
+            <a:pathLst>
+              <a:path extrusionOk="0" h="120000" w="120000">
+                <a:moveTo>
+                  <a:pt x="0" y="0"/>
+                </a:moveTo>
+                <a:lnTo>
+                  <a:pt x="120000" y="0"/>
+                </a:lnTo>
+                <a:lnTo>
+                  <a:pt x="120000" y="120000"/>
+                </a:lnTo>
+                <a:lnTo>
+                  <a:pt x="0" y="120000"/>
+                </a:lnTo>
+                <a:close/>
+              </a:path>
+            </a:pathLst>
+          </a:custGeom>
+          <a:noFill/>
+          <a:ln cap="flat" cmpd="sng" w="12700">
+            <a:solidFill>
+              <a:srgbClr val="000000"/>
+            </a:solidFill>
+            <a:prstDash val="solid"/>
+            <a:round/>
+            <a:headEnd len="sm" w="sm" type="none"/>
+            <a:tailEnd len="sm" w="sm" type="none"/>
+          </a:ln>
+        </p:spPr>
+      </p:sp>
+      <p:sp>
+        <p:nvSpPr>
+          <p:cNvPr id="232" name="Google Shape;232;g3118a395b3d_0_37:notes"/>
+          <p:cNvSpPr txBox="1"/>
+          <p:nvPr>
+            <p:ph idx="1" type="body"/>
+          </p:nvPr>
+        </p:nvSpPr>
+        <p:spPr>
+          <a:xfrm>
+            <a:off x="685800" y="4400550"/>
+            <a:ext cx="5486400" cy="3600600"/>
+          </a:xfrm>
+          <a:prstGeom prst="rect">
+            <a:avLst/>
+          </a:prstGeom>
+          <a:noFill/>
+          <a:ln>
+            <a:noFill/>
+          </a:ln>
+        </p:spPr>
+        <p:txBody>
+          <a:bodyPr anchorCtr="0" anchor="t" bIns="45700" lIns="91425" spcFirstLastPara="1" rIns="91425" wrap="square" tIns="45700">
+            <a:noAutofit/>
+          </a:bodyPr>
+          <a:lstStyle/>
+          <a:p>
+            <a:pPr indent="0" lvl="0" marL="0" rtl="0" algn="l">
+              <a:lnSpc>
+                <a:spcPct val="100000"/>
+              </a:lnSpc>
+              <a:spcBef>
+                <a:spcPts val="0"/>
+              </a:spcBef>
+              <a:spcAft>
+                <a:spcPts val="0"/>
+              </a:spcAft>
+              <a:buSzPts val="1400"/>
+              <a:buNone/>
+            </a:pPr>
+            <a:r>
+              <a:t/>
+            </a:r>
+            <a:endParaRPr/>
+          </a:p>
+        </p:txBody>
+      </p:sp>
+      <p:sp>
+        <p:nvSpPr>
+          <p:cNvPr id="233" name="Google Shape;233;g3118a395b3d_0_37:notes"/>
+          <p:cNvSpPr txBox="1"/>
+          <p:nvPr>
+            <p:ph idx="12" type="sldNum"/>
+          </p:nvPr>
+        </p:nvSpPr>
+        <p:spPr>
+          <a:xfrm>
+            <a:off x="3884613" y="8685213"/>
+            <a:ext cx="2971800" cy="458700"/>
+          </a:xfrm>
+          <a:prstGeom prst="rect">
+            <a:avLst/>
+          </a:prstGeom>
+          <a:noFill/>
+          <a:ln>
+            <a:noFill/>
+          </a:ln>
+        </p:spPr>
+        <p:txBody>
+          <a:bodyPr anchorCtr="0" anchor="b" bIns="45700" lIns="91425" spcFirstLastPara="1" rIns="91425" wrap="square" tIns="45700">
+            <a:noAutofit/>
+          </a:bodyPr>
+          <a:lstStyle/>
+          <a:p>
+            <a:pPr indent="0" lvl="0" marL="0" rtl="0" algn="r">
+              <a:lnSpc>
+                <a:spcPct val="100000"/>
+              </a:lnSpc>
+              <a:spcBef>
+                <a:spcPts val="0"/>
+              </a:spcBef>
+              <a:spcAft>
+                <a:spcPts val="0"/>
+              </a:spcAft>
+              <a:buClr>
+                <a:srgbClr val="000000"/>
+              </a:buClr>
+              <a:buSzPts val="1200"/>
+              <a:buFont typeface="Arial"/>
+              <a:buNone/>
+            </a:pPr>
+            <a:fld id="{00000000-1234-1234-1234-123412341234}" type="slidenum">
+              <a:rPr lang="es-419"/>
+              <a:t>‹#›</a:t>
+            </a:fld>
+            <a:endParaRPr/>
+          </a:p>
+        </p:txBody>
       </p:sp>
     </p:spTree>
   </p:cSld>
@@ -2696,6 +3366,474 @@
       <p:sp>
         <p:nvSpPr>
           <p:cNvPr id="92" name="Google Shape;92;p7:notes"/>
+          <p:cNvSpPr/>
+          <p:nvPr>
+            <p:ph idx="2" type="sldImg"/>
+          </p:nvPr>
+        </p:nvSpPr>
+        <p:spPr>
+          <a:xfrm>
+            <a:off x="685800" y="1143000"/>
+            <a:ext cx="5486400" cy="3086100"/>
+          </a:xfrm>
+          <a:custGeom>
+            <a:rect b="b" l="l" r="r" t="t"/>
+            <a:pathLst>
+              <a:path extrusionOk="0" h="120000" w="120000">
+                <a:moveTo>
+                  <a:pt x="0" y="0"/>
+                </a:moveTo>
+                <a:lnTo>
+                  <a:pt x="120000" y="0"/>
+                </a:lnTo>
+                <a:lnTo>
+                  <a:pt x="120000" y="120000"/>
+                </a:lnTo>
+                <a:lnTo>
+                  <a:pt x="0" y="120000"/>
+                </a:lnTo>
+                <a:close/>
+              </a:path>
+            </a:pathLst>
+          </a:custGeom>
+          <a:noFill/>
+          <a:ln cap="flat" cmpd="sng" w="12700">
+            <a:solidFill>
+              <a:srgbClr val="000000"/>
+            </a:solidFill>
+            <a:prstDash val="solid"/>
+            <a:round/>
+            <a:headEnd len="sm" w="sm" type="none"/>
+            <a:tailEnd len="sm" w="sm" type="none"/>
+          </a:ln>
+        </p:spPr>
+      </p:sp>
+    </p:spTree>
+  </p:cSld>
+  <p:clrMapOvr>
+    <a:masterClrMapping/>
+  </p:clrMapOvr>
+</p:notes>
+</file>
+
+<file path=ppt/notesSlides/notesSlide20.xml><?xml version="1.0" encoding="utf-8"?>
+<p:notes xmlns:a="http://schemas.openxmlformats.org/drawingml/2006/main" xmlns:r="http://schemas.openxmlformats.org/officeDocument/2006/relationships" xmlns:mc="http://schemas.openxmlformats.org/markup-compatibility/2006" xmlns:mv="urn:schemas-microsoft-com:mac:vml" xmlns:p="http://schemas.openxmlformats.org/presentationml/2006/main" xmlns:c="http://schemas.openxmlformats.org/drawingml/2006/chart" xmlns:dgm="http://schemas.openxmlformats.org/drawingml/2006/diagram" xmlns:o="urn:schemas-microsoft-com:office:office" xmlns:v="urn:schemas-microsoft-com:vml" xmlns:pvml="urn:schemas-microsoft-com:office:powerpoint" xmlns:com="http://schemas.openxmlformats.org/drawingml/2006/compatibility" xmlns:p14="http://schemas.microsoft.com/office/powerpoint/2010/main" xmlns:p15="http://schemas.microsoft.com/office/powerpoint/2012/main" xmlns:ahyp="http://schemas.microsoft.com/office/drawing/2018/hyperlinkcolor" showMasterPhAnim="0" showMasterSp="0">
+  <p:cSld>
+    <p:spTree>
+      <p:nvGrpSpPr>
+        <p:cNvPr id="237" name="Shape 237"/>
+        <p:cNvGrpSpPr/>
+        <p:nvPr/>
+      </p:nvGrpSpPr>
+      <p:grpSpPr>
+        <a:xfrm>
+          <a:off x="0" y="0"/>
+          <a:ext cx="0" cy="0"/>
+          <a:chOff x="0" y="0"/>
+          <a:chExt cx="0" cy="0"/>
+        </a:xfrm>
+      </p:grpSpPr>
+      <p:sp>
+        <p:nvSpPr>
+          <p:cNvPr id="238" name="Google Shape;238;p17:notes"/>
+          <p:cNvSpPr txBox="1"/>
+          <p:nvPr>
+            <p:ph idx="1" type="body"/>
+          </p:nvPr>
+        </p:nvSpPr>
+        <p:spPr>
+          <a:xfrm>
+            <a:off x="685800" y="4400550"/>
+            <a:ext cx="5486400" cy="3600450"/>
+          </a:xfrm>
+          <a:prstGeom prst="rect">
+            <a:avLst/>
+          </a:prstGeom>
+          <a:noFill/>
+          <a:ln>
+            <a:noFill/>
+          </a:ln>
+        </p:spPr>
+        <p:txBody>
+          <a:bodyPr anchorCtr="0" anchor="t" bIns="45700" lIns="91425" spcFirstLastPara="1" rIns="91425" wrap="square" tIns="45700">
+            <a:noAutofit/>
+          </a:bodyPr>
+          <a:lstStyle/>
+          <a:p>
+            <a:pPr indent="0" lvl="0" marL="0" rtl="0" algn="l">
+              <a:lnSpc>
+                <a:spcPct val="100000"/>
+              </a:lnSpc>
+              <a:spcBef>
+                <a:spcPts val="0"/>
+              </a:spcBef>
+              <a:spcAft>
+                <a:spcPts val="0"/>
+              </a:spcAft>
+              <a:buSzPts val="1400"/>
+              <a:buNone/>
+            </a:pPr>
+            <a:r>
+              <a:t/>
+            </a:r>
+            <a:endParaRPr/>
+          </a:p>
+        </p:txBody>
+      </p:sp>
+      <p:sp>
+        <p:nvSpPr>
+          <p:cNvPr id="239" name="Google Shape;239;p17:notes"/>
+          <p:cNvSpPr/>
+          <p:nvPr>
+            <p:ph idx="2" type="sldImg"/>
+          </p:nvPr>
+        </p:nvSpPr>
+        <p:spPr>
+          <a:xfrm>
+            <a:off x="685800" y="1143000"/>
+            <a:ext cx="5486400" cy="3086100"/>
+          </a:xfrm>
+          <a:custGeom>
+            <a:rect b="b" l="l" r="r" t="t"/>
+            <a:pathLst>
+              <a:path extrusionOk="0" h="120000" w="120000">
+                <a:moveTo>
+                  <a:pt x="0" y="0"/>
+                </a:moveTo>
+                <a:lnTo>
+                  <a:pt x="120000" y="0"/>
+                </a:lnTo>
+                <a:lnTo>
+                  <a:pt x="120000" y="120000"/>
+                </a:lnTo>
+                <a:lnTo>
+                  <a:pt x="0" y="120000"/>
+                </a:lnTo>
+                <a:close/>
+              </a:path>
+            </a:pathLst>
+          </a:custGeom>
+          <a:noFill/>
+          <a:ln cap="flat" cmpd="sng" w="12700">
+            <a:solidFill>
+              <a:srgbClr val="000000"/>
+            </a:solidFill>
+            <a:prstDash val="solid"/>
+            <a:round/>
+            <a:headEnd len="sm" w="sm" type="none"/>
+            <a:tailEnd len="sm" w="sm" type="none"/>
+          </a:ln>
+        </p:spPr>
+      </p:sp>
+    </p:spTree>
+  </p:cSld>
+  <p:clrMapOvr>
+    <a:masterClrMapping/>
+  </p:clrMapOvr>
+</p:notes>
+</file>
+
+<file path=ppt/notesSlides/notesSlide21.xml><?xml version="1.0" encoding="utf-8"?>
+<p:notes xmlns:a="http://schemas.openxmlformats.org/drawingml/2006/main" xmlns:r="http://schemas.openxmlformats.org/officeDocument/2006/relationships" xmlns:mc="http://schemas.openxmlformats.org/markup-compatibility/2006" xmlns:mv="urn:schemas-microsoft-com:mac:vml" xmlns:p="http://schemas.openxmlformats.org/presentationml/2006/main" xmlns:c="http://schemas.openxmlformats.org/drawingml/2006/chart" xmlns:dgm="http://schemas.openxmlformats.org/drawingml/2006/diagram" xmlns:o="urn:schemas-microsoft-com:office:office" xmlns:v="urn:schemas-microsoft-com:vml" xmlns:pvml="urn:schemas-microsoft-com:office:powerpoint" xmlns:com="http://schemas.openxmlformats.org/drawingml/2006/compatibility" xmlns:p14="http://schemas.microsoft.com/office/powerpoint/2010/main" xmlns:p15="http://schemas.microsoft.com/office/powerpoint/2012/main" xmlns:ahyp="http://schemas.microsoft.com/office/drawing/2018/hyperlinkcolor" showMasterPhAnim="0" showMasterSp="0">
+  <p:cSld>
+    <p:spTree>
+      <p:nvGrpSpPr>
+        <p:cNvPr id="243" name="Shape 243"/>
+        <p:cNvGrpSpPr/>
+        <p:nvPr/>
+      </p:nvGrpSpPr>
+      <p:grpSpPr>
+        <a:xfrm>
+          <a:off x="0" y="0"/>
+          <a:ext cx="0" cy="0"/>
+          <a:chOff x="0" y="0"/>
+          <a:chExt cx="0" cy="0"/>
+        </a:xfrm>
+      </p:grpSpPr>
+      <p:sp>
+        <p:nvSpPr>
+          <p:cNvPr id="244" name="Google Shape;244;p36:notes"/>
+          <p:cNvSpPr txBox="1"/>
+          <p:nvPr>
+            <p:ph idx="1" type="body"/>
+          </p:nvPr>
+        </p:nvSpPr>
+        <p:spPr>
+          <a:xfrm>
+            <a:off x="685800" y="4400550"/>
+            <a:ext cx="5486400" cy="3600450"/>
+          </a:xfrm>
+          <a:prstGeom prst="rect">
+            <a:avLst/>
+          </a:prstGeom>
+          <a:noFill/>
+          <a:ln>
+            <a:noFill/>
+          </a:ln>
+        </p:spPr>
+        <p:txBody>
+          <a:bodyPr anchorCtr="0" anchor="t" bIns="45700" lIns="91425" spcFirstLastPara="1" rIns="91425" wrap="square" tIns="45700">
+            <a:noAutofit/>
+          </a:bodyPr>
+          <a:lstStyle/>
+          <a:p>
+            <a:pPr indent="0" lvl="0" marL="0" rtl="0" algn="l">
+              <a:lnSpc>
+                <a:spcPct val="100000"/>
+              </a:lnSpc>
+              <a:spcBef>
+                <a:spcPts val="0"/>
+              </a:spcBef>
+              <a:spcAft>
+                <a:spcPts val="0"/>
+              </a:spcAft>
+              <a:buSzPts val="1400"/>
+              <a:buNone/>
+            </a:pPr>
+            <a:r>
+              <a:t/>
+            </a:r>
+            <a:endParaRPr/>
+          </a:p>
+        </p:txBody>
+      </p:sp>
+      <p:sp>
+        <p:nvSpPr>
+          <p:cNvPr id="245" name="Google Shape;245;p36:notes"/>
+          <p:cNvSpPr/>
+          <p:nvPr>
+            <p:ph idx="2" type="sldImg"/>
+          </p:nvPr>
+        </p:nvSpPr>
+        <p:spPr>
+          <a:xfrm>
+            <a:off x="685800" y="1143000"/>
+            <a:ext cx="5486400" cy="3086100"/>
+          </a:xfrm>
+          <a:custGeom>
+            <a:rect b="b" l="l" r="r" t="t"/>
+            <a:pathLst>
+              <a:path extrusionOk="0" h="120000" w="120000">
+                <a:moveTo>
+                  <a:pt x="0" y="0"/>
+                </a:moveTo>
+                <a:lnTo>
+                  <a:pt x="120000" y="0"/>
+                </a:lnTo>
+                <a:lnTo>
+                  <a:pt x="120000" y="120000"/>
+                </a:lnTo>
+                <a:lnTo>
+                  <a:pt x="0" y="120000"/>
+                </a:lnTo>
+                <a:close/>
+              </a:path>
+            </a:pathLst>
+          </a:custGeom>
+          <a:noFill/>
+          <a:ln cap="flat" cmpd="sng" w="12700">
+            <a:solidFill>
+              <a:srgbClr val="000000"/>
+            </a:solidFill>
+            <a:prstDash val="solid"/>
+            <a:round/>
+            <a:headEnd len="sm" w="sm" type="none"/>
+            <a:tailEnd len="sm" w="sm" type="none"/>
+          </a:ln>
+        </p:spPr>
+      </p:sp>
+    </p:spTree>
+  </p:cSld>
+  <p:clrMapOvr>
+    <a:masterClrMapping/>
+  </p:clrMapOvr>
+</p:notes>
+</file>
+
+<file path=ppt/notesSlides/notesSlide22.xml><?xml version="1.0" encoding="utf-8"?>
+<p:notes xmlns:a="http://schemas.openxmlformats.org/drawingml/2006/main" xmlns:r="http://schemas.openxmlformats.org/officeDocument/2006/relationships" xmlns:mc="http://schemas.openxmlformats.org/markup-compatibility/2006" xmlns:mv="urn:schemas-microsoft-com:mac:vml" xmlns:p="http://schemas.openxmlformats.org/presentationml/2006/main" xmlns:c="http://schemas.openxmlformats.org/drawingml/2006/chart" xmlns:dgm="http://schemas.openxmlformats.org/drawingml/2006/diagram" xmlns:o="urn:schemas-microsoft-com:office:office" xmlns:v="urn:schemas-microsoft-com:vml" xmlns:pvml="urn:schemas-microsoft-com:office:powerpoint" xmlns:com="http://schemas.openxmlformats.org/drawingml/2006/compatibility" xmlns:p14="http://schemas.microsoft.com/office/powerpoint/2010/main" xmlns:p15="http://schemas.microsoft.com/office/powerpoint/2012/main" xmlns:ahyp="http://schemas.microsoft.com/office/drawing/2018/hyperlinkcolor" showMasterPhAnim="0" showMasterSp="0">
+  <p:cSld>
+    <p:spTree>
+      <p:nvGrpSpPr>
+        <p:cNvPr id="249" name="Shape 249"/>
+        <p:cNvGrpSpPr/>
+        <p:nvPr/>
+      </p:nvGrpSpPr>
+      <p:grpSpPr>
+        <a:xfrm>
+          <a:off x="0" y="0"/>
+          <a:ext cx="0" cy="0"/>
+          <a:chOff x="0" y="0"/>
+          <a:chExt cx="0" cy="0"/>
+        </a:xfrm>
+      </p:grpSpPr>
+      <p:sp>
+        <p:nvSpPr>
+          <p:cNvPr id="250" name="Google Shape;250;g31083fedd1d_0_0:notes"/>
+          <p:cNvSpPr txBox="1"/>
+          <p:nvPr>
+            <p:ph idx="1" type="body"/>
+          </p:nvPr>
+        </p:nvSpPr>
+        <p:spPr>
+          <a:xfrm>
+            <a:off x="685800" y="4400550"/>
+            <a:ext cx="5486400" cy="3600600"/>
+          </a:xfrm>
+          <a:prstGeom prst="rect">
+            <a:avLst/>
+          </a:prstGeom>
+          <a:noFill/>
+          <a:ln>
+            <a:noFill/>
+          </a:ln>
+        </p:spPr>
+        <p:txBody>
+          <a:bodyPr anchorCtr="0" anchor="t" bIns="45700" lIns="91425" spcFirstLastPara="1" rIns="91425" wrap="square" tIns="45700">
+            <a:noAutofit/>
+          </a:bodyPr>
+          <a:lstStyle/>
+          <a:p>
+            <a:pPr indent="0" lvl="0" marL="0" rtl="0" algn="l">
+              <a:lnSpc>
+                <a:spcPct val="100000"/>
+              </a:lnSpc>
+              <a:spcBef>
+                <a:spcPts val="0"/>
+              </a:spcBef>
+              <a:spcAft>
+                <a:spcPts val="0"/>
+              </a:spcAft>
+              <a:buSzPts val="1400"/>
+              <a:buNone/>
+            </a:pPr>
+            <a:r>
+              <a:t/>
+            </a:r>
+            <a:endParaRPr/>
+          </a:p>
+        </p:txBody>
+      </p:sp>
+      <p:sp>
+        <p:nvSpPr>
+          <p:cNvPr id="251" name="Google Shape;251;g31083fedd1d_0_0:notes"/>
+          <p:cNvSpPr/>
+          <p:nvPr>
+            <p:ph idx="2" type="sldImg"/>
+          </p:nvPr>
+        </p:nvSpPr>
+        <p:spPr>
+          <a:xfrm>
+            <a:off x="685800" y="1143000"/>
+            <a:ext cx="5486400" cy="3086100"/>
+          </a:xfrm>
+          <a:custGeom>
+            <a:rect b="b" l="l" r="r" t="t"/>
+            <a:pathLst>
+              <a:path extrusionOk="0" h="120000" w="120000">
+                <a:moveTo>
+                  <a:pt x="0" y="0"/>
+                </a:moveTo>
+                <a:lnTo>
+                  <a:pt x="120000" y="0"/>
+                </a:lnTo>
+                <a:lnTo>
+                  <a:pt x="120000" y="120000"/>
+                </a:lnTo>
+                <a:lnTo>
+                  <a:pt x="0" y="120000"/>
+                </a:lnTo>
+                <a:close/>
+              </a:path>
+            </a:pathLst>
+          </a:custGeom>
+          <a:noFill/>
+          <a:ln cap="flat" cmpd="sng" w="12700">
+            <a:solidFill>
+              <a:srgbClr val="000000"/>
+            </a:solidFill>
+            <a:prstDash val="solid"/>
+            <a:round/>
+            <a:headEnd len="sm" w="sm" type="none"/>
+            <a:tailEnd len="sm" w="sm" type="none"/>
+          </a:ln>
+        </p:spPr>
+      </p:sp>
+    </p:spTree>
+  </p:cSld>
+  <p:clrMapOvr>
+    <a:masterClrMapping/>
+  </p:clrMapOvr>
+</p:notes>
+</file>
+
+<file path=ppt/notesSlides/notesSlide23.xml><?xml version="1.0" encoding="utf-8"?>
+<p:notes xmlns:a="http://schemas.openxmlformats.org/drawingml/2006/main" xmlns:r="http://schemas.openxmlformats.org/officeDocument/2006/relationships" xmlns:mc="http://schemas.openxmlformats.org/markup-compatibility/2006" xmlns:mv="urn:schemas-microsoft-com:mac:vml" xmlns:p="http://schemas.openxmlformats.org/presentationml/2006/main" xmlns:c="http://schemas.openxmlformats.org/drawingml/2006/chart" xmlns:dgm="http://schemas.openxmlformats.org/drawingml/2006/diagram" xmlns:o="urn:schemas-microsoft-com:office:office" xmlns:v="urn:schemas-microsoft-com:vml" xmlns:pvml="urn:schemas-microsoft-com:office:powerpoint" xmlns:com="http://schemas.openxmlformats.org/drawingml/2006/compatibility" xmlns:p14="http://schemas.microsoft.com/office/powerpoint/2010/main" xmlns:p15="http://schemas.microsoft.com/office/powerpoint/2012/main" xmlns:ahyp="http://schemas.microsoft.com/office/drawing/2018/hyperlinkcolor" showMasterPhAnim="0" showMasterSp="0">
+  <p:cSld>
+    <p:spTree>
+      <p:nvGrpSpPr>
+        <p:cNvPr id="255" name="Shape 255"/>
+        <p:cNvGrpSpPr/>
+        <p:nvPr/>
+      </p:nvGrpSpPr>
+      <p:grpSpPr>
+        <a:xfrm>
+          <a:off x="0" y="0"/>
+          <a:ext cx="0" cy="0"/>
+          <a:chOff x="0" y="0"/>
+          <a:chExt cx="0" cy="0"/>
+        </a:xfrm>
+      </p:grpSpPr>
+      <p:sp>
+        <p:nvSpPr>
+          <p:cNvPr id="256" name="Google Shape;256;p34:notes"/>
+          <p:cNvSpPr txBox="1"/>
+          <p:nvPr>
+            <p:ph idx="1" type="body"/>
+          </p:nvPr>
+        </p:nvSpPr>
+        <p:spPr>
+          <a:xfrm>
+            <a:off x="685800" y="4400550"/>
+            <a:ext cx="5486400" cy="3600450"/>
+          </a:xfrm>
+          <a:prstGeom prst="rect">
+            <a:avLst/>
+          </a:prstGeom>
+          <a:noFill/>
+          <a:ln>
+            <a:noFill/>
+          </a:ln>
+        </p:spPr>
+        <p:txBody>
+          <a:bodyPr anchorCtr="0" anchor="t" bIns="45700" lIns="91425" spcFirstLastPara="1" rIns="91425" wrap="square" tIns="45700">
+            <a:noAutofit/>
+          </a:bodyPr>
+          <a:lstStyle/>
+          <a:p>
+            <a:pPr indent="0" lvl="0" marL="0" rtl="0" algn="l">
+              <a:lnSpc>
+                <a:spcPct val="100000"/>
+              </a:lnSpc>
+              <a:spcBef>
+                <a:spcPts val="0"/>
+              </a:spcBef>
+              <a:spcAft>
+                <a:spcPts val="0"/>
+              </a:spcAft>
+              <a:buSzPts val="1400"/>
+              <a:buNone/>
+            </a:pPr>
+            <a:r>
+              <a:t/>
+            </a:r>
+            <a:endParaRPr/>
+          </a:p>
+        </p:txBody>
+      </p:sp>
+      <p:sp>
+        <p:nvSpPr>
+          <p:cNvPr id="257" name="Google Shape;257;p34:notes"/>
           <p:cNvSpPr/>
           <p:nvPr>
             <p:ph idx="2" type="sldImg"/>
@@ -3234,54 +4372,7 @@
       </p:grpSpPr>
       <p:sp>
         <p:nvSpPr>
-          <p:cNvPr id="139" name="Google Shape;139;p35:notes"/>
-          <p:cNvSpPr txBox="1"/>
-          <p:nvPr>
-            <p:ph idx="1" type="body"/>
-          </p:nvPr>
-        </p:nvSpPr>
-        <p:spPr>
-          <a:xfrm>
-            <a:off x="685800" y="4400550"/>
-            <a:ext cx="5486400" cy="3600450"/>
-          </a:xfrm>
-          <a:prstGeom prst="rect">
-            <a:avLst/>
-          </a:prstGeom>
-          <a:noFill/>
-          <a:ln>
-            <a:noFill/>
-          </a:ln>
-        </p:spPr>
-        <p:txBody>
-          <a:bodyPr anchorCtr="0" anchor="t" bIns="45700" lIns="91425" spcFirstLastPara="1" rIns="91425" wrap="square" tIns="45700">
-            <a:noAutofit/>
-          </a:bodyPr>
-          <a:lstStyle/>
-          <a:p>
-            <a:pPr indent="0" lvl="0" marL="0" rtl="0" algn="l">
-              <a:lnSpc>
-                <a:spcPct val="100000"/>
-              </a:lnSpc>
-              <a:spcBef>
-                <a:spcPts val="0"/>
-              </a:spcBef>
-              <a:spcAft>
-                <a:spcPts val="0"/>
-              </a:spcAft>
-              <a:buSzPts val="1400"/>
-              <a:buNone/>
-            </a:pPr>
-            <a:r>
-              <a:t/>
-            </a:r>
-            <a:endParaRPr/>
-          </a:p>
-        </p:txBody>
-      </p:sp>
-      <p:sp>
-        <p:nvSpPr>
-          <p:cNvPr id="140" name="Google Shape;140;p35:notes"/>
+          <p:cNvPr id="139" name="Google Shape;139;g3118a395b3d_0_48:notes"/>
           <p:cNvSpPr/>
           <p:nvPr>
             <p:ph idx="2" type="sldImg"/>
@@ -3324,6 +4415,105 @@
           </a:ln>
         </p:spPr>
       </p:sp>
+      <p:sp>
+        <p:nvSpPr>
+          <p:cNvPr id="140" name="Google Shape;140;g3118a395b3d_0_48:notes"/>
+          <p:cNvSpPr txBox="1"/>
+          <p:nvPr>
+            <p:ph idx="1" type="body"/>
+          </p:nvPr>
+        </p:nvSpPr>
+        <p:spPr>
+          <a:xfrm>
+            <a:off x="685800" y="4400550"/>
+            <a:ext cx="5486400" cy="3600600"/>
+          </a:xfrm>
+          <a:prstGeom prst="rect">
+            <a:avLst/>
+          </a:prstGeom>
+          <a:noFill/>
+          <a:ln>
+            <a:noFill/>
+          </a:ln>
+        </p:spPr>
+        <p:txBody>
+          <a:bodyPr anchorCtr="0" anchor="t" bIns="45700" lIns="91425" spcFirstLastPara="1" rIns="91425" wrap="square" tIns="45700">
+            <a:noAutofit/>
+          </a:bodyPr>
+          <a:lstStyle/>
+          <a:p>
+            <a:pPr indent="0" lvl="0" marL="0" rtl="0" algn="l">
+              <a:lnSpc>
+                <a:spcPct val="100000"/>
+              </a:lnSpc>
+              <a:spcBef>
+                <a:spcPts val="0"/>
+              </a:spcBef>
+              <a:spcAft>
+                <a:spcPts val="0"/>
+              </a:spcAft>
+              <a:buSzPts val="1400"/>
+              <a:buNone/>
+            </a:pPr>
+            <a:r>
+              <a:t/>
+            </a:r>
+            <a:endParaRPr/>
+          </a:p>
+        </p:txBody>
+      </p:sp>
+      <p:sp>
+        <p:nvSpPr>
+          <p:cNvPr id="141" name="Google Shape;141;g3118a395b3d_0_48:notes"/>
+          <p:cNvSpPr txBox="1"/>
+          <p:nvPr>
+            <p:ph idx="12" type="sldNum"/>
+          </p:nvPr>
+        </p:nvSpPr>
+        <p:spPr>
+          <a:xfrm>
+            <a:off x="3884613" y="8685213"/>
+            <a:ext cx="2971800" cy="458700"/>
+          </a:xfrm>
+          <a:prstGeom prst="rect">
+            <a:avLst/>
+          </a:prstGeom>
+          <a:noFill/>
+          <a:ln>
+            <a:noFill/>
+          </a:ln>
+        </p:spPr>
+        <p:txBody>
+          <a:bodyPr anchorCtr="0" anchor="b" bIns="45700" lIns="91425" spcFirstLastPara="1" rIns="91425" wrap="square" tIns="45700">
+            <a:noAutofit/>
+          </a:bodyPr>
+          <a:lstStyle/>
+          <a:p>
+            <a:pPr indent="0" lvl="0" marL="0" rtl="0" algn="r">
+              <a:lnSpc>
+                <a:spcPct val="100000"/>
+              </a:lnSpc>
+              <a:spcBef>
+                <a:spcPts val="0"/>
+              </a:spcBef>
+              <a:spcAft>
+                <a:spcPts val="0"/>
+              </a:spcAft>
+              <a:buClr>
+                <a:srgbClr val="000000"/>
+              </a:buClr>
+              <a:buSzPts val="1200"/>
+              <a:buFont typeface="Arial"/>
+              <a:buNone/>
+            </a:pPr>
+            <a:fld id="{00000000-1234-1234-1234-123412341234}" type="slidenum">
+              <a:rPr lang="es-419"/>
+              <a:t>‹#›</a:t>
+            </a:fld>
+            <a:endParaRPr/>
+          </a:p>
+        </p:txBody>
+      </p:sp>
     </p:spTree>
   </p:cSld>
   <p:clrMapOvr>
@@ -3337,7 +4527,7 @@
   <p:cSld>
     <p:spTree>
       <p:nvGrpSpPr>
-        <p:cNvPr id="158" name="Shape 158"/>
+        <p:cNvPr id="152" name="Shape 152"/>
         <p:cNvGrpSpPr/>
         <p:nvPr/>
       </p:nvGrpSpPr>
@@ -3351,7 +4541,7 @@
       </p:grpSpPr>
       <p:sp>
         <p:nvSpPr>
-          <p:cNvPr id="159" name="Google Shape;159;p33:notes"/>
+          <p:cNvPr id="153" name="Google Shape;153;p35:notes"/>
           <p:cNvSpPr txBox="1"/>
           <p:nvPr>
             <p:ph idx="1" type="body"/>
@@ -3398,7 +4588,7 @@
       </p:sp>
       <p:sp>
         <p:nvSpPr>
-          <p:cNvPr id="160" name="Google Shape;160;p33:notes"/>
+          <p:cNvPr id="154" name="Google Shape;154;p35:notes"/>
           <p:cNvSpPr/>
           <p:nvPr>
             <p:ph idx="2" type="sldImg"/>
@@ -3454,7 +4644,7 @@
   <p:cSld>
     <p:spTree>
       <p:nvGrpSpPr>
-        <p:cNvPr id="165" name="Shape 165"/>
+        <p:cNvPr id="164" name="Shape 164"/>
         <p:cNvGrpSpPr/>
         <p:nvPr/>
       </p:nvGrpSpPr>
@@ -3468,7 +4658,7 @@
       </p:grpSpPr>
       <p:sp>
         <p:nvSpPr>
-          <p:cNvPr id="166" name="Google Shape;166;g27b59b7e26b_0_25:notes"/>
+          <p:cNvPr id="165" name="Google Shape;165;p33:notes"/>
           <p:cNvSpPr txBox="1"/>
           <p:nvPr>
             <p:ph idx="1" type="body"/>
@@ -3477,7 +4667,7 @@
         <p:spPr>
           <a:xfrm>
             <a:off x="685800" y="4400550"/>
-            <a:ext cx="5486400" cy="3600600"/>
+            <a:ext cx="5486400" cy="3600450"/>
           </a:xfrm>
           <a:prstGeom prst="rect">
             <a:avLst/>
@@ -3515,7 +4705,7 @@
       </p:sp>
       <p:sp>
         <p:nvSpPr>
-          <p:cNvPr id="167" name="Google Shape;167;g27b59b7e26b_0_25:notes"/>
+          <p:cNvPr id="166" name="Google Shape;166;p33:notes"/>
           <p:cNvSpPr/>
           <p:nvPr>
             <p:ph idx="2" type="sldImg"/>
@@ -17074,7 +18264,7 @@
       </p:grpSpPr>
       <p:sp>
         <p:nvSpPr>
-          <p:cNvPr id="175" name="Google Shape;175;p14"/>
+          <p:cNvPr id="175" name="Google Shape;175;g27b59b7e26b_0_25"/>
           <p:cNvSpPr txBox="1"/>
           <p:nvPr>
             <p:ph type="title"/>
@@ -17082,8 +18272,8 @@
         </p:nvSpPr>
         <p:spPr>
           <a:xfrm>
-            <a:off x="41400" y="-1"/>
-            <a:ext cx="3291000" cy="1082100"/>
+            <a:off x="2138100" y="33025"/>
+            <a:ext cx="8703600" cy="1292700"/>
           </a:xfrm>
           <a:prstGeom prst="rect">
             <a:avLst/>
@@ -17095,7 +18285,7 @@
         </p:spPr>
         <p:txBody>
           <a:bodyPr anchorCtr="0" anchor="ctr" bIns="45700" lIns="91425" spcFirstLastPara="1" rIns="91425" wrap="square" tIns="45700">
-            <a:normAutofit fontScale="90000"/>
+            <a:normAutofit/>
           </a:bodyPr>
           <a:lstStyle/>
           <a:p>
@@ -17109,31 +18299,16 @@
               <a:spcAft>
                 <a:spcPts val="0"/>
               </a:spcAft>
-              <a:buSzPct val="64285"/>
+              <a:buSzPts val="1800"/>
               <a:buNone/>
             </a:pPr>
-            <a:br>
-              <a:rPr b="0" i="0" lang="es-419" sz="2800" u="none" strike="noStrike">
-                <a:solidFill>
-                  <a:srgbClr val="000000"/>
-                </a:solidFill>
-                <a:latin typeface="Calibri"/>
-                <a:ea typeface="Calibri"/>
-                <a:cs typeface="Calibri"/>
-                <a:sym typeface="Calibri"/>
-              </a:rPr>
-            </a:br>
             <a:r>
               <a:rPr b="1" i="0" lang="es-419" sz="2800" u="none" strike="noStrike">
                 <a:solidFill>
                   <a:srgbClr val="000000"/>
                 </a:solidFill>
-                <a:latin typeface="Calibri"/>
-                <a:ea typeface="Calibri"/>
-                <a:cs typeface="Calibri"/>
-                <a:sym typeface="Calibri"/>
               </a:rPr>
-              <a:t>Modelo de Datos (MER)</a:t>
+              <a:t>Diagrama de Actividad </a:t>
             </a:r>
             <a:endParaRPr b="1" i="0" sz="2800" u="none" strike="noStrike">
               <a:solidFill>
@@ -17149,7 +18324,7 @@
       </p:sp>
       <p:pic>
         <p:nvPicPr>
-          <p:cNvPr id="176" name="Google Shape;176;p14"/>
+          <p:cNvPr id="176" name="Google Shape;176;g27b59b7e26b_0_25"/>
           <p:cNvPicPr preferRelativeResize="0"/>
           <p:nvPr/>
         </p:nvPicPr>
@@ -17162,8 +18337,8 @@
         </p:blipFill>
         <p:spPr>
           <a:xfrm>
-            <a:off x="750725" y="1234500"/>
-            <a:ext cx="10625176" cy="5471100"/>
+            <a:off x="0" y="1474650"/>
+            <a:ext cx="12106325" cy="5241325"/>
           </a:xfrm>
           <a:prstGeom prst="rect">
             <a:avLst/>
@@ -17201,21 +18376,22 @@
       </p:grpSpPr>
       <p:pic>
         <p:nvPicPr>
-          <p:cNvPr id="181" name="Google Shape;181;g27b59b7e26b_0_30"/>
+          <p:cNvPr id="181" name="Google Shape;181;p14"/>
           <p:cNvPicPr preferRelativeResize="0"/>
           <p:nvPr/>
         </p:nvPicPr>
-        <p:blipFill rotWithShape="1">
+        <p:blipFill>
           <a:blip r:embed="rId3">
             <a:alphaModFix/>
           </a:blip>
-          <a:srcRect b="0" l="0" r="0" t="0"/>
-          <a:stretch/>
+          <a:stretch>
+            <a:fillRect/>
+          </a:stretch>
         </p:blipFill>
         <p:spPr>
           <a:xfrm>
             <a:off x="0" y="0"/>
-            <a:ext cx="12192002" cy="6857999"/>
+            <a:ext cx="12192000" cy="6857999"/>
           </a:xfrm>
           <a:prstGeom prst="rect">
             <a:avLst/>
@@ -17228,7 +18404,7 @@
       </p:pic>
       <p:sp>
         <p:nvSpPr>
-          <p:cNvPr id="182" name="Google Shape;182;g27b59b7e26b_0_30"/>
+          <p:cNvPr id="182" name="Google Shape;182;p14"/>
           <p:cNvSpPr txBox="1"/>
           <p:nvPr>
             <p:ph type="title"/>
@@ -17236,8 +18412,8 @@
         </p:nvSpPr>
         <p:spPr>
           <a:xfrm>
-            <a:off x="9286875" y="141225"/>
-            <a:ext cx="2616600" cy="1854000"/>
+            <a:off x="0" y="-107175"/>
+            <a:ext cx="4000500" cy="553800"/>
           </a:xfrm>
           <a:prstGeom prst="rect">
             <a:avLst/>
@@ -17276,7 +18452,7 @@
                 <a:cs typeface="Calibri"/>
                 <a:sym typeface="Calibri"/>
               </a:rPr>
-              <a:t>Diagrama de Clases</a:t>
+              <a:t>Modelo de Datos (MER)</a:t>
             </a:r>
             <a:endParaRPr b="1" i="0" sz="2800" u="none" strike="noStrike">
               <a:solidFill>
@@ -17315,9 +18491,36 @@
           <a:chExt cx="0" cy="0"/>
         </a:xfrm>
       </p:grpSpPr>
+      <p:pic>
+        <p:nvPicPr>
+          <p:cNvPr id="187" name="Google Shape;187;g27b59b7e26b_0_30"/>
+          <p:cNvPicPr preferRelativeResize="0"/>
+          <p:nvPr/>
+        </p:nvPicPr>
+        <p:blipFill rotWithShape="1">
+          <a:blip r:embed="rId3">
+            <a:alphaModFix/>
+          </a:blip>
+          <a:srcRect b="0" l="0" r="0" t="0"/>
+          <a:stretch/>
+        </p:blipFill>
+        <p:spPr>
+          <a:xfrm>
+            <a:off x="0" y="0"/>
+            <a:ext cx="12192000" cy="6857999"/>
+          </a:xfrm>
+          <a:prstGeom prst="rect">
+            <a:avLst/>
+          </a:prstGeom>
+          <a:noFill/>
+          <a:ln>
+            <a:noFill/>
+          </a:ln>
+        </p:spPr>
+      </p:pic>
       <p:sp>
         <p:nvSpPr>
-          <p:cNvPr id="187" name="Google Shape;187;p16"/>
+          <p:cNvPr id="188" name="Google Shape;188;g27b59b7e26b_0_30"/>
           <p:cNvSpPr txBox="1"/>
           <p:nvPr>
             <p:ph type="title"/>
@@ -17325,8 +18528,8 @@
         </p:nvSpPr>
         <p:spPr>
           <a:xfrm>
-            <a:off x="481013" y="3752849"/>
-            <a:ext cx="3291000" cy="2452800"/>
+            <a:off x="9286875" y="141225"/>
+            <a:ext cx="2616600" cy="1854000"/>
           </a:xfrm>
           <a:prstGeom prst="rect">
             <a:avLst/>
@@ -17356,7 +18559,7 @@
               <a:buNone/>
             </a:pPr>
             <a:r>
-              <a:rPr b="0" i="0" lang="es-419" sz="2800" u="none" strike="noStrike">
+              <a:rPr b="1" i="0" lang="es-419" sz="2800" u="none" strike="noStrike">
                 <a:solidFill>
                   <a:srgbClr val="000000"/>
                 </a:solidFill>
@@ -17365,26 +18568,7 @@
                 <a:cs typeface="Calibri"/>
                 <a:sym typeface="Calibri"/>
               </a:rPr>
-              <a:t>Propuesta UML Caso de Proyecto.</a:t>
-            </a:r>
-            <a:br>
-              <a:rPr b="0" i="0" lang="es-419" sz="2800" u="none" strike="noStrike">
-                <a:solidFill>
-                  <a:srgbClr val="000000"/>
-                </a:solidFill>
-                <a:latin typeface="Calibri"/>
-                <a:ea typeface="Calibri"/>
-                <a:cs typeface="Calibri"/>
-                <a:sym typeface="Calibri"/>
-              </a:rPr>
-            </a:br>
-            <a:r>
-              <a:rPr b="1" lang="es-419" sz="2800">
-                <a:solidFill>
-                  <a:srgbClr val="000000"/>
-                </a:solidFill>
-              </a:rPr>
-              <a:t>Diseño de Front-end</a:t>
+              <a:t>Diagrama de Clases</a:t>
             </a:r>
             <a:endParaRPr b="1" i="0" sz="2800" u="none" strike="noStrike">
               <a:solidFill>
@@ -17398,58 +18582,6 @@
           </a:p>
         </p:txBody>
       </p:sp>
-      <p:pic>
-        <p:nvPicPr>
-          <p:cNvPr descr="Dentistas 3.0: Diagnóstico por imagen - IMED Dental" id="188" name="Google Shape;188;p16"/>
-          <p:cNvPicPr preferRelativeResize="0"/>
-          <p:nvPr/>
-        </p:nvPicPr>
-        <p:blipFill rotWithShape="1">
-          <a:blip r:embed="rId3">
-            <a:alphaModFix/>
-          </a:blip>
-          <a:srcRect b="27437" l="0" r="0" t="14591"/>
-          <a:stretch/>
-        </p:blipFill>
-        <p:spPr>
-          <a:xfrm>
-            <a:off x="20" y="10"/>
-            <a:ext cx="12192000" cy="3710552"/>
-          </a:xfrm>
-          <a:custGeom>
-            <a:rect b="b" l="l" r="r" t="t"/>
-            <a:pathLst>
-              <a:path extrusionOk="0" h="3692092" w="12192000">
-                <a:moveTo>
-                  <a:pt x="0" y="0"/>
-                </a:moveTo>
-                <a:lnTo>
-                  <a:pt x="12192000" y="0"/>
-                </a:lnTo>
-                <a:lnTo>
-                  <a:pt x="12192000" y="3504824"/>
-                </a:lnTo>
-                <a:lnTo>
-                  <a:pt x="12024691" y="3517794"/>
-                </a:lnTo>
-                <a:cubicBezTo>
-                  <a:pt x="8077523" y="3783195"/>
-                  <a:pt x="4094678" y="3026959"/>
-                  <a:pt x="160485" y="3663863"/>
-                </a:cubicBezTo>
-                <a:lnTo>
-                  <a:pt x="0" y="3692092"/>
-                </a:lnTo>
-                <a:close/>
-              </a:path>
-            </a:pathLst>
-          </a:custGeom>
-          <a:noFill/>
-          <a:ln>
-            <a:noFill/>
-          </a:ln>
-        </p:spPr>
-      </p:pic>
     </p:spTree>
   </p:cSld>
   <p:clrMapOvr>
@@ -17475,9 +18607,37 @@
           <a:chExt cx="0" cy="0"/>
         </a:xfrm>
       </p:grpSpPr>
+      <p:pic>
+        <p:nvPicPr>
+          <p:cNvPr id="193" name="Google Shape;193;p16"/>
+          <p:cNvPicPr preferRelativeResize="0"/>
+          <p:nvPr/>
+        </p:nvPicPr>
+        <p:blipFill>
+          <a:blip r:embed="rId3">
+            <a:alphaModFix/>
+          </a:blip>
+          <a:stretch>
+            <a:fillRect/>
+          </a:stretch>
+        </p:blipFill>
+        <p:spPr>
+          <a:xfrm>
+            <a:off x="0" y="0"/>
+            <a:ext cx="12192000" cy="6857999"/>
+          </a:xfrm>
+          <a:prstGeom prst="rect">
+            <a:avLst/>
+          </a:prstGeom>
+          <a:noFill/>
+          <a:ln>
+            <a:noFill/>
+          </a:ln>
+        </p:spPr>
+      </p:pic>
       <p:sp>
         <p:nvSpPr>
-          <p:cNvPr id="193" name="Google Shape;193;p17"/>
+          <p:cNvPr id="194" name="Google Shape;194;p16"/>
           <p:cNvSpPr txBox="1"/>
           <p:nvPr>
             <p:ph type="title"/>
@@ -17485,8 +18645,8 @@
         </p:nvSpPr>
         <p:spPr>
           <a:xfrm>
-            <a:off x="481013" y="3752849"/>
-            <a:ext cx="3290887" cy="2452687"/>
+            <a:off x="132675" y="617575"/>
+            <a:ext cx="3291000" cy="824400"/>
           </a:xfrm>
           <a:prstGeom prst="rect">
             <a:avLst/>
@@ -17516,39 +18676,12 @@
               <a:buNone/>
             </a:pPr>
             <a:r>
-              <a:rPr b="1" i="0" lang="es-419" sz="2800" u="none" strike="noStrike">
+              <a:rPr b="1" lang="es-419" sz="2800">
                 <a:solidFill>
                   <a:srgbClr val="000000"/>
                 </a:solidFill>
-                <a:latin typeface="Calibri"/>
-                <a:ea typeface="Calibri"/>
-                <a:cs typeface="Calibri"/>
-                <a:sym typeface="Calibri"/>
               </a:rPr>
-              <a:t>Estándares y Criterios de Calidad</a:t>
-            </a:r>
-            <a:br>
-              <a:rPr b="1" i="0" lang="es-419" sz="2800" u="none" strike="noStrike">
-                <a:solidFill>
-                  <a:srgbClr val="000000"/>
-                </a:solidFill>
-                <a:latin typeface="Calibri"/>
-                <a:ea typeface="Calibri"/>
-                <a:cs typeface="Calibri"/>
-                <a:sym typeface="Calibri"/>
-              </a:rPr>
-            </a:br>
-            <a:r>
-              <a:rPr b="1" i="0" lang="es-419" sz="2800" u="none" strike="noStrike">
-                <a:solidFill>
-                  <a:srgbClr val="000000"/>
-                </a:solidFill>
-                <a:latin typeface="Calibri"/>
-                <a:ea typeface="Calibri"/>
-                <a:cs typeface="Calibri"/>
-                <a:sym typeface="Calibri"/>
-              </a:rPr>
-              <a:t>Pruebas y técnicas de pruebas</a:t>
+              <a:t>Diseño de Front-end</a:t>
             </a:r>
             <a:endParaRPr b="1" i="0" sz="2800" u="none" strike="noStrike">
               <a:solidFill>
@@ -17562,58 +18695,6 @@
           </a:p>
         </p:txBody>
       </p:sp>
-      <p:pic>
-        <p:nvPicPr>
-          <p:cNvPr descr="Dentistas 3.0: Diagnóstico por imagen - IMED Dental" id="194" name="Google Shape;194;p17"/>
-          <p:cNvPicPr preferRelativeResize="0"/>
-          <p:nvPr/>
-        </p:nvPicPr>
-        <p:blipFill rotWithShape="1">
-          <a:blip r:embed="rId3">
-            <a:alphaModFix/>
-          </a:blip>
-          <a:srcRect b="27439" l="0" r="0" t="14589"/>
-          <a:stretch/>
-        </p:blipFill>
-        <p:spPr>
-          <a:xfrm>
-            <a:off x="20" y="10"/>
-            <a:ext cx="12191980" cy="3710603"/>
-          </a:xfrm>
-          <a:custGeom>
-            <a:rect b="b" l="l" r="r" t="t"/>
-            <a:pathLst>
-              <a:path extrusionOk="0" h="3692092" w="12192000">
-                <a:moveTo>
-                  <a:pt x="0" y="0"/>
-                </a:moveTo>
-                <a:lnTo>
-                  <a:pt x="12192000" y="0"/>
-                </a:lnTo>
-                <a:lnTo>
-                  <a:pt x="12192000" y="3504824"/>
-                </a:lnTo>
-                <a:lnTo>
-                  <a:pt x="12024691" y="3517794"/>
-                </a:lnTo>
-                <a:cubicBezTo>
-                  <a:pt x="8077523" y="3783195"/>
-                  <a:pt x="4094678" y="3026959"/>
-                  <a:pt x="160485" y="3663863"/>
-                </a:cubicBezTo>
-                <a:lnTo>
-                  <a:pt x="0" y="3692092"/>
-                </a:lnTo>
-                <a:close/>
-              </a:path>
-            </a:pathLst>
-          </a:custGeom>
-          <a:noFill/>
-          <a:ln>
-            <a:noFill/>
-          </a:ln>
-        </p:spPr>
-      </p:pic>
     </p:spTree>
   </p:cSld>
   <p:clrMapOvr>
@@ -17625,16 +18706,9 @@
 <file path=ppt/slides/slide14.xml><?xml version="1.0" encoding="utf-8"?>
 <p:sld xmlns:a="http://schemas.openxmlformats.org/drawingml/2006/main" xmlns:r="http://schemas.openxmlformats.org/officeDocument/2006/relationships" xmlns:mc="http://schemas.openxmlformats.org/markup-compatibility/2006" xmlns:mv="urn:schemas-microsoft-com:mac:vml" xmlns:p="http://schemas.openxmlformats.org/presentationml/2006/main" xmlns:c="http://schemas.openxmlformats.org/drawingml/2006/chart" xmlns:dgm="http://schemas.openxmlformats.org/drawingml/2006/diagram" xmlns:o="urn:schemas-microsoft-com:office:office" xmlns:v="urn:schemas-microsoft-com:vml" xmlns:pvml="urn:schemas-microsoft-com:office:powerpoint" xmlns:com="http://schemas.openxmlformats.org/drawingml/2006/compatibility" xmlns:p14="http://schemas.microsoft.com/office/powerpoint/2010/main" xmlns:p15="http://schemas.microsoft.com/office/powerpoint/2012/main" xmlns:ahyp="http://schemas.microsoft.com/office/drawing/2018/hyperlinkcolor">
   <p:cSld>
-    <p:bg>
-      <p:bgPr>
-        <a:solidFill>
-          <a:schemeClr val="lt1"/>
-        </a:solidFill>
-      </p:bgPr>
-    </p:bg>
     <p:spTree>
       <p:nvGrpSpPr>
-        <p:cNvPr id="198" name="Shape 198"/>
+        <p:cNvPr id="199" name="Shape 199"/>
         <p:cNvGrpSpPr/>
         <p:nvPr/>
       </p:nvGrpSpPr>
@@ -17648,7 +18722,7 @@
       </p:grpSpPr>
       <p:pic>
         <p:nvPicPr>
-          <p:cNvPr id="199" name="Google Shape;199;p36"/>
+          <p:cNvPr id="200" name="Google Shape;200;g3118a395b3d_0_7"/>
           <p:cNvPicPr preferRelativeResize="0"/>
           <p:nvPr/>
         </p:nvPicPr>
@@ -17663,14 +18737,12 @@
         <p:spPr>
           <a:xfrm>
             <a:off x="0" y="0"/>
-            <a:ext cx="12191999" cy="6858001"/>
+            <a:ext cx="12192000" cy="6858001"/>
           </a:xfrm>
           <a:prstGeom prst="rect">
             <a:avLst/>
           </a:prstGeom>
-          <a:solidFill>
-            <a:schemeClr val="lt1"/>
-          </a:solidFill>
+          <a:noFill/>
           <a:ln>
             <a:noFill/>
           </a:ln>
@@ -17678,14 +18750,16 @@
       </p:pic>
       <p:sp>
         <p:nvSpPr>
-          <p:cNvPr id="200" name="Google Shape;200;p36"/>
+          <p:cNvPr id="201" name="Google Shape;201;g3118a395b3d_0_7"/>
           <p:cNvSpPr txBox="1"/>
-          <p:nvPr/>
+          <p:nvPr>
+            <p:ph type="title"/>
+          </p:nvPr>
         </p:nvSpPr>
         <p:spPr>
           <a:xfrm>
-            <a:off x="5180725" y="-47350"/>
-            <a:ext cx="2035800" cy="459900"/>
+            <a:off x="4161025" y="166400"/>
+            <a:ext cx="3291000" cy="824400"/>
           </a:xfrm>
           <a:prstGeom prst="rect">
             <a:avLst/>
@@ -17696,12 +18770,12 @@
           </a:ln>
         </p:spPr>
         <p:txBody>
-          <a:bodyPr anchorCtr="0" anchor="b" bIns="45700" lIns="91425" spcFirstLastPara="1" rIns="91425" wrap="square" tIns="45700">
+          <a:bodyPr anchorCtr="0" anchor="ctr" bIns="45700" lIns="91425" spcFirstLastPara="1" rIns="91425" wrap="square" tIns="45700">
             <a:normAutofit/>
           </a:bodyPr>
           <a:lstStyle/>
           <a:p>
-            <a:pPr indent="0" lvl="0" marL="0" marR="0" rtl="0" algn="ctr">
+            <a:pPr indent="0" lvl="0" marL="0" rtl="0" algn="l">
               <a:lnSpc>
                 <a:spcPct val="90000"/>
               </a:lnSpc>
@@ -17711,26 +18785,18 @@
               <a:spcAft>
                 <a:spcPts val="0"/>
               </a:spcAft>
-              <a:buClr>
-                <a:srgbClr val="000000"/>
-              </a:buClr>
-              <a:buSzPts val="2500"/>
-              <a:buFont typeface="Arial"/>
+              <a:buSzPts val="1800"/>
               <a:buNone/>
             </a:pPr>
             <a:r>
-              <a:rPr b="0" i="0" lang="es-419" sz="2500" u="none" cap="none" strike="noStrike">
-                <a:solidFill>
-                  <a:srgbClr val="595959"/>
-                </a:solidFill>
-                <a:latin typeface="Arial"/>
-                <a:ea typeface="Arial"/>
-                <a:cs typeface="Arial"/>
-                <a:sym typeface="Arial"/>
+              <a:rPr b="1" lang="es-419" sz="2800">
+                <a:solidFill>
+                  <a:srgbClr val="000000"/>
+                </a:solidFill>
               </a:rPr>
-              <a:t>Roadmap </a:t>
+              <a:t>Diseño de Front-end</a:t>
             </a:r>
-            <a:endParaRPr b="0" i="0" sz="1400" u="none" cap="none" strike="noStrike">
+            <a:endParaRPr b="1" i="0" sz="2800" u="none" strike="noStrike">
               <a:solidFill>
                 <a:srgbClr val="000000"/>
               </a:solidFill>
@@ -17753,16 +18819,9 @@
 <file path=ppt/slides/slide15.xml><?xml version="1.0" encoding="utf-8"?>
 <p:sld xmlns:a="http://schemas.openxmlformats.org/drawingml/2006/main" xmlns:r="http://schemas.openxmlformats.org/officeDocument/2006/relationships" xmlns:mc="http://schemas.openxmlformats.org/markup-compatibility/2006" xmlns:mv="urn:schemas-microsoft-com:mac:vml" xmlns:p="http://schemas.openxmlformats.org/presentationml/2006/main" xmlns:c="http://schemas.openxmlformats.org/drawingml/2006/chart" xmlns:dgm="http://schemas.openxmlformats.org/drawingml/2006/diagram" xmlns:o="urn:schemas-microsoft-com:office:office" xmlns:v="urn:schemas-microsoft-com:vml" xmlns:pvml="urn:schemas-microsoft-com:office:powerpoint" xmlns:com="http://schemas.openxmlformats.org/drawingml/2006/compatibility" xmlns:p14="http://schemas.microsoft.com/office/powerpoint/2010/main" xmlns:p15="http://schemas.microsoft.com/office/powerpoint/2012/main" xmlns:ahyp="http://schemas.microsoft.com/office/drawing/2018/hyperlinkcolor">
   <p:cSld>
-    <p:bg>
-      <p:bgPr>
-        <a:solidFill>
-          <a:schemeClr val="lt1"/>
-        </a:solidFill>
-      </p:bgPr>
-    </p:bg>
     <p:spTree>
       <p:nvGrpSpPr>
-        <p:cNvPr id="204" name="Shape 204"/>
+        <p:cNvPr id="206" name="Shape 206"/>
         <p:cNvGrpSpPr/>
         <p:nvPr/>
       </p:nvGrpSpPr>
@@ -17774,106 +18833,9 @@
           <a:chExt cx="0" cy="0"/>
         </a:xfrm>
       </p:grpSpPr>
-      <p:sp>
-        <p:nvSpPr>
-          <p:cNvPr id="205" name="Google Shape;205;g31083fedd1d_0_0"/>
-          <p:cNvSpPr txBox="1"/>
-          <p:nvPr/>
-        </p:nvSpPr>
-        <p:spPr>
-          <a:xfrm>
-            <a:off x="4883100" y="33800"/>
-            <a:ext cx="1440600" cy="507300"/>
-          </a:xfrm>
-          <a:prstGeom prst="rect">
-            <a:avLst/>
-          </a:prstGeom>
-          <a:noFill/>
-          <a:ln>
-            <a:noFill/>
-          </a:ln>
-        </p:spPr>
-        <p:txBody>
-          <a:bodyPr anchorCtr="0" anchor="b" bIns="45700" lIns="91425" spcFirstLastPara="1" rIns="91425" wrap="square" tIns="45700">
-            <a:normAutofit fontScale="40000" lnSpcReduction="20000"/>
-          </a:bodyPr>
-          <a:lstStyle/>
-          <a:p>
-            <a:pPr indent="0" lvl="0" marL="0" marR="0" rtl="0" algn="ctr">
-              <a:lnSpc>
-                <a:spcPct val="90000"/>
-              </a:lnSpc>
-              <a:spcBef>
-                <a:spcPts val="0"/>
-              </a:spcBef>
-              <a:spcAft>
-                <a:spcPts val="0"/>
-              </a:spcAft>
-              <a:buClr>
-                <a:srgbClr val="000000"/>
-              </a:buClr>
-              <a:buSzPct val="40676"/>
-              <a:buFont typeface="Arial"/>
-              <a:buNone/>
-            </a:pPr>
-            <a:r>
-              <a:rPr b="0" i="0" lang="es-419" sz="6146" u="none" cap="none" strike="noStrike">
-                <a:solidFill>
-                  <a:srgbClr val="595959"/>
-                </a:solidFill>
-                <a:latin typeface="Arial"/>
-                <a:ea typeface="Arial"/>
-                <a:cs typeface="Arial"/>
-                <a:sym typeface="Arial"/>
-              </a:rPr>
-              <a:t>Trello</a:t>
-            </a:r>
-            <a:endParaRPr b="0" i="0" sz="5046" u="none" cap="none" strike="noStrike">
-              <a:solidFill>
-                <a:srgbClr val="000000"/>
-              </a:solidFill>
-              <a:latin typeface="Arial"/>
-              <a:ea typeface="Arial"/>
-              <a:cs typeface="Arial"/>
-              <a:sym typeface="Arial"/>
-            </a:endParaRPr>
-          </a:p>
-          <a:p>
-            <a:pPr indent="0" lvl="0" marL="0" marR="0" rtl="0" algn="ctr">
-              <a:lnSpc>
-                <a:spcPct val="90000"/>
-              </a:lnSpc>
-              <a:spcBef>
-                <a:spcPts val="600"/>
-              </a:spcBef>
-              <a:spcAft>
-                <a:spcPts val="600"/>
-              </a:spcAft>
-              <a:buClr>
-                <a:srgbClr val="000000"/>
-              </a:buClr>
-              <a:buSzPct val="178571"/>
-              <a:buFont typeface="Arial"/>
-              <a:buNone/>
-            </a:pPr>
-            <a:r>
-              <a:t/>
-            </a:r>
-            <a:endParaRPr b="0" i="0" sz="1400" u="none" cap="none" strike="noStrike">
-              <a:solidFill>
-                <a:srgbClr val="000000"/>
-              </a:solidFill>
-              <a:latin typeface="Arial"/>
-              <a:ea typeface="Arial"/>
-              <a:cs typeface="Arial"/>
-              <a:sym typeface="Arial"/>
-            </a:endParaRPr>
-          </a:p>
-        </p:txBody>
-      </p:sp>
       <p:pic>
         <p:nvPicPr>
-          <p:cNvPr id="206" name="Google Shape;206;g31083fedd1d_0_0"/>
+          <p:cNvPr id="207" name="Google Shape;207;g3118a395b3d_0_2"/>
           <p:cNvPicPr preferRelativeResize="0"/>
           <p:nvPr/>
         </p:nvPicPr>
@@ -17887,8 +18849,8 @@
         </p:blipFill>
         <p:spPr>
           <a:xfrm>
-            <a:off x="0" y="507300"/>
-            <a:ext cx="12192001" cy="6320051"/>
+            <a:off x="0" y="0"/>
+            <a:ext cx="12192000" cy="6858000"/>
           </a:xfrm>
           <a:prstGeom prst="rect">
             <a:avLst/>
@@ -17899,34 +18861,9 @@
           </a:ln>
         </p:spPr>
       </p:pic>
-    </p:spTree>
-  </p:cSld>
-  <p:clrMapOvr>
-    <a:masterClrMapping/>
-  </p:clrMapOvr>
-</p:sld>
-</file>
-
-<file path=ppt/slides/slide16.xml><?xml version="1.0" encoding="utf-8"?>
-<p:sld xmlns:a="http://schemas.openxmlformats.org/drawingml/2006/main" xmlns:r="http://schemas.openxmlformats.org/officeDocument/2006/relationships" xmlns:mc="http://schemas.openxmlformats.org/markup-compatibility/2006" xmlns:mv="urn:schemas-microsoft-com:mac:vml" xmlns:p="http://schemas.openxmlformats.org/presentationml/2006/main" xmlns:c="http://schemas.openxmlformats.org/drawingml/2006/chart" xmlns:dgm="http://schemas.openxmlformats.org/drawingml/2006/diagram" xmlns:o="urn:schemas-microsoft-com:office:office" xmlns:v="urn:schemas-microsoft-com:vml" xmlns:pvml="urn:schemas-microsoft-com:office:powerpoint" xmlns:com="http://schemas.openxmlformats.org/drawingml/2006/compatibility" xmlns:p14="http://schemas.microsoft.com/office/powerpoint/2010/main" xmlns:p15="http://schemas.microsoft.com/office/powerpoint/2012/main" xmlns:ahyp="http://schemas.microsoft.com/office/drawing/2018/hyperlinkcolor">
-  <p:cSld>
-    <p:spTree>
-      <p:nvGrpSpPr>
-        <p:cNvPr id="210" name="Shape 210"/>
-        <p:cNvGrpSpPr/>
-        <p:nvPr/>
-      </p:nvGrpSpPr>
-      <p:grpSpPr>
-        <a:xfrm>
-          <a:off x="0" y="0"/>
-          <a:ext cx="0" cy="0"/>
-          <a:chOff x="0" y="0"/>
-          <a:chExt cx="0" cy="0"/>
-        </a:xfrm>
-      </p:grpSpPr>
       <p:sp>
         <p:nvSpPr>
-          <p:cNvPr id="211" name="Google Shape;211;p34"/>
+          <p:cNvPr id="208" name="Google Shape;208;g3118a395b3d_0_2"/>
           <p:cNvSpPr txBox="1"/>
           <p:nvPr>
             <p:ph type="title"/>
@@ -17934,8 +18871,8 @@
         </p:nvSpPr>
         <p:spPr>
           <a:xfrm>
-            <a:off x="481013" y="3752849"/>
-            <a:ext cx="3290887" cy="2452687"/>
+            <a:off x="5285825" y="83050"/>
+            <a:ext cx="3291000" cy="824400"/>
           </a:xfrm>
           <a:prstGeom prst="rect">
             <a:avLst/>
@@ -17965,16 +18902,12 @@
               <a:buNone/>
             </a:pPr>
             <a:r>
-              <a:rPr b="1" i="0" lang="es-419" sz="2800" u="none" strike="noStrike">
+              <a:rPr b="1" lang="es-419" sz="2800">
                 <a:solidFill>
                   <a:srgbClr val="000000"/>
                 </a:solidFill>
-                <a:latin typeface="Calibri"/>
-                <a:ea typeface="Calibri"/>
-                <a:cs typeface="Calibri"/>
-                <a:sym typeface="Calibri"/>
               </a:rPr>
-              <a:t>Demostración Funcional</a:t>
+              <a:t>Diseño de Front-end</a:t>
             </a:r>
             <a:endParaRPr b="1" i="0" sz="2800" u="none" strike="noStrike">
               <a:solidFill>
@@ -17988,58 +18921,458 @@
           </a:p>
         </p:txBody>
       </p:sp>
+    </p:spTree>
+  </p:cSld>
+  <p:clrMapOvr>
+    <a:masterClrMapping/>
+  </p:clrMapOvr>
+</p:sld>
+</file>
+
+<file path=ppt/slides/slide16.xml><?xml version="1.0" encoding="utf-8"?>
+<p:sld xmlns:a="http://schemas.openxmlformats.org/drawingml/2006/main" xmlns:r="http://schemas.openxmlformats.org/officeDocument/2006/relationships" xmlns:mc="http://schemas.openxmlformats.org/markup-compatibility/2006" xmlns:mv="urn:schemas-microsoft-com:mac:vml" xmlns:p="http://schemas.openxmlformats.org/presentationml/2006/main" xmlns:c="http://schemas.openxmlformats.org/drawingml/2006/chart" xmlns:dgm="http://schemas.openxmlformats.org/drawingml/2006/diagram" xmlns:o="urn:schemas-microsoft-com:office:office" xmlns:v="urn:schemas-microsoft-com:vml" xmlns:pvml="urn:schemas-microsoft-com:office:powerpoint" xmlns:com="http://schemas.openxmlformats.org/drawingml/2006/compatibility" xmlns:p14="http://schemas.microsoft.com/office/powerpoint/2010/main" xmlns:p15="http://schemas.microsoft.com/office/powerpoint/2012/main" xmlns:ahyp="http://schemas.microsoft.com/office/drawing/2018/hyperlinkcolor">
+  <p:cSld>
+    <p:spTree>
+      <p:nvGrpSpPr>
+        <p:cNvPr id="213" name="Shape 213"/>
+        <p:cNvGrpSpPr/>
+        <p:nvPr/>
+      </p:nvGrpSpPr>
+      <p:grpSpPr>
+        <a:xfrm>
+          <a:off x="0" y="0"/>
+          <a:ext cx="0" cy="0"/>
+          <a:chOff x="0" y="0"/>
+          <a:chExt cx="0" cy="0"/>
+        </a:xfrm>
+      </p:grpSpPr>
       <p:pic>
         <p:nvPicPr>
-          <p:cNvPr descr="Dentistas 3.0: Diagnóstico por imagen - IMED Dental" id="212" name="Google Shape;212;p34"/>
+          <p:cNvPr id="214" name="Google Shape;214;g3118a395b3d_0_19"/>
           <p:cNvPicPr preferRelativeResize="0"/>
           <p:nvPr/>
         </p:nvPicPr>
-        <p:blipFill rotWithShape="1">
+        <p:blipFill>
           <a:blip r:embed="rId3">
             <a:alphaModFix/>
           </a:blip>
-          <a:srcRect b="27439" l="0" r="0" t="14589"/>
-          <a:stretch/>
+          <a:stretch>
+            <a:fillRect/>
+          </a:stretch>
         </p:blipFill>
         <p:spPr>
           <a:xfrm>
-            <a:off x="20" y="10"/>
-            <a:ext cx="12191980" cy="3710603"/>
+            <a:off x="0" y="0"/>
+            <a:ext cx="12192000" cy="6858000"/>
           </a:xfrm>
-          <a:custGeom>
-            <a:rect b="b" l="l" r="r" t="t"/>
-            <a:pathLst>
-              <a:path extrusionOk="0" h="3692092" w="12192000">
-                <a:moveTo>
-                  <a:pt x="0" y="0"/>
-                </a:moveTo>
-                <a:lnTo>
-                  <a:pt x="12192000" y="0"/>
-                </a:lnTo>
-                <a:lnTo>
-                  <a:pt x="12192000" y="3504824"/>
-                </a:lnTo>
-                <a:lnTo>
-                  <a:pt x="12024691" y="3517794"/>
-                </a:lnTo>
-                <a:cubicBezTo>
-                  <a:pt x="8077523" y="3783195"/>
-                  <a:pt x="4094678" y="3026959"/>
-                  <a:pt x="160485" y="3663863"/>
-                </a:cubicBezTo>
-                <a:lnTo>
-                  <a:pt x="0" y="3692092"/>
-                </a:lnTo>
-                <a:close/>
-              </a:path>
-            </a:pathLst>
-          </a:custGeom>
+          <a:prstGeom prst="rect">
+            <a:avLst/>
+          </a:prstGeom>
           <a:noFill/>
           <a:ln>
             <a:noFill/>
           </a:ln>
         </p:spPr>
       </p:pic>
+      <p:sp>
+        <p:nvSpPr>
+          <p:cNvPr id="215" name="Google Shape;215;g3118a395b3d_0_19"/>
+          <p:cNvSpPr txBox="1"/>
+          <p:nvPr>
+            <p:ph type="title"/>
+          </p:nvPr>
+        </p:nvSpPr>
+        <p:spPr>
+          <a:xfrm>
+            <a:off x="4232125" y="118775"/>
+            <a:ext cx="3291000" cy="824400"/>
+          </a:xfrm>
+          <a:prstGeom prst="rect">
+            <a:avLst/>
+          </a:prstGeom>
+          <a:noFill/>
+          <a:ln>
+            <a:noFill/>
+          </a:ln>
+        </p:spPr>
+        <p:txBody>
+          <a:bodyPr anchorCtr="0" anchor="ctr" bIns="45700" lIns="91425" spcFirstLastPara="1" rIns="91425" wrap="square" tIns="45700">
+            <a:normAutofit/>
+          </a:bodyPr>
+          <a:lstStyle/>
+          <a:p>
+            <a:pPr indent="0" lvl="0" marL="0" rtl="0" algn="l">
+              <a:lnSpc>
+                <a:spcPct val="90000"/>
+              </a:lnSpc>
+              <a:spcBef>
+                <a:spcPts val="0"/>
+              </a:spcBef>
+              <a:spcAft>
+                <a:spcPts val="0"/>
+              </a:spcAft>
+              <a:buSzPts val="1800"/>
+              <a:buNone/>
+            </a:pPr>
+            <a:r>
+              <a:rPr b="1" lang="es-419" sz="2800">
+                <a:solidFill>
+                  <a:srgbClr val="000000"/>
+                </a:solidFill>
+              </a:rPr>
+              <a:t>Diseño de Front-end</a:t>
+            </a:r>
+            <a:endParaRPr b="1" i="0" sz="2800" u="none" strike="noStrike">
+              <a:solidFill>
+                <a:srgbClr val="000000"/>
+              </a:solidFill>
+              <a:latin typeface="Arial"/>
+              <a:ea typeface="Arial"/>
+              <a:cs typeface="Arial"/>
+              <a:sym typeface="Arial"/>
+            </a:endParaRPr>
+          </a:p>
+        </p:txBody>
+      </p:sp>
+    </p:spTree>
+  </p:cSld>
+  <p:clrMapOvr>
+    <a:masterClrMapping/>
+  </p:clrMapOvr>
+</p:sld>
+</file>
+
+<file path=ppt/slides/slide17.xml><?xml version="1.0" encoding="utf-8"?>
+<p:sld xmlns:a="http://schemas.openxmlformats.org/drawingml/2006/main" xmlns:r="http://schemas.openxmlformats.org/officeDocument/2006/relationships" xmlns:mc="http://schemas.openxmlformats.org/markup-compatibility/2006" xmlns:mv="urn:schemas-microsoft-com:mac:vml" xmlns:p="http://schemas.openxmlformats.org/presentationml/2006/main" xmlns:c="http://schemas.openxmlformats.org/drawingml/2006/chart" xmlns:dgm="http://schemas.openxmlformats.org/drawingml/2006/diagram" xmlns:o="urn:schemas-microsoft-com:office:office" xmlns:v="urn:schemas-microsoft-com:vml" xmlns:pvml="urn:schemas-microsoft-com:office:powerpoint" xmlns:com="http://schemas.openxmlformats.org/drawingml/2006/compatibility" xmlns:p14="http://schemas.microsoft.com/office/powerpoint/2010/main" xmlns:p15="http://schemas.microsoft.com/office/powerpoint/2012/main" xmlns:ahyp="http://schemas.microsoft.com/office/drawing/2018/hyperlinkcolor">
+  <p:cSld>
+    <p:spTree>
+      <p:nvGrpSpPr>
+        <p:cNvPr id="220" name="Shape 220"/>
+        <p:cNvGrpSpPr/>
+        <p:nvPr/>
+      </p:nvGrpSpPr>
+      <p:grpSpPr>
+        <a:xfrm>
+          <a:off x="0" y="0"/>
+          <a:ext cx="0" cy="0"/>
+          <a:chOff x="0" y="0"/>
+          <a:chExt cx="0" cy="0"/>
+        </a:xfrm>
+      </p:grpSpPr>
+      <p:pic>
+        <p:nvPicPr>
+          <p:cNvPr id="221" name="Google Shape;221;g3118a395b3d_0_24"/>
+          <p:cNvPicPr preferRelativeResize="0"/>
+          <p:nvPr/>
+        </p:nvPicPr>
+        <p:blipFill>
+          <a:blip r:embed="rId3">
+            <a:alphaModFix/>
+          </a:blip>
+          <a:stretch>
+            <a:fillRect/>
+          </a:stretch>
+        </p:blipFill>
+        <p:spPr>
+          <a:xfrm>
+            <a:off x="0" y="0"/>
+            <a:ext cx="12192000" cy="6858000"/>
+          </a:xfrm>
+          <a:prstGeom prst="rect">
+            <a:avLst/>
+          </a:prstGeom>
+          <a:noFill/>
+          <a:ln>
+            <a:noFill/>
+          </a:ln>
+        </p:spPr>
+      </p:pic>
+      <p:sp>
+        <p:nvSpPr>
+          <p:cNvPr id="222" name="Google Shape;222;g3118a395b3d_0_24"/>
+          <p:cNvSpPr txBox="1"/>
+          <p:nvPr>
+            <p:ph type="title"/>
+          </p:nvPr>
+        </p:nvSpPr>
+        <p:spPr>
+          <a:xfrm>
+            <a:off x="5678725" y="100900"/>
+            <a:ext cx="3291000" cy="824400"/>
+          </a:xfrm>
+          <a:prstGeom prst="rect">
+            <a:avLst/>
+          </a:prstGeom>
+          <a:noFill/>
+          <a:ln>
+            <a:noFill/>
+          </a:ln>
+        </p:spPr>
+        <p:txBody>
+          <a:bodyPr anchorCtr="0" anchor="ctr" bIns="45700" lIns="91425" spcFirstLastPara="1" rIns="91425" wrap="square" tIns="45700">
+            <a:normAutofit/>
+          </a:bodyPr>
+          <a:lstStyle/>
+          <a:p>
+            <a:pPr indent="0" lvl="0" marL="0" rtl="0" algn="l">
+              <a:lnSpc>
+                <a:spcPct val="90000"/>
+              </a:lnSpc>
+              <a:spcBef>
+                <a:spcPts val="0"/>
+              </a:spcBef>
+              <a:spcAft>
+                <a:spcPts val="0"/>
+              </a:spcAft>
+              <a:buSzPts val="1800"/>
+              <a:buNone/>
+            </a:pPr>
+            <a:r>
+              <a:rPr b="1" lang="es-419" sz="2800">
+                <a:solidFill>
+                  <a:srgbClr val="000000"/>
+                </a:solidFill>
+              </a:rPr>
+              <a:t>Diseño de Front-end</a:t>
+            </a:r>
+            <a:endParaRPr b="1" i="0" sz="2800" u="none" strike="noStrike">
+              <a:solidFill>
+                <a:srgbClr val="000000"/>
+              </a:solidFill>
+              <a:latin typeface="Arial"/>
+              <a:ea typeface="Arial"/>
+              <a:cs typeface="Arial"/>
+              <a:sym typeface="Arial"/>
+            </a:endParaRPr>
+          </a:p>
+        </p:txBody>
+      </p:sp>
+    </p:spTree>
+  </p:cSld>
+  <p:clrMapOvr>
+    <a:masterClrMapping/>
+  </p:clrMapOvr>
+</p:sld>
+</file>
+
+<file path=ppt/slides/slide18.xml><?xml version="1.0" encoding="utf-8"?>
+<p:sld xmlns:a="http://schemas.openxmlformats.org/drawingml/2006/main" xmlns:r="http://schemas.openxmlformats.org/officeDocument/2006/relationships" xmlns:mc="http://schemas.openxmlformats.org/markup-compatibility/2006" xmlns:mv="urn:schemas-microsoft-com:mac:vml" xmlns:p="http://schemas.openxmlformats.org/presentationml/2006/main" xmlns:c="http://schemas.openxmlformats.org/drawingml/2006/chart" xmlns:dgm="http://schemas.openxmlformats.org/drawingml/2006/diagram" xmlns:o="urn:schemas-microsoft-com:office:office" xmlns:v="urn:schemas-microsoft-com:vml" xmlns:pvml="urn:schemas-microsoft-com:office:powerpoint" xmlns:com="http://schemas.openxmlformats.org/drawingml/2006/compatibility" xmlns:p14="http://schemas.microsoft.com/office/powerpoint/2010/main" xmlns:p15="http://schemas.microsoft.com/office/powerpoint/2012/main" xmlns:ahyp="http://schemas.microsoft.com/office/drawing/2018/hyperlinkcolor">
+  <p:cSld>
+    <p:spTree>
+      <p:nvGrpSpPr>
+        <p:cNvPr id="227" name="Shape 227"/>
+        <p:cNvGrpSpPr/>
+        <p:nvPr/>
+      </p:nvGrpSpPr>
+      <p:grpSpPr>
+        <a:xfrm>
+          <a:off x="0" y="0"/>
+          <a:ext cx="0" cy="0"/>
+          <a:chOff x="0" y="0"/>
+          <a:chExt cx="0" cy="0"/>
+        </a:xfrm>
+      </p:grpSpPr>
+      <p:pic>
+        <p:nvPicPr>
+          <p:cNvPr id="228" name="Google Shape;228;g3118a395b3d_0_32"/>
+          <p:cNvPicPr preferRelativeResize="0"/>
+          <p:nvPr/>
+        </p:nvPicPr>
+        <p:blipFill>
+          <a:blip r:embed="rId3">
+            <a:alphaModFix/>
+          </a:blip>
+          <a:stretch>
+            <a:fillRect/>
+          </a:stretch>
+        </p:blipFill>
+        <p:spPr>
+          <a:xfrm>
+            <a:off x="0" y="0"/>
+            <a:ext cx="12192000" cy="6857999"/>
+          </a:xfrm>
+          <a:prstGeom prst="rect">
+            <a:avLst/>
+          </a:prstGeom>
+          <a:noFill/>
+          <a:ln>
+            <a:noFill/>
+          </a:ln>
+        </p:spPr>
+      </p:pic>
+      <p:sp>
+        <p:nvSpPr>
+          <p:cNvPr id="229" name="Google Shape;229;g3118a395b3d_0_32"/>
+          <p:cNvSpPr txBox="1"/>
+          <p:nvPr>
+            <p:ph type="title"/>
+          </p:nvPr>
+        </p:nvSpPr>
+        <p:spPr>
+          <a:xfrm>
+            <a:off x="5482275" y="0"/>
+            <a:ext cx="3291000" cy="824400"/>
+          </a:xfrm>
+          <a:prstGeom prst="rect">
+            <a:avLst/>
+          </a:prstGeom>
+          <a:noFill/>
+          <a:ln>
+            <a:noFill/>
+          </a:ln>
+        </p:spPr>
+        <p:txBody>
+          <a:bodyPr anchorCtr="0" anchor="ctr" bIns="45700" lIns="91425" spcFirstLastPara="1" rIns="91425" wrap="square" tIns="45700">
+            <a:normAutofit/>
+          </a:bodyPr>
+          <a:lstStyle/>
+          <a:p>
+            <a:pPr indent="0" lvl="0" marL="0" rtl="0" algn="l">
+              <a:lnSpc>
+                <a:spcPct val="90000"/>
+              </a:lnSpc>
+              <a:spcBef>
+                <a:spcPts val="0"/>
+              </a:spcBef>
+              <a:spcAft>
+                <a:spcPts val="0"/>
+              </a:spcAft>
+              <a:buSzPts val="1800"/>
+              <a:buNone/>
+            </a:pPr>
+            <a:r>
+              <a:rPr b="1" lang="es-419" sz="2800">
+                <a:solidFill>
+                  <a:srgbClr val="000000"/>
+                </a:solidFill>
+              </a:rPr>
+              <a:t>Diseño de Front-end</a:t>
+            </a:r>
+            <a:endParaRPr b="1" i="0" sz="2800" u="none" strike="noStrike">
+              <a:solidFill>
+                <a:srgbClr val="000000"/>
+              </a:solidFill>
+              <a:latin typeface="Arial"/>
+              <a:ea typeface="Arial"/>
+              <a:cs typeface="Arial"/>
+              <a:sym typeface="Arial"/>
+            </a:endParaRPr>
+          </a:p>
+        </p:txBody>
+      </p:sp>
+    </p:spTree>
+  </p:cSld>
+  <p:clrMapOvr>
+    <a:masterClrMapping/>
+  </p:clrMapOvr>
+</p:sld>
+</file>
+
+<file path=ppt/slides/slide19.xml><?xml version="1.0" encoding="utf-8"?>
+<p:sld xmlns:a="http://schemas.openxmlformats.org/drawingml/2006/main" xmlns:r="http://schemas.openxmlformats.org/officeDocument/2006/relationships" xmlns:mc="http://schemas.openxmlformats.org/markup-compatibility/2006" xmlns:mv="urn:schemas-microsoft-com:mac:vml" xmlns:p="http://schemas.openxmlformats.org/presentationml/2006/main" xmlns:c="http://schemas.openxmlformats.org/drawingml/2006/chart" xmlns:dgm="http://schemas.openxmlformats.org/drawingml/2006/diagram" xmlns:o="urn:schemas-microsoft-com:office:office" xmlns:v="urn:schemas-microsoft-com:vml" xmlns:pvml="urn:schemas-microsoft-com:office:powerpoint" xmlns:com="http://schemas.openxmlformats.org/drawingml/2006/compatibility" xmlns:p14="http://schemas.microsoft.com/office/powerpoint/2010/main" xmlns:p15="http://schemas.microsoft.com/office/powerpoint/2012/main" xmlns:ahyp="http://schemas.microsoft.com/office/drawing/2018/hyperlinkcolor">
+  <p:cSld>
+    <p:spTree>
+      <p:nvGrpSpPr>
+        <p:cNvPr id="234" name="Shape 234"/>
+        <p:cNvGrpSpPr/>
+        <p:nvPr/>
+      </p:nvGrpSpPr>
+      <p:grpSpPr>
+        <a:xfrm>
+          <a:off x="0" y="0"/>
+          <a:ext cx="0" cy="0"/>
+          <a:chOff x="0" y="0"/>
+          <a:chExt cx="0" cy="0"/>
+        </a:xfrm>
+      </p:grpSpPr>
+      <p:pic>
+        <p:nvPicPr>
+          <p:cNvPr id="235" name="Google Shape;235;g3118a395b3d_0_37"/>
+          <p:cNvPicPr preferRelativeResize="0"/>
+          <p:nvPr/>
+        </p:nvPicPr>
+        <p:blipFill>
+          <a:blip r:embed="rId3">
+            <a:alphaModFix/>
+          </a:blip>
+          <a:stretch>
+            <a:fillRect/>
+          </a:stretch>
+        </p:blipFill>
+        <p:spPr>
+          <a:xfrm>
+            <a:off x="0" y="0"/>
+            <a:ext cx="12192000" cy="6858001"/>
+          </a:xfrm>
+          <a:prstGeom prst="rect">
+            <a:avLst/>
+          </a:prstGeom>
+          <a:noFill/>
+          <a:ln>
+            <a:noFill/>
+          </a:ln>
+        </p:spPr>
+      </p:pic>
+      <p:sp>
+        <p:nvSpPr>
+          <p:cNvPr id="236" name="Google Shape;236;g3118a395b3d_0_37"/>
+          <p:cNvSpPr txBox="1"/>
+          <p:nvPr>
+            <p:ph type="title"/>
+          </p:nvPr>
+        </p:nvSpPr>
+        <p:spPr>
+          <a:xfrm>
+            <a:off x="6589575" y="142875"/>
+            <a:ext cx="3291000" cy="824400"/>
+          </a:xfrm>
+          <a:prstGeom prst="rect">
+            <a:avLst/>
+          </a:prstGeom>
+          <a:noFill/>
+          <a:ln>
+            <a:noFill/>
+          </a:ln>
+        </p:spPr>
+        <p:txBody>
+          <a:bodyPr anchorCtr="0" anchor="ctr" bIns="45700" lIns="91425" spcFirstLastPara="1" rIns="91425" wrap="square" tIns="45700">
+            <a:normAutofit/>
+          </a:bodyPr>
+          <a:lstStyle/>
+          <a:p>
+            <a:pPr indent="0" lvl="0" marL="0" rtl="0" algn="l">
+              <a:lnSpc>
+                <a:spcPct val="90000"/>
+              </a:lnSpc>
+              <a:spcBef>
+                <a:spcPts val="0"/>
+              </a:spcBef>
+              <a:spcAft>
+                <a:spcPts val="0"/>
+              </a:spcAft>
+              <a:buSzPts val="1800"/>
+              <a:buNone/>
+            </a:pPr>
+            <a:r>
+              <a:rPr b="1" lang="es-419" sz="2800">
+                <a:solidFill>
+                  <a:srgbClr val="000000"/>
+                </a:solidFill>
+              </a:rPr>
+              <a:t>Diseño de Front-end</a:t>
+            </a:r>
+            <a:endParaRPr b="1" i="0" sz="2800" u="none" strike="noStrike">
+              <a:solidFill>
+                <a:srgbClr val="000000"/>
+              </a:solidFill>
+              <a:latin typeface="Arial"/>
+              <a:ea typeface="Arial"/>
+              <a:cs typeface="Arial"/>
+              <a:sym typeface="Arial"/>
+            </a:endParaRPr>
+          </a:p>
+        </p:txBody>
+      </p:sp>
     </p:spTree>
   </p:cSld>
   <p:clrMapOvr>
@@ -18141,7 +19474,7 @@
           <a:blip r:embed="rId3">
             <a:alphaModFix/>
           </a:blip>
-          <a:srcRect b="0" l="23265" r="6234" t="0"/>
+          <a:srcRect b="0" l="23264" r="6234" t="0"/>
           <a:stretch/>
         </p:blipFill>
         <p:spPr>
@@ -18181,12 +19514,12 @@
               </a:gs>
               <a:gs pos="19000">
                 <a:srgbClr val="FFFFFF">
-                  <a:alpha val="37254"/>
+                  <a:alpha val="36470"/>
                 </a:srgbClr>
               </a:gs>
               <a:gs pos="35000">
                 <a:srgbClr val="FFFFFF">
-                  <a:alpha val="76470"/>
+                  <a:alpha val="75686"/>
                 </a:srgbClr>
               </a:gs>
               <a:gs pos="48000">
@@ -18508,7 +19841,7 @@
           </a:prstGeom>
           <a:solidFill>
             <a:srgbClr val="595959">
-              <a:alpha val="69411"/>
+              <a:alpha val="68627"/>
             </a:srgbClr>
           </a:solidFill>
           <a:ln cap="flat" cmpd="sng" w="9525">
@@ -18799,6 +20132,494 @@
             <a:endParaRPr b="0" i="0" sz="1400" u="none" cap="none" strike="noStrike">
               <a:solidFill>
                 <a:schemeClr val="lt1"/>
+              </a:solidFill>
+              <a:latin typeface="Arial"/>
+              <a:ea typeface="Arial"/>
+              <a:cs typeface="Arial"/>
+              <a:sym typeface="Arial"/>
+            </a:endParaRPr>
+          </a:p>
+        </p:txBody>
+      </p:sp>
+    </p:spTree>
+  </p:cSld>
+  <p:clrMapOvr>
+    <a:masterClrMapping/>
+  </p:clrMapOvr>
+</p:sld>
+</file>
+
+<file path=ppt/slides/slide20.xml><?xml version="1.0" encoding="utf-8"?>
+<p:sld xmlns:a="http://schemas.openxmlformats.org/drawingml/2006/main" xmlns:r="http://schemas.openxmlformats.org/officeDocument/2006/relationships" xmlns:mc="http://schemas.openxmlformats.org/markup-compatibility/2006" xmlns:mv="urn:schemas-microsoft-com:mac:vml" xmlns:p="http://schemas.openxmlformats.org/presentationml/2006/main" xmlns:c="http://schemas.openxmlformats.org/drawingml/2006/chart" xmlns:dgm="http://schemas.openxmlformats.org/drawingml/2006/diagram" xmlns:o="urn:schemas-microsoft-com:office:office" xmlns:v="urn:schemas-microsoft-com:vml" xmlns:pvml="urn:schemas-microsoft-com:office:powerpoint" xmlns:com="http://schemas.openxmlformats.org/drawingml/2006/compatibility" xmlns:p14="http://schemas.microsoft.com/office/powerpoint/2010/main" xmlns:p15="http://schemas.microsoft.com/office/powerpoint/2012/main" xmlns:ahyp="http://schemas.microsoft.com/office/drawing/2018/hyperlinkcolor">
+  <p:cSld>
+    <p:spTree>
+      <p:nvGrpSpPr>
+        <p:cNvPr id="240" name="Shape 240"/>
+        <p:cNvGrpSpPr/>
+        <p:nvPr/>
+      </p:nvGrpSpPr>
+      <p:grpSpPr>
+        <a:xfrm>
+          <a:off x="0" y="0"/>
+          <a:ext cx="0" cy="0"/>
+          <a:chOff x="0" y="0"/>
+          <a:chExt cx="0" cy="0"/>
+        </a:xfrm>
+      </p:grpSpPr>
+      <p:pic>
+        <p:nvPicPr>
+          <p:cNvPr id="241" name="Google Shape;241;p17"/>
+          <p:cNvPicPr preferRelativeResize="0"/>
+          <p:nvPr/>
+        </p:nvPicPr>
+        <p:blipFill rotWithShape="1">
+          <a:blip r:embed="rId3">
+            <a:alphaModFix/>
+          </a:blip>
+          <a:srcRect b="0" l="0" r="0" t="0"/>
+          <a:stretch/>
+        </p:blipFill>
+        <p:spPr>
+          <a:xfrm>
+            <a:off x="0" y="30525"/>
+            <a:ext cx="12191998" cy="6827475"/>
+          </a:xfrm>
+          <a:prstGeom prst="rect">
+            <a:avLst/>
+          </a:prstGeom>
+          <a:noFill/>
+          <a:ln>
+            <a:noFill/>
+          </a:ln>
+        </p:spPr>
+      </p:pic>
+      <p:sp>
+        <p:nvSpPr>
+          <p:cNvPr id="242" name="Google Shape;242;p17"/>
+          <p:cNvSpPr txBox="1"/>
+          <p:nvPr>
+            <p:ph type="title"/>
+          </p:nvPr>
+        </p:nvSpPr>
+        <p:spPr>
+          <a:xfrm>
+            <a:off x="8847500" y="30525"/>
+            <a:ext cx="3291000" cy="1478400"/>
+          </a:xfrm>
+          <a:prstGeom prst="rect">
+            <a:avLst/>
+          </a:prstGeom>
+          <a:noFill/>
+          <a:ln>
+            <a:noFill/>
+          </a:ln>
+        </p:spPr>
+        <p:txBody>
+          <a:bodyPr anchorCtr="0" anchor="ctr" bIns="45700" lIns="91425" spcFirstLastPara="1" rIns="91425" wrap="square" tIns="45700">
+            <a:normAutofit/>
+          </a:bodyPr>
+          <a:lstStyle/>
+          <a:p>
+            <a:pPr indent="0" lvl="0" marL="0" rtl="0" algn="l">
+              <a:lnSpc>
+                <a:spcPct val="90000"/>
+              </a:lnSpc>
+              <a:spcBef>
+                <a:spcPts val="0"/>
+              </a:spcBef>
+              <a:spcAft>
+                <a:spcPts val="0"/>
+              </a:spcAft>
+              <a:buSzPts val="1800"/>
+              <a:buNone/>
+            </a:pPr>
+            <a:r>
+              <a:rPr b="1" i="0" lang="es-419" sz="2800" u="none" strike="noStrike">
+                <a:solidFill>
+                  <a:srgbClr val="000000"/>
+                </a:solidFill>
+                <a:latin typeface="Calibri"/>
+                <a:ea typeface="Calibri"/>
+                <a:cs typeface="Calibri"/>
+                <a:sym typeface="Calibri"/>
+              </a:rPr>
+              <a:t>Pruebas y técnicas de pruebas</a:t>
+            </a:r>
+            <a:endParaRPr b="1" i="0" sz="2800" u="none" strike="noStrike">
+              <a:solidFill>
+                <a:srgbClr val="000000"/>
+              </a:solidFill>
+              <a:latin typeface="Arial"/>
+              <a:ea typeface="Arial"/>
+              <a:cs typeface="Arial"/>
+              <a:sym typeface="Arial"/>
+            </a:endParaRPr>
+          </a:p>
+        </p:txBody>
+      </p:sp>
+    </p:spTree>
+  </p:cSld>
+  <p:clrMapOvr>
+    <a:masterClrMapping/>
+  </p:clrMapOvr>
+</p:sld>
+</file>
+
+<file path=ppt/slides/slide21.xml><?xml version="1.0" encoding="utf-8"?>
+<p:sld xmlns:a="http://schemas.openxmlformats.org/drawingml/2006/main" xmlns:r="http://schemas.openxmlformats.org/officeDocument/2006/relationships" xmlns:mc="http://schemas.openxmlformats.org/markup-compatibility/2006" xmlns:mv="urn:schemas-microsoft-com:mac:vml" xmlns:p="http://schemas.openxmlformats.org/presentationml/2006/main" xmlns:c="http://schemas.openxmlformats.org/drawingml/2006/chart" xmlns:dgm="http://schemas.openxmlformats.org/drawingml/2006/diagram" xmlns:o="urn:schemas-microsoft-com:office:office" xmlns:v="urn:schemas-microsoft-com:vml" xmlns:pvml="urn:schemas-microsoft-com:office:powerpoint" xmlns:com="http://schemas.openxmlformats.org/drawingml/2006/compatibility" xmlns:p14="http://schemas.microsoft.com/office/powerpoint/2010/main" xmlns:p15="http://schemas.microsoft.com/office/powerpoint/2012/main" xmlns:ahyp="http://schemas.microsoft.com/office/drawing/2018/hyperlinkcolor">
+  <p:cSld>
+    <p:bg>
+      <p:bgPr>
+        <a:solidFill>
+          <a:schemeClr val="lt1"/>
+        </a:solidFill>
+      </p:bgPr>
+    </p:bg>
+    <p:spTree>
+      <p:nvGrpSpPr>
+        <p:cNvPr id="246" name="Shape 246"/>
+        <p:cNvGrpSpPr/>
+        <p:nvPr/>
+      </p:nvGrpSpPr>
+      <p:grpSpPr>
+        <a:xfrm>
+          <a:off x="0" y="0"/>
+          <a:ext cx="0" cy="0"/>
+          <a:chOff x="0" y="0"/>
+          <a:chExt cx="0" cy="0"/>
+        </a:xfrm>
+      </p:grpSpPr>
+      <p:pic>
+        <p:nvPicPr>
+          <p:cNvPr id="247" name="Google Shape;247;p36"/>
+          <p:cNvPicPr preferRelativeResize="0"/>
+          <p:nvPr/>
+        </p:nvPicPr>
+        <p:blipFill rotWithShape="1">
+          <a:blip r:embed="rId3">
+            <a:alphaModFix/>
+          </a:blip>
+          <a:srcRect b="0" l="0" r="0" t="0"/>
+          <a:stretch/>
+        </p:blipFill>
+        <p:spPr>
+          <a:xfrm>
+            <a:off x="0" y="0"/>
+            <a:ext cx="12191999" cy="6858001"/>
+          </a:xfrm>
+          <a:prstGeom prst="rect">
+            <a:avLst/>
+          </a:prstGeom>
+          <a:solidFill>
+            <a:schemeClr val="lt1"/>
+          </a:solidFill>
+          <a:ln>
+            <a:noFill/>
+          </a:ln>
+        </p:spPr>
+      </p:pic>
+      <p:sp>
+        <p:nvSpPr>
+          <p:cNvPr id="248" name="Google Shape;248;p36"/>
+          <p:cNvSpPr txBox="1"/>
+          <p:nvPr/>
+        </p:nvSpPr>
+        <p:spPr>
+          <a:xfrm>
+            <a:off x="5180725" y="-47350"/>
+            <a:ext cx="2035800" cy="459900"/>
+          </a:xfrm>
+          <a:prstGeom prst="rect">
+            <a:avLst/>
+          </a:prstGeom>
+          <a:noFill/>
+          <a:ln>
+            <a:noFill/>
+          </a:ln>
+        </p:spPr>
+        <p:txBody>
+          <a:bodyPr anchorCtr="0" anchor="b" bIns="45700" lIns="91425" spcFirstLastPara="1" rIns="91425" wrap="square" tIns="45700">
+            <a:normAutofit/>
+          </a:bodyPr>
+          <a:lstStyle/>
+          <a:p>
+            <a:pPr indent="0" lvl="0" marL="0" marR="0" rtl="0" algn="ctr">
+              <a:lnSpc>
+                <a:spcPct val="90000"/>
+              </a:lnSpc>
+              <a:spcBef>
+                <a:spcPts val="0"/>
+              </a:spcBef>
+              <a:spcAft>
+                <a:spcPts val="0"/>
+              </a:spcAft>
+              <a:buClr>
+                <a:srgbClr val="000000"/>
+              </a:buClr>
+              <a:buSzPts val="2500"/>
+              <a:buFont typeface="Arial"/>
+              <a:buNone/>
+            </a:pPr>
+            <a:r>
+              <a:rPr b="0" i="0" lang="es-419" sz="2500" u="none" cap="none" strike="noStrike">
+                <a:solidFill>
+                  <a:srgbClr val="595959"/>
+                </a:solidFill>
+                <a:latin typeface="Arial"/>
+                <a:ea typeface="Arial"/>
+                <a:cs typeface="Arial"/>
+                <a:sym typeface="Arial"/>
+              </a:rPr>
+              <a:t>Roadmap </a:t>
+            </a:r>
+            <a:endParaRPr b="0" i="0" sz="1400" u="none" cap="none" strike="noStrike">
+              <a:solidFill>
+                <a:srgbClr val="000000"/>
+              </a:solidFill>
+              <a:latin typeface="Arial"/>
+              <a:ea typeface="Arial"/>
+              <a:cs typeface="Arial"/>
+              <a:sym typeface="Arial"/>
+            </a:endParaRPr>
+          </a:p>
+        </p:txBody>
+      </p:sp>
+    </p:spTree>
+  </p:cSld>
+  <p:clrMapOvr>
+    <a:masterClrMapping/>
+  </p:clrMapOvr>
+</p:sld>
+</file>
+
+<file path=ppt/slides/slide22.xml><?xml version="1.0" encoding="utf-8"?>
+<p:sld xmlns:a="http://schemas.openxmlformats.org/drawingml/2006/main" xmlns:r="http://schemas.openxmlformats.org/officeDocument/2006/relationships" xmlns:mc="http://schemas.openxmlformats.org/markup-compatibility/2006" xmlns:mv="urn:schemas-microsoft-com:mac:vml" xmlns:p="http://schemas.openxmlformats.org/presentationml/2006/main" xmlns:c="http://schemas.openxmlformats.org/drawingml/2006/chart" xmlns:dgm="http://schemas.openxmlformats.org/drawingml/2006/diagram" xmlns:o="urn:schemas-microsoft-com:office:office" xmlns:v="urn:schemas-microsoft-com:vml" xmlns:pvml="urn:schemas-microsoft-com:office:powerpoint" xmlns:com="http://schemas.openxmlformats.org/drawingml/2006/compatibility" xmlns:p14="http://schemas.microsoft.com/office/powerpoint/2010/main" xmlns:p15="http://schemas.microsoft.com/office/powerpoint/2012/main" xmlns:ahyp="http://schemas.microsoft.com/office/drawing/2018/hyperlinkcolor">
+  <p:cSld>
+    <p:bg>
+      <p:bgPr>
+        <a:solidFill>
+          <a:schemeClr val="lt1"/>
+        </a:solidFill>
+      </p:bgPr>
+    </p:bg>
+    <p:spTree>
+      <p:nvGrpSpPr>
+        <p:cNvPr id="252" name="Shape 252"/>
+        <p:cNvGrpSpPr/>
+        <p:nvPr/>
+      </p:nvGrpSpPr>
+      <p:grpSpPr>
+        <a:xfrm>
+          <a:off x="0" y="0"/>
+          <a:ext cx="0" cy="0"/>
+          <a:chOff x="0" y="0"/>
+          <a:chExt cx="0" cy="0"/>
+        </a:xfrm>
+      </p:grpSpPr>
+      <p:sp>
+        <p:nvSpPr>
+          <p:cNvPr id="253" name="Google Shape;253;g31083fedd1d_0_0"/>
+          <p:cNvSpPr txBox="1"/>
+          <p:nvPr/>
+        </p:nvSpPr>
+        <p:spPr>
+          <a:xfrm>
+            <a:off x="4883100" y="33800"/>
+            <a:ext cx="1440600" cy="507300"/>
+          </a:xfrm>
+          <a:prstGeom prst="rect">
+            <a:avLst/>
+          </a:prstGeom>
+          <a:noFill/>
+          <a:ln>
+            <a:noFill/>
+          </a:ln>
+        </p:spPr>
+        <p:txBody>
+          <a:bodyPr anchorCtr="0" anchor="b" bIns="45700" lIns="91425" spcFirstLastPara="1" rIns="91425" wrap="square" tIns="45700">
+            <a:normAutofit fontScale="40000" lnSpcReduction="20000"/>
+          </a:bodyPr>
+          <a:lstStyle/>
+          <a:p>
+            <a:pPr indent="0" lvl="0" marL="0" marR="0" rtl="0" algn="ctr">
+              <a:lnSpc>
+                <a:spcPct val="90000"/>
+              </a:lnSpc>
+              <a:spcBef>
+                <a:spcPts val="0"/>
+              </a:spcBef>
+              <a:spcAft>
+                <a:spcPts val="0"/>
+              </a:spcAft>
+              <a:buClr>
+                <a:srgbClr val="000000"/>
+              </a:buClr>
+              <a:buSzPct val="40676"/>
+              <a:buFont typeface="Arial"/>
+              <a:buNone/>
+            </a:pPr>
+            <a:r>
+              <a:rPr b="0" i="0" lang="es-419" sz="6146" u="none" cap="none" strike="noStrike">
+                <a:solidFill>
+                  <a:srgbClr val="595959"/>
+                </a:solidFill>
+                <a:latin typeface="Arial"/>
+                <a:ea typeface="Arial"/>
+                <a:cs typeface="Arial"/>
+                <a:sym typeface="Arial"/>
+              </a:rPr>
+              <a:t>Trello</a:t>
+            </a:r>
+            <a:endParaRPr b="0" i="0" sz="5046" u="none" cap="none" strike="noStrike">
+              <a:solidFill>
+                <a:srgbClr val="000000"/>
+              </a:solidFill>
+              <a:latin typeface="Arial"/>
+              <a:ea typeface="Arial"/>
+              <a:cs typeface="Arial"/>
+              <a:sym typeface="Arial"/>
+            </a:endParaRPr>
+          </a:p>
+          <a:p>
+            <a:pPr indent="0" lvl="0" marL="0" marR="0" rtl="0" algn="ctr">
+              <a:lnSpc>
+                <a:spcPct val="90000"/>
+              </a:lnSpc>
+              <a:spcBef>
+                <a:spcPts val="600"/>
+              </a:spcBef>
+              <a:spcAft>
+                <a:spcPts val="600"/>
+              </a:spcAft>
+              <a:buClr>
+                <a:srgbClr val="000000"/>
+              </a:buClr>
+              <a:buSzPct val="178571"/>
+              <a:buFont typeface="Arial"/>
+              <a:buNone/>
+            </a:pPr>
+            <a:r>
+              <a:t/>
+            </a:r>
+            <a:endParaRPr b="0" i="0" sz="1400" u="none" cap="none" strike="noStrike">
+              <a:solidFill>
+                <a:srgbClr val="000000"/>
+              </a:solidFill>
+              <a:latin typeface="Arial"/>
+              <a:ea typeface="Arial"/>
+              <a:cs typeface="Arial"/>
+              <a:sym typeface="Arial"/>
+            </a:endParaRPr>
+          </a:p>
+        </p:txBody>
+      </p:sp>
+      <p:pic>
+        <p:nvPicPr>
+          <p:cNvPr id="254" name="Google Shape;254;g31083fedd1d_0_0"/>
+          <p:cNvPicPr preferRelativeResize="0"/>
+          <p:nvPr/>
+        </p:nvPicPr>
+        <p:blipFill rotWithShape="1">
+          <a:blip r:embed="rId3">
+            <a:alphaModFix/>
+          </a:blip>
+          <a:srcRect b="0" l="0" r="0" t="0"/>
+          <a:stretch/>
+        </p:blipFill>
+        <p:spPr>
+          <a:xfrm>
+            <a:off x="0" y="507300"/>
+            <a:ext cx="12192001" cy="6320051"/>
+          </a:xfrm>
+          <a:prstGeom prst="rect">
+            <a:avLst/>
+          </a:prstGeom>
+          <a:noFill/>
+          <a:ln>
+            <a:noFill/>
+          </a:ln>
+        </p:spPr>
+      </p:pic>
+    </p:spTree>
+  </p:cSld>
+  <p:clrMapOvr>
+    <a:masterClrMapping/>
+  </p:clrMapOvr>
+</p:sld>
+</file>
+
+<file path=ppt/slides/slide23.xml><?xml version="1.0" encoding="utf-8"?>
+<p:sld xmlns:a="http://schemas.openxmlformats.org/drawingml/2006/main" xmlns:r="http://schemas.openxmlformats.org/officeDocument/2006/relationships" xmlns:mc="http://schemas.openxmlformats.org/markup-compatibility/2006" xmlns:mv="urn:schemas-microsoft-com:mac:vml" xmlns:p="http://schemas.openxmlformats.org/presentationml/2006/main" xmlns:c="http://schemas.openxmlformats.org/drawingml/2006/chart" xmlns:dgm="http://schemas.openxmlformats.org/drawingml/2006/diagram" xmlns:o="urn:schemas-microsoft-com:office:office" xmlns:v="urn:schemas-microsoft-com:vml" xmlns:pvml="urn:schemas-microsoft-com:office:powerpoint" xmlns:com="http://schemas.openxmlformats.org/drawingml/2006/compatibility" xmlns:p14="http://schemas.microsoft.com/office/powerpoint/2010/main" xmlns:p15="http://schemas.microsoft.com/office/powerpoint/2012/main" xmlns:ahyp="http://schemas.microsoft.com/office/drawing/2018/hyperlinkcolor">
+  <p:cSld>
+    <p:spTree>
+      <p:nvGrpSpPr>
+        <p:cNvPr id="258" name="Shape 258"/>
+        <p:cNvGrpSpPr/>
+        <p:nvPr/>
+      </p:nvGrpSpPr>
+      <p:grpSpPr>
+        <a:xfrm>
+          <a:off x="0" y="0"/>
+          <a:ext cx="0" cy="0"/>
+          <a:chOff x="0" y="0"/>
+          <a:chExt cx="0" cy="0"/>
+        </a:xfrm>
+      </p:grpSpPr>
+      <p:sp>
+        <p:nvSpPr>
+          <p:cNvPr id="259" name="Google Shape;259;p34"/>
+          <p:cNvSpPr txBox="1"/>
+          <p:nvPr>
+            <p:ph type="title"/>
+          </p:nvPr>
+        </p:nvSpPr>
+        <p:spPr>
+          <a:xfrm>
+            <a:off x="0" y="0"/>
+            <a:ext cx="2323800" cy="6858000"/>
+          </a:xfrm>
+          <a:prstGeom prst="rect">
+            <a:avLst/>
+          </a:prstGeom>
+          <a:noFill/>
+          <a:ln>
+            <a:noFill/>
+          </a:ln>
+        </p:spPr>
+        <p:txBody>
+          <a:bodyPr anchorCtr="0" anchor="ctr" bIns="45700" lIns="91425" spcFirstLastPara="1" rIns="91425" wrap="square" tIns="45700">
+            <a:normAutofit/>
+          </a:bodyPr>
+          <a:lstStyle/>
+          <a:p>
+            <a:pPr indent="0" lvl="0" marL="0" rtl="0" algn="l">
+              <a:lnSpc>
+                <a:spcPct val="90000"/>
+              </a:lnSpc>
+              <a:spcBef>
+                <a:spcPts val="0"/>
+              </a:spcBef>
+              <a:spcAft>
+                <a:spcPts val="0"/>
+              </a:spcAft>
+              <a:buSzPts val="1800"/>
+              <a:buNone/>
+            </a:pPr>
+            <a:r>
+              <a:rPr b="1" i="0" lang="es-419" sz="2800" u="none" strike="noStrike">
+                <a:solidFill>
+                  <a:srgbClr val="000000"/>
+                </a:solidFill>
+                <a:latin typeface="Calibri"/>
+                <a:ea typeface="Calibri"/>
+                <a:cs typeface="Calibri"/>
+                <a:sym typeface="Calibri"/>
+              </a:rPr>
+              <a:t>Demostración Funcional:</a:t>
+            </a:r>
+            <a:endParaRPr b="1" i="0" sz="2800" u="none" strike="noStrike">
+              <a:solidFill>
+                <a:srgbClr val="000000"/>
               </a:solidFill>
               <a:latin typeface="Arial"/>
               <a:ea typeface="Arial"/>
@@ -19135,52 +20956,12 @@
           </a:bodyPr>
           <a:lstStyle/>
           <a:p>
-            <a:pPr indent="-127000" lvl="0" marL="0" marR="0" rtl="0" algn="l">
+            <a:pPr indent="0" lvl="0" marL="0" marR="0" rtl="0" algn="l">
               <a:lnSpc>
                 <a:spcPct val="90000"/>
               </a:lnSpc>
               <a:spcBef>
                 <a:spcPts val="0"/>
-              </a:spcBef>
-              <a:spcAft>
-                <a:spcPts val="0"/>
-              </a:spcAft>
-              <a:buClr>
-                <a:srgbClr val="000000"/>
-              </a:buClr>
-              <a:buSzPts val="2000"/>
-              <a:buFont typeface="Arial"/>
-              <a:buChar char="•"/>
-            </a:pPr>
-            <a:r>
-              <a:rPr b="0" i="0" lang="es-419" sz="2000" u="none" cap="none" strike="noStrike">
-                <a:solidFill>
-                  <a:srgbClr val="595959"/>
-                </a:solidFill>
-                <a:latin typeface="Arial"/>
-                <a:ea typeface="Arial"/>
-                <a:cs typeface="Arial"/>
-                <a:sym typeface="Arial"/>
-              </a:rPr>
-              <a:t>Problema o Necesidad a cubrir</a:t>
-            </a:r>
-            <a:endParaRPr b="0" i="0" sz="1400" u="none" cap="none" strike="noStrike">
-              <a:solidFill>
-                <a:srgbClr val="000000"/>
-              </a:solidFill>
-              <a:latin typeface="Arial"/>
-              <a:ea typeface="Arial"/>
-              <a:cs typeface="Arial"/>
-              <a:sym typeface="Arial"/>
-            </a:endParaRPr>
-          </a:p>
-          <a:p>
-            <a:pPr indent="127000" lvl="0" marL="0" marR="0" rtl="0" algn="l">
-              <a:lnSpc>
-                <a:spcPct val="90000"/>
-              </a:lnSpc>
-              <a:spcBef>
-                <a:spcPts val="600"/>
               </a:spcBef>
               <a:spcAft>
                 <a:spcPts val="0"/>
@@ -19206,7 +20987,47 @@
             </a:endParaRPr>
           </a:p>
           <a:p>
-            <a:pPr indent="-355600" lvl="0" marL="457200" marR="0" rtl="0" algn="l">
+            <a:pPr indent="-127000" lvl="0" marL="0" marR="0" rtl="0" algn="l">
+              <a:lnSpc>
+                <a:spcPct val="90000"/>
+              </a:lnSpc>
+              <a:spcBef>
+                <a:spcPts val="0"/>
+              </a:spcBef>
+              <a:spcAft>
+                <a:spcPts val="0"/>
+              </a:spcAft>
+              <a:buClr>
+                <a:srgbClr val="595959"/>
+              </a:buClr>
+              <a:buSzPts val="2000"/>
+              <a:buFont typeface="Arial"/>
+              <a:buChar char="•"/>
+            </a:pPr>
+            <a:r>
+              <a:rPr b="0" i="0" lang="es-419" sz="2000" u="none" cap="none" strike="noStrike">
+                <a:solidFill>
+                  <a:srgbClr val="595959"/>
+                </a:solidFill>
+                <a:latin typeface="Arial"/>
+                <a:ea typeface="Arial"/>
+                <a:cs typeface="Arial"/>
+                <a:sym typeface="Arial"/>
+              </a:rPr>
+              <a:t>La empresa Perriot Necesita expandir el mercado a nivel tecnológico.</a:t>
+            </a:r>
+            <a:endParaRPr b="0" i="0" sz="2000" u="none" cap="none" strike="noStrike">
+              <a:solidFill>
+                <a:srgbClr val="595959"/>
+              </a:solidFill>
+              <a:latin typeface="Arial"/>
+              <a:ea typeface="Arial"/>
+              <a:cs typeface="Arial"/>
+              <a:sym typeface="Arial"/>
+            </a:endParaRPr>
+          </a:p>
+          <a:p>
+            <a:pPr indent="-355600" lvl="0" marL="457200" marR="0" rtl="0" algn="ctr">
               <a:lnSpc>
                 <a:spcPct val="90000"/>
               </a:lnSpc>
@@ -19246,7 +21067,7 @@
             </a:endParaRPr>
           </a:p>
           <a:p>
-            <a:pPr indent="-127000" lvl="0" marL="0" marR="0" rtl="0" algn="l">
+            <a:pPr indent="-127000" lvl="0" marL="0" marR="0" rtl="0" algn="ctr">
               <a:lnSpc>
                 <a:spcPct val="90000"/>
               </a:lnSpc>
@@ -19273,7 +21094,7 @@
                 <a:cs typeface="Arial"/>
                 <a:sym typeface="Arial"/>
               </a:rPr>
-              <a:t>Xxxxxxxxxxxxxxxx</a:t>
+              <a:t>Problemas para la publicidad   de su negocio.</a:t>
             </a:r>
             <a:endParaRPr b="0" i="0" sz="1400" u="none" cap="none" strike="noStrike">
               <a:solidFill>
@@ -19286,7 +21107,7 @@
             </a:endParaRPr>
           </a:p>
           <a:p>
-            <a:pPr indent="-127000" lvl="0" marL="0" marR="0" rtl="0" algn="l">
+            <a:pPr indent="0" lvl="0" marL="457200" marR="0" rtl="0" algn="l">
               <a:lnSpc>
                 <a:spcPct val="90000"/>
               </a:lnSpc>
@@ -19299,21 +21120,12 @@
               <a:buClr>
                 <a:srgbClr val="000000"/>
               </a:buClr>
-              <a:buSzPts val="2000"/>
+              <a:buSzPts val="1400"/>
               <a:buFont typeface="Arial"/>
-              <a:buChar char="•"/>
+              <a:buNone/>
             </a:pPr>
             <a:r>
-              <a:rPr b="0" i="0" lang="es-419" sz="2000" u="none" cap="none" strike="noStrike">
-                <a:solidFill>
-                  <a:srgbClr val="595959"/>
-                </a:solidFill>
-                <a:latin typeface="Arial"/>
-                <a:ea typeface="Arial"/>
-                <a:cs typeface="Arial"/>
-                <a:sym typeface="Arial"/>
-              </a:rPr>
-              <a:t>xxxxxxxxxxxxxxxxx</a:t>
+              <a:t/>
             </a:r>
             <a:endParaRPr b="0" i="0" sz="1400" u="none" cap="none" strike="noStrike">
               <a:solidFill>
@@ -20036,7 +21848,7 @@
         </p:nvSpPr>
         <p:spPr>
           <a:xfrm>
-            <a:off x="6408211" y="352649"/>
+            <a:off x="6373311" y="171074"/>
             <a:ext cx="4403700" cy="907200"/>
           </a:xfrm>
           <a:prstGeom prst="rect">
@@ -20102,8 +21914,8 @@
         </p:nvSpPr>
         <p:spPr>
           <a:xfrm>
-            <a:off x="6298650" y="1259850"/>
-            <a:ext cx="5005500" cy="4912200"/>
+            <a:off x="6298638" y="945575"/>
+            <a:ext cx="5005500" cy="5170800"/>
           </a:xfrm>
           <a:prstGeom prst="rect">
             <a:avLst/>
@@ -20146,7 +21958,7 @@
                 <a:cs typeface="Calibri"/>
                 <a:sym typeface="Calibri"/>
               </a:rPr>
-              <a:t>Se espera lograr una página web que permita al usuario agilizar el procedimiento de reserva de su mascota, además de, aumentar la difusión de la empresa Perriot para aumentar los clientes y las ganancias de este servicio.</a:t>
+              <a:t>-Apartado de Reserva:</a:t>
             </a:r>
             <a:endParaRPr b="0" i="0" sz="2600" u="none" cap="none" strike="noStrike">
               <a:solidFill>
@@ -20186,7 +21998,167 @@
                 <a:cs typeface="Calibri"/>
                 <a:sym typeface="Calibri"/>
               </a:rPr>
-              <a:t>Para lograrlo se implementará una página web que permita a los usuarios planificar su reserva de antemano sin la necesidad de ir presencialmente.</a:t>
+              <a:t>	Aumentaría la eficiencia de las reservas y el flujo de clientes que reservan sus mascotas</a:t>
+            </a:r>
+            <a:endParaRPr b="0" i="0" sz="2600" u="none" cap="none" strike="noStrike">
+              <a:solidFill>
+                <a:schemeClr val="dk1"/>
+              </a:solidFill>
+              <a:latin typeface="Calibri"/>
+              <a:ea typeface="Calibri"/>
+              <a:cs typeface="Calibri"/>
+              <a:sym typeface="Calibri"/>
+            </a:endParaRPr>
+          </a:p>
+          <a:p>
+            <a:pPr indent="0" lvl="0" marL="0" marR="0" rtl="0" algn="l">
+              <a:lnSpc>
+                <a:spcPct val="100000"/>
+              </a:lnSpc>
+              <a:spcBef>
+                <a:spcPts val="0"/>
+              </a:spcBef>
+              <a:spcAft>
+                <a:spcPts val="0"/>
+              </a:spcAft>
+              <a:buClr>
+                <a:srgbClr val="000000"/>
+              </a:buClr>
+              <a:buSzPts val="2600"/>
+              <a:buFont typeface="Arial"/>
+              <a:buNone/>
+            </a:pPr>
+            <a:r>
+              <a:rPr b="0" i="0" lang="es-419" sz="2600" u="none" cap="none" strike="noStrike">
+                <a:solidFill>
+                  <a:schemeClr val="dk1"/>
+                </a:solidFill>
+                <a:latin typeface="Calibri"/>
+                <a:ea typeface="Calibri"/>
+                <a:cs typeface="Calibri"/>
+                <a:sym typeface="Calibri"/>
+              </a:rPr>
+              <a:t>-Apartado de Contacto:</a:t>
+            </a:r>
+            <a:endParaRPr b="0" i="0" sz="2600" u="none" cap="none" strike="noStrike">
+              <a:solidFill>
+                <a:schemeClr val="dk1"/>
+              </a:solidFill>
+              <a:latin typeface="Calibri"/>
+              <a:ea typeface="Calibri"/>
+              <a:cs typeface="Calibri"/>
+              <a:sym typeface="Calibri"/>
+            </a:endParaRPr>
+          </a:p>
+          <a:p>
+            <a:pPr indent="0" lvl="0" marL="0" marR="0" rtl="0" algn="l">
+              <a:lnSpc>
+                <a:spcPct val="100000"/>
+              </a:lnSpc>
+              <a:spcBef>
+                <a:spcPts val="0"/>
+              </a:spcBef>
+              <a:spcAft>
+                <a:spcPts val="0"/>
+              </a:spcAft>
+              <a:buClr>
+                <a:srgbClr val="000000"/>
+              </a:buClr>
+              <a:buSzPts val="2600"/>
+              <a:buFont typeface="Arial"/>
+              <a:buNone/>
+            </a:pPr>
+            <a:r>
+              <a:rPr b="0" i="0" lang="es-419" sz="2600" u="none" cap="none" strike="noStrike">
+                <a:solidFill>
+                  <a:schemeClr val="dk1"/>
+                </a:solidFill>
+                <a:latin typeface="Calibri"/>
+                <a:ea typeface="Calibri"/>
+                <a:cs typeface="Calibri"/>
+                <a:sym typeface="Calibri"/>
+              </a:rPr>
+              <a:t>	Aumentaría la difusión de la empresa al recibir los datos del cliente y enviar ayuda especializada</a:t>
+            </a:r>
+            <a:endParaRPr b="0" i="0" sz="2600" u="none" cap="none" strike="noStrike">
+              <a:solidFill>
+                <a:schemeClr val="dk1"/>
+              </a:solidFill>
+              <a:latin typeface="Calibri"/>
+              <a:ea typeface="Calibri"/>
+              <a:cs typeface="Calibri"/>
+              <a:sym typeface="Calibri"/>
+            </a:endParaRPr>
+          </a:p>
+          <a:p>
+            <a:pPr indent="0" lvl="0" marL="0" marR="0" rtl="0" algn="l">
+              <a:lnSpc>
+                <a:spcPct val="100000"/>
+              </a:lnSpc>
+              <a:spcBef>
+                <a:spcPts val="0"/>
+              </a:spcBef>
+              <a:spcAft>
+                <a:spcPts val="0"/>
+              </a:spcAft>
+              <a:buClr>
+                <a:srgbClr val="000000"/>
+              </a:buClr>
+              <a:buSzPts val="2600"/>
+              <a:buFont typeface="Arial"/>
+              <a:buNone/>
+            </a:pPr>
+            <a:r>
+              <a:rPr b="0" i="0" lang="es-419" sz="2600" u="none" cap="none" strike="noStrike">
+                <a:solidFill>
+                  <a:schemeClr val="dk1"/>
+                </a:solidFill>
+                <a:latin typeface="Calibri"/>
+                <a:ea typeface="Calibri"/>
+                <a:cs typeface="Calibri"/>
+                <a:sym typeface="Calibri"/>
+              </a:rPr>
+              <a:t>-Pagos Online:</a:t>
+            </a:r>
+            <a:endParaRPr b="0" i="0" sz="2600" u="none" cap="none" strike="noStrike">
+              <a:solidFill>
+                <a:schemeClr val="dk1"/>
+              </a:solidFill>
+              <a:latin typeface="Calibri"/>
+              <a:ea typeface="Calibri"/>
+              <a:cs typeface="Calibri"/>
+              <a:sym typeface="Calibri"/>
+            </a:endParaRPr>
+          </a:p>
+          <a:p>
+            <a:pPr indent="0" lvl="0" marL="0" marR="0" rtl="0" algn="l">
+              <a:lnSpc>
+                <a:spcPct val="100000"/>
+              </a:lnSpc>
+              <a:spcBef>
+                <a:spcPts val="0"/>
+              </a:spcBef>
+              <a:spcAft>
+                <a:spcPts val="0"/>
+              </a:spcAft>
+              <a:buClr>
+                <a:srgbClr val="000000"/>
+              </a:buClr>
+              <a:buSzPts val="2600"/>
+              <a:buFont typeface="Arial"/>
+              <a:buNone/>
+            </a:pPr>
+            <a:r>
+              <a:rPr b="0" i="0" lang="es-419" sz="2600" u="none" cap="none" strike="noStrike">
+                <a:solidFill>
+                  <a:schemeClr val="dk1"/>
+                </a:solidFill>
+                <a:latin typeface="Calibri"/>
+                <a:ea typeface="Calibri"/>
+                <a:cs typeface="Calibri"/>
+                <a:sym typeface="Calibri"/>
+              </a:rPr>
+              <a:t>	mejoraría la calidad del cliente al darle una opción de pagar por crédito o débito.</a:t>
             </a:r>
             <a:endParaRPr b="0" i="0" sz="2600" u="none" cap="none" strike="noStrike">
               <a:solidFill>
@@ -20420,7 +22392,7 @@
             <a:tbl>
               <a:tblPr>
                 <a:noFill/>
-                <a:tableStyleId>{689214A9-5A22-46FC-940B-F8FDADC3FA68}</a:tableStyleId>
+                <a:tableStyleId>{FEE62826-52E9-4FAC-BB94-4AC6E67D04F4}</a:tableStyleId>
               </a:tblPr>
               <a:tblGrid>
                 <a:gridCol w="2230275"/>
@@ -20761,16 +22733,9 @@
 <file path=ppt/slides/slide7.xml><?xml version="1.0" encoding="utf-8"?>
 <p:sld xmlns:a="http://schemas.openxmlformats.org/drawingml/2006/main" xmlns:r="http://schemas.openxmlformats.org/officeDocument/2006/relationships" xmlns:mc="http://schemas.openxmlformats.org/markup-compatibility/2006" xmlns:mv="urn:schemas-microsoft-com:mac:vml" xmlns:p="http://schemas.openxmlformats.org/presentationml/2006/main" xmlns:c="http://schemas.openxmlformats.org/drawingml/2006/chart" xmlns:dgm="http://schemas.openxmlformats.org/drawingml/2006/diagram" xmlns:o="urn:schemas-microsoft-com:office:office" xmlns:v="urn:schemas-microsoft-com:vml" xmlns:pvml="urn:schemas-microsoft-com:office:powerpoint" xmlns:com="http://schemas.openxmlformats.org/drawingml/2006/compatibility" xmlns:p14="http://schemas.microsoft.com/office/powerpoint/2010/main" xmlns:p15="http://schemas.microsoft.com/office/powerpoint/2012/main" xmlns:ahyp="http://schemas.microsoft.com/office/drawing/2018/hyperlinkcolor">
   <p:cSld>
-    <p:bg>
-      <p:bgPr>
-        <a:solidFill>
-          <a:schemeClr val="lt1"/>
-        </a:solidFill>
-      </p:bgPr>
-    </p:bg>
     <p:spTree>
       <p:nvGrpSpPr>
-        <p:cNvPr id="141" name="Shape 141"/>
+        <p:cNvPr id="142" name="Shape 142"/>
         <p:cNvGrpSpPr/>
         <p:nvPr/>
       </p:nvGrpSpPr>
@@ -20784,7 +22749,321 @@
       </p:grpSpPr>
       <p:sp>
         <p:nvSpPr>
-          <p:cNvPr id="142" name="Google Shape;142;p35"/>
+          <p:cNvPr id="143" name="Google Shape;143;g3118a395b3d_0_48"/>
+          <p:cNvSpPr txBox="1"/>
+          <p:nvPr/>
+        </p:nvSpPr>
+        <p:spPr>
+          <a:xfrm>
+            <a:off x="459200" y="209925"/>
+            <a:ext cx="2102100" cy="607500"/>
+          </a:xfrm>
+          <a:prstGeom prst="rect">
+            <a:avLst/>
+          </a:prstGeom>
+          <a:noFill/>
+          <a:ln>
+            <a:noFill/>
+          </a:ln>
+        </p:spPr>
+        <p:txBody>
+          <a:bodyPr anchorCtr="0" anchor="t" bIns="91425" lIns="91425" spcFirstLastPara="1" rIns="91425" wrap="square" tIns="91425">
+            <a:noAutofit/>
+          </a:bodyPr>
+          <a:lstStyle/>
+          <a:p>
+            <a:pPr indent="0" lvl="0" marL="0" marR="0" rtl="0" algn="l">
+              <a:lnSpc>
+                <a:spcPct val="100000"/>
+              </a:lnSpc>
+              <a:spcBef>
+                <a:spcPts val="0"/>
+              </a:spcBef>
+              <a:spcAft>
+                <a:spcPts val="0"/>
+              </a:spcAft>
+              <a:buClr>
+                <a:srgbClr val="000000"/>
+              </a:buClr>
+              <a:buSzPts val="2800"/>
+              <a:buFont typeface="Arial"/>
+              <a:buNone/>
+            </a:pPr>
+            <a:r>
+              <a:rPr b="0" i="0" lang="es-419" sz="2800" u="none" cap="none" strike="noStrike">
+                <a:solidFill>
+                  <a:schemeClr val="dk1"/>
+                </a:solidFill>
+                <a:latin typeface="Calibri"/>
+                <a:ea typeface="Calibri"/>
+                <a:cs typeface="Calibri"/>
+                <a:sym typeface="Calibri"/>
+              </a:rPr>
+              <a:t>Tecnologías:</a:t>
+            </a:r>
+            <a:endParaRPr b="0" i="0" sz="2800" u="none" cap="none" strike="noStrike">
+              <a:solidFill>
+                <a:schemeClr val="dk1"/>
+              </a:solidFill>
+              <a:latin typeface="Calibri"/>
+              <a:ea typeface="Calibri"/>
+              <a:cs typeface="Calibri"/>
+              <a:sym typeface="Calibri"/>
+            </a:endParaRPr>
+          </a:p>
+        </p:txBody>
+      </p:sp>
+      <p:pic>
+        <p:nvPicPr>
+          <p:cNvPr id="144" name="Google Shape;144;g3118a395b3d_0_48"/>
+          <p:cNvPicPr preferRelativeResize="0"/>
+          <p:nvPr/>
+        </p:nvPicPr>
+        <p:blipFill rotWithShape="1">
+          <a:blip r:embed="rId3">
+            <a:alphaModFix/>
+          </a:blip>
+          <a:srcRect b="0" l="0" r="0" t="0"/>
+          <a:stretch/>
+        </p:blipFill>
+        <p:spPr>
+          <a:xfrm>
+            <a:off x="152400" y="851100"/>
+            <a:ext cx="2857500" cy="1600200"/>
+          </a:xfrm>
+          <a:prstGeom prst="rect">
+            <a:avLst/>
+          </a:prstGeom>
+          <a:noFill/>
+          <a:ln>
+            <a:noFill/>
+          </a:ln>
+        </p:spPr>
+      </p:pic>
+      <p:pic>
+        <p:nvPicPr>
+          <p:cNvPr id="145" name="Google Shape;145;g3118a395b3d_0_48"/>
+          <p:cNvPicPr preferRelativeResize="0"/>
+          <p:nvPr/>
+        </p:nvPicPr>
+        <p:blipFill rotWithShape="1">
+          <a:blip r:embed="rId4">
+            <a:alphaModFix/>
+          </a:blip>
+          <a:srcRect b="0" l="0" r="0" t="0"/>
+          <a:stretch/>
+        </p:blipFill>
+        <p:spPr>
+          <a:xfrm>
+            <a:off x="3748925" y="760000"/>
+            <a:ext cx="3028950" cy="1514475"/>
+          </a:xfrm>
+          <a:prstGeom prst="rect">
+            <a:avLst/>
+          </a:prstGeom>
+          <a:noFill/>
+          <a:ln>
+            <a:noFill/>
+          </a:ln>
+        </p:spPr>
+      </p:pic>
+      <p:pic>
+        <p:nvPicPr>
+          <p:cNvPr id="146" name="Google Shape;146;g3118a395b3d_0_48"/>
+          <p:cNvPicPr preferRelativeResize="0"/>
+          <p:nvPr/>
+        </p:nvPicPr>
+        <p:blipFill rotWithShape="1">
+          <a:blip r:embed="rId5">
+            <a:alphaModFix/>
+          </a:blip>
+          <a:srcRect b="0" l="0" r="0" t="0"/>
+          <a:stretch/>
+        </p:blipFill>
+        <p:spPr>
+          <a:xfrm>
+            <a:off x="7223925" y="760000"/>
+            <a:ext cx="4696800" cy="2054850"/>
+          </a:xfrm>
+          <a:prstGeom prst="rect">
+            <a:avLst/>
+          </a:prstGeom>
+          <a:noFill/>
+          <a:ln>
+            <a:noFill/>
+          </a:ln>
+        </p:spPr>
+      </p:pic>
+      <p:pic>
+        <p:nvPicPr>
+          <p:cNvPr id="147" name="Google Shape;147;g3118a395b3d_0_48"/>
+          <p:cNvPicPr preferRelativeResize="0"/>
+          <p:nvPr/>
+        </p:nvPicPr>
+        <p:blipFill rotWithShape="1">
+          <a:blip r:embed="rId6">
+            <a:alphaModFix/>
+          </a:blip>
+          <a:srcRect b="0" l="0" r="0" t="0"/>
+          <a:stretch/>
+        </p:blipFill>
+        <p:spPr>
+          <a:xfrm>
+            <a:off x="152400" y="3105275"/>
+            <a:ext cx="10093729" cy="3703825"/>
+          </a:xfrm>
+          <a:prstGeom prst="rect">
+            <a:avLst/>
+          </a:prstGeom>
+          <a:noFill/>
+          <a:ln>
+            <a:noFill/>
+          </a:ln>
+        </p:spPr>
+      </p:pic>
+      <p:pic>
+        <p:nvPicPr>
+          <p:cNvPr id="148" name="Google Shape;148;g3118a395b3d_0_48"/>
+          <p:cNvPicPr preferRelativeResize="0"/>
+          <p:nvPr/>
+        </p:nvPicPr>
+        <p:blipFill rotWithShape="1">
+          <a:blip r:embed="rId7">
+            <a:alphaModFix/>
+          </a:blip>
+          <a:srcRect b="0" l="0" r="0" t="0"/>
+          <a:stretch/>
+        </p:blipFill>
+        <p:spPr>
+          <a:xfrm>
+            <a:off x="3965024" y="2274474"/>
+            <a:ext cx="2665276" cy="900250"/>
+          </a:xfrm>
+          <a:prstGeom prst="rect">
+            <a:avLst/>
+          </a:prstGeom>
+          <a:noFill/>
+          <a:ln>
+            <a:noFill/>
+          </a:ln>
+        </p:spPr>
+      </p:pic>
+      <p:pic>
+        <p:nvPicPr>
+          <p:cNvPr id="149" name="Google Shape;149;g3118a395b3d_0_48"/>
+          <p:cNvPicPr preferRelativeResize="0"/>
+          <p:nvPr/>
+        </p:nvPicPr>
+        <p:blipFill rotWithShape="1">
+          <a:blip r:embed="rId8">
+            <a:alphaModFix/>
+          </a:blip>
+          <a:srcRect b="0" l="0" r="0" t="0"/>
+          <a:stretch/>
+        </p:blipFill>
+        <p:spPr>
+          <a:xfrm>
+            <a:off x="0" y="2084950"/>
+            <a:ext cx="2400675" cy="1600200"/>
+          </a:xfrm>
+          <a:prstGeom prst="rect">
+            <a:avLst/>
+          </a:prstGeom>
+          <a:noFill/>
+          <a:ln>
+            <a:noFill/>
+          </a:ln>
+        </p:spPr>
+      </p:pic>
+      <p:pic>
+        <p:nvPicPr>
+          <p:cNvPr id="150" name="Google Shape;150;g3118a395b3d_0_48"/>
+          <p:cNvPicPr preferRelativeResize="0"/>
+          <p:nvPr/>
+        </p:nvPicPr>
+        <p:blipFill rotWithShape="1">
+          <a:blip r:embed="rId9">
+            <a:alphaModFix/>
+          </a:blip>
+          <a:srcRect b="0" l="0" r="0" t="0"/>
+          <a:stretch/>
+        </p:blipFill>
+        <p:spPr>
+          <a:xfrm>
+            <a:off x="1917875" y="2126850"/>
+            <a:ext cx="1301200" cy="1837950"/>
+          </a:xfrm>
+          <a:prstGeom prst="rect">
+            <a:avLst/>
+          </a:prstGeom>
+          <a:noFill/>
+          <a:ln>
+            <a:noFill/>
+          </a:ln>
+        </p:spPr>
+      </p:pic>
+      <p:pic>
+        <p:nvPicPr>
+          <p:cNvPr id="151" name="Google Shape;151;g3118a395b3d_0_48"/>
+          <p:cNvPicPr preferRelativeResize="0"/>
+          <p:nvPr/>
+        </p:nvPicPr>
+        <p:blipFill rotWithShape="1">
+          <a:blip r:embed="rId10">
+            <a:alphaModFix/>
+          </a:blip>
+          <a:srcRect b="0" l="0" r="0" t="0"/>
+          <a:stretch/>
+        </p:blipFill>
+        <p:spPr>
+          <a:xfrm>
+            <a:off x="6630291" y="2401573"/>
+            <a:ext cx="3653058" cy="2054850"/>
+          </a:xfrm>
+          <a:prstGeom prst="rect">
+            <a:avLst/>
+          </a:prstGeom>
+          <a:noFill/>
+          <a:ln>
+            <a:noFill/>
+          </a:ln>
+        </p:spPr>
+      </p:pic>
+    </p:spTree>
+  </p:cSld>
+  <p:clrMapOvr>
+    <a:masterClrMapping/>
+  </p:clrMapOvr>
+</p:sld>
+</file>
+
+<file path=ppt/slides/slide8.xml><?xml version="1.0" encoding="utf-8"?>
+<p:sld xmlns:a="http://schemas.openxmlformats.org/drawingml/2006/main" xmlns:r="http://schemas.openxmlformats.org/officeDocument/2006/relationships" xmlns:mc="http://schemas.openxmlformats.org/markup-compatibility/2006" xmlns:mv="urn:schemas-microsoft-com:mac:vml" xmlns:p="http://schemas.openxmlformats.org/presentationml/2006/main" xmlns:c="http://schemas.openxmlformats.org/drawingml/2006/chart" xmlns:dgm="http://schemas.openxmlformats.org/drawingml/2006/diagram" xmlns:o="urn:schemas-microsoft-com:office:office" xmlns:v="urn:schemas-microsoft-com:vml" xmlns:pvml="urn:schemas-microsoft-com:office:powerpoint" xmlns:com="http://schemas.openxmlformats.org/drawingml/2006/compatibility" xmlns:p14="http://schemas.microsoft.com/office/powerpoint/2010/main" xmlns:p15="http://schemas.microsoft.com/office/powerpoint/2012/main" xmlns:ahyp="http://schemas.microsoft.com/office/drawing/2018/hyperlinkcolor">
+  <p:cSld>
+    <p:bg>
+      <p:bgPr>
+        <a:solidFill>
+          <a:schemeClr val="lt1"/>
+        </a:solidFill>
+      </p:bgPr>
+    </p:bg>
+    <p:spTree>
+      <p:nvGrpSpPr>
+        <p:cNvPr id="155" name="Shape 155"/>
+        <p:cNvGrpSpPr/>
+        <p:nvPr/>
+      </p:nvGrpSpPr>
+      <p:grpSpPr>
+        <a:xfrm>
+          <a:off x="0" y="0"/>
+          <a:ext cx="0" cy="0"/>
+          <a:chOff x="0" y="0"/>
+          <a:chExt cx="0" cy="0"/>
+        </a:xfrm>
+      </p:grpSpPr>
+      <p:sp>
+        <p:nvSpPr>
+          <p:cNvPr id="156" name="Google Shape;156;p35"/>
           <p:cNvSpPr/>
           <p:nvPr/>
         </p:nvSpPr>
@@ -20841,132 +23120,9 @@
           </a:p>
         </p:txBody>
       </p:sp>
-      <p:pic>
-        <p:nvPicPr>
-          <p:cNvPr descr="Arquitectura de microservicios: qué es, ventajas y desventajas" id="143" name="Google Shape;143;p35"/>
-          <p:cNvPicPr preferRelativeResize="0"/>
-          <p:nvPr/>
-        </p:nvPicPr>
-        <p:blipFill rotWithShape="1">
-          <a:blip r:embed="rId3">
-            <a:alphaModFix/>
-          </a:blip>
-          <a:srcRect b="-1" l="28698" r="11668" t="0"/>
-          <a:stretch/>
-        </p:blipFill>
-        <p:spPr>
-          <a:xfrm>
-            <a:off x="-3" y="2345922"/>
-            <a:ext cx="5375372" cy="4507038"/>
-          </a:xfrm>
-          <a:custGeom>
-            <a:rect b="b" l="l" r="r" t="t"/>
-            <a:pathLst>
-              <a:path extrusionOk="0" h="4610469" w="5485419">
-                <a:moveTo>
-                  <a:pt x="2345076" y="0"/>
-                </a:moveTo>
-                <a:cubicBezTo>
-                  <a:pt x="4079439" y="0"/>
-                  <a:pt x="5485419" y="1405980"/>
-                  <a:pt x="5485419" y="3140344"/>
-                </a:cubicBezTo>
-                <a:cubicBezTo>
-                  <a:pt x="5485419" y="3573935"/>
-                  <a:pt x="5397545" y="3987002"/>
-                  <a:pt x="5238635" y="4362707"/>
-                </a:cubicBezTo>
-                <a:lnTo>
-                  <a:pt x="5119282" y="4610469"/>
-                </a:lnTo>
-                <a:lnTo>
-                  <a:pt x="0" y="4610469"/>
-                </a:lnTo>
-                <a:lnTo>
-                  <a:pt x="0" y="1056789"/>
-                </a:lnTo>
-                <a:lnTo>
-                  <a:pt x="124518" y="919786"/>
-                </a:lnTo>
-                <a:cubicBezTo>
-                  <a:pt x="692808" y="351495"/>
-                  <a:pt x="1477894" y="0"/>
-                  <a:pt x="2345076" y="0"/>
-                </a:cubicBezTo>
-                <a:close/>
-              </a:path>
-            </a:pathLst>
-          </a:custGeom>
-          <a:noFill/>
-          <a:ln>
-            <a:noFill/>
-          </a:ln>
-        </p:spPr>
-      </p:pic>
-      <p:pic>
-        <p:nvPicPr>
-          <p:cNvPr id="144" name="Google Shape;144;p35"/>
-          <p:cNvPicPr preferRelativeResize="0"/>
-          <p:nvPr/>
-        </p:nvPicPr>
-        <p:blipFill rotWithShape="1">
-          <a:blip r:embed="rId4">
-            <a:alphaModFix/>
-          </a:blip>
-          <a:srcRect b="10356" l="8305" r="-3" t="17321"/>
-          <a:stretch/>
-        </p:blipFill>
-        <p:spPr>
-          <a:xfrm>
-            <a:off x="2798295" y="1932147"/>
-            <a:ext cx="9393410" cy="4849649"/>
-          </a:xfrm>
-          <a:custGeom>
-            <a:rect b="b" l="l" r="r" t="t"/>
-            <a:pathLst>
-              <a:path extrusionOk="0" h="2614366" w="4548867">
-                <a:moveTo>
-                  <a:pt x="28132" y="0"/>
-                </a:moveTo>
-                <a:lnTo>
-                  <a:pt x="4520736" y="0"/>
-                </a:lnTo>
-                <a:lnTo>
-                  <a:pt x="4537124" y="107385"/>
-                </a:lnTo>
-                <a:cubicBezTo>
-                  <a:pt x="4544889" y="183845"/>
-                  <a:pt x="4548867" y="261424"/>
-                  <a:pt x="4548867" y="339933"/>
-                </a:cubicBezTo>
-                <a:cubicBezTo>
-                  <a:pt x="4548867" y="1596068"/>
-                  <a:pt x="3530568" y="2614366"/>
-                  <a:pt x="2274434" y="2614366"/>
-                </a:cubicBezTo>
-                <a:cubicBezTo>
-                  <a:pt x="1018299" y="2614366"/>
-                  <a:pt x="0" y="1596068"/>
-                  <a:pt x="0" y="339933"/>
-                </a:cubicBezTo>
-                <a:cubicBezTo>
-                  <a:pt x="0" y="261424"/>
-                  <a:pt x="3978" y="183845"/>
-                  <a:pt x="11743" y="107385"/>
-                </a:cubicBezTo>
-                <a:close/>
-              </a:path>
-            </a:pathLst>
-          </a:custGeom>
-          <a:noFill/>
-          <a:ln>
-            <a:noFill/>
-          </a:ln>
-        </p:spPr>
-      </p:pic>
       <p:grpSp>
         <p:nvGrpSpPr>
-          <p:cNvPr id="145" name="Google Shape;145;p35"/>
+          <p:cNvPr id="157" name="Google Shape;157;p35"/>
           <p:cNvGrpSpPr/>
           <p:nvPr/>
         </p:nvGrpSpPr>
@@ -20980,7 +23136,7 @@
         </p:grpSpPr>
         <p:sp>
           <p:nvSpPr>
-            <p:cNvPr id="146" name="Google Shape;146;p35"/>
+            <p:cNvPr id="158" name="Google Shape;158;p35"/>
             <p:cNvSpPr/>
             <p:nvPr/>
           </p:nvSpPr>
@@ -21328,7 +23484,7 @@
             </a:custGeom>
             <a:solidFill>
               <a:schemeClr val="lt1">
-                <a:alpha val="29411"/>
+                <a:alpha val="28627"/>
               </a:schemeClr>
             </a:solidFill>
             <a:ln>
@@ -21375,7 +23531,7 @@
         </p:sp>
         <p:sp>
           <p:nvSpPr>
-            <p:cNvPr id="147" name="Google Shape;147;p35"/>
+            <p:cNvPr id="159" name="Google Shape;159;p35"/>
             <p:cNvSpPr/>
             <p:nvPr/>
           </p:nvSpPr>
@@ -21477,7 +23633,7 @@
             </a:custGeom>
             <a:solidFill>
               <a:schemeClr val="lt1">
-                <a:alpha val="29411"/>
+                <a:alpha val="28627"/>
               </a:schemeClr>
             </a:solidFill>
             <a:ln>
@@ -21524,7 +23680,7 @@
         </p:sp>
         <p:sp>
           <p:nvSpPr>
-            <p:cNvPr id="148" name="Google Shape;148;p35"/>
+            <p:cNvPr id="160" name="Google Shape;160;p35"/>
             <p:cNvSpPr/>
             <p:nvPr/>
           </p:nvSpPr>
@@ -21621,7 +23777,7 @@
             </a:custGeom>
             <a:solidFill>
               <a:schemeClr val="lt1">
-                <a:alpha val="29411"/>
+                <a:alpha val="28627"/>
               </a:schemeClr>
             </a:solidFill>
             <a:ln>
@@ -21668,7 +23824,7 @@
         </p:sp>
         <p:sp>
           <p:nvSpPr>
-            <p:cNvPr id="149" name="Google Shape;149;p35"/>
+            <p:cNvPr id="161" name="Google Shape;161;p35"/>
             <p:cNvSpPr/>
             <p:nvPr/>
           </p:nvSpPr>
@@ -22079,1428 +24235,16 @@
           </p:txBody>
         </p:sp>
       </p:grpSp>
-      <p:grpSp>
-        <p:nvGrpSpPr>
-          <p:cNvPr id="150" name="Google Shape;150;p35"/>
-          <p:cNvGrpSpPr/>
-          <p:nvPr/>
-        </p:nvGrpSpPr>
-        <p:grpSpPr>
-          <a:xfrm>
-            <a:off x="-1" y="2257008"/>
-            <a:ext cx="5409237" cy="4597224"/>
-            <a:chOff x="0" y="2317967"/>
-            <a:chExt cx="5635126" cy="4536263"/>
-          </a:xfrm>
-        </p:grpSpPr>
-        <p:sp>
-          <p:nvSpPr>
-            <p:cNvPr id="151" name="Google Shape;151;p35"/>
-            <p:cNvSpPr/>
-            <p:nvPr/>
-          </p:nvSpPr>
-          <p:spPr>
-            <a:xfrm>
-              <a:off x="0" y="2336191"/>
-              <a:ext cx="5485018" cy="4518038"/>
-            </a:xfrm>
-            <a:custGeom>
-              <a:rect b="b" l="l" r="r" t="t"/>
-              <a:pathLst>
-                <a:path extrusionOk="0" h="4518038" w="5485018">
-                  <a:moveTo>
-                    <a:pt x="1989265" y="0"/>
-                  </a:moveTo>
-                  <a:cubicBezTo>
-                    <a:pt x="2030052" y="0"/>
-                    <a:pt x="2070466" y="606"/>
-                    <a:pt x="2112245" y="1937"/>
-                  </a:cubicBezTo>
-                  <a:cubicBezTo>
-                    <a:pt x="2114725" y="1937"/>
-                    <a:pt x="2117453" y="1937"/>
-                    <a:pt x="2119933" y="1937"/>
-                  </a:cubicBezTo>
-                  <a:cubicBezTo>
-                    <a:pt x="4808915" y="1937"/>
-                    <a:pt x="5916843" y="2490455"/>
-                    <a:pt x="5333582" y="4434610"/>
-                  </a:cubicBezTo>
-                  <a:lnTo>
-                    <a:pt x="5305435" y="4518038"/>
-                  </a:lnTo>
-                  <a:lnTo>
-                    <a:pt x="4512666" y="4518038"/>
-                  </a:lnTo>
-                  <a:lnTo>
-                    <a:pt x="4574099" y="4368919"/>
-                  </a:lnTo>
-                  <a:cubicBezTo>
-                    <a:pt x="4684932" y="4060345"/>
-                    <a:pt x="4741091" y="3730957"/>
-                    <a:pt x="4741091" y="3389833"/>
-                  </a:cubicBezTo>
-                  <a:cubicBezTo>
-                    <a:pt x="4741091" y="3043625"/>
-                    <a:pt x="4683319" y="2706493"/>
-                    <a:pt x="4569388" y="2387755"/>
-                  </a:cubicBezTo>
-                  <a:cubicBezTo>
-                    <a:pt x="4454218" y="2065386"/>
-                    <a:pt x="4287225" y="1779441"/>
-                    <a:pt x="4073248" y="1537907"/>
-                  </a:cubicBezTo>
-                  <a:cubicBezTo>
-                    <a:pt x="3850965" y="1287054"/>
-                    <a:pt x="3582688" y="1091019"/>
-                    <a:pt x="3276102" y="955249"/>
-                  </a:cubicBezTo>
-                  <a:cubicBezTo>
-                    <a:pt x="2935427" y="804470"/>
-                    <a:pt x="2546399" y="727992"/>
-                    <a:pt x="2119808" y="727992"/>
-                  </a:cubicBezTo>
-                  <a:lnTo>
-                    <a:pt x="2112990" y="727992"/>
-                  </a:lnTo>
-                  <a:lnTo>
-                    <a:pt x="2100468" y="727992"/>
-                  </a:lnTo>
-                  <a:lnTo>
-                    <a:pt x="2087947" y="727629"/>
-                  </a:lnTo>
-                  <a:cubicBezTo>
-                    <a:pt x="2054599" y="726541"/>
-                    <a:pt x="2022241" y="726055"/>
-                    <a:pt x="1989265" y="726055"/>
-                  </a:cubicBezTo>
-                  <a:cubicBezTo>
-                    <a:pt x="1603957" y="726055"/>
-                    <a:pt x="1253114" y="799872"/>
-                    <a:pt x="946901" y="945810"/>
-                  </a:cubicBezTo>
-                  <a:cubicBezTo>
-                    <a:pt x="667837" y="1078435"/>
-                    <a:pt x="422869" y="1271444"/>
-                    <a:pt x="218808" y="1519271"/>
-                  </a:cubicBezTo>
-                  <a:cubicBezTo>
-                    <a:pt x="168847" y="1579957"/>
-                    <a:pt x="121614" y="1643495"/>
-                    <a:pt x="77177" y="1709761"/>
-                  </a:cubicBezTo>
-                  <a:lnTo>
-                    <a:pt x="0" y="1837634"/>
-                  </a:lnTo>
-                  <a:lnTo>
-                    <a:pt x="0" y="701173"/>
-                  </a:lnTo>
-                  <a:lnTo>
-                    <a:pt x="94238" y="618817"/>
-                  </a:lnTo>
-                  <a:cubicBezTo>
-                    <a:pt x="583605" y="235740"/>
-                    <a:pt x="1215977" y="0"/>
-                    <a:pt x="1989265" y="0"/>
-                  </a:cubicBezTo>
-                  <a:close/>
-                </a:path>
-              </a:pathLst>
-            </a:custGeom>
-            <a:solidFill>
-              <a:schemeClr val="lt1">
-                <a:alpha val="29411"/>
-              </a:schemeClr>
-            </a:solidFill>
-            <a:ln>
-              <a:noFill/>
-            </a:ln>
-          </p:spPr>
-          <p:txBody>
-            <a:bodyPr anchorCtr="0" anchor="ctr" bIns="45700" lIns="91425" spcFirstLastPara="1" rIns="91425" wrap="square" tIns="45700">
-              <a:noAutofit/>
-            </a:bodyPr>
-            <a:lstStyle/>
-            <a:p>
-              <a:pPr indent="0" lvl="0" marL="0" marR="0" rtl="0" algn="ctr">
-                <a:lnSpc>
-                  <a:spcPct val="100000"/>
-                </a:lnSpc>
-                <a:spcBef>
-                  <a:spcPts val="0"/>
-                </a:spcBef>
-                <a:spcAft>
-                  <a:spcPts val="0"/>
-                </a:spcAft>
-                <a:buClr>
-                  <a:srgbClr val="000000"/>
-                </a:buClr>
-                <a:buSzPts val="1400"/>
-                <a:buFont typeface="Arial"/>
-                <a:buNone/>
-              </a:pPr>
-              <a:r>
-                <a:t/>
-              </a:r>
-              <a:endParaRPr b="0" i="0" sz="1400" u="none" cap="none" strike="noStrike">
-                <a:solidFill>
-                  <a:schemeClr val="lt1"/>
-                </a:solidFill>
-                <a:latin typeface="Arial"/>
-                <a:ea typeface="Arial"/>
-                <a:cs typeface="Arial"/>
-                <a:sym typeface="Arial"/>
-              </a:endParaRPr>
-            </a:p>
-          </p:txBody>
-        </p:sp>
-        <p:sp>
-          <p:nvSpPr>
-            <p:cNvPr id="152" name="Google Shape;152;p35"/>
-            <p:cNvSpPr/>
-            <p:nvPr/>
-          </p:nvSpPr>
-          <p:spPr>
-            <a:xfrm>
-              <a:off x="0" y="2336191"/>
-              <a:ext cx="5485018" cy="4518038"/>
-            </a:xfrm>
-            <a:custGeom>
-              <a:rect b="b" l="l" r="r" t="t"/>
-              <a:pathLst>
-                <a:path extrusionOk="0" h="4518038" w="5485018">
-                  <a:moveTo>
-                    <a:pt x="1989265" y="0"/>
-                  </a:moveTo>
-                  <a:cubicBezTo>
-                    <a:pt x="2030052" y="0"/>
-                    <a:pt x="2070466" y="606"/>
-                    <a:pt x="2112245" y="1937"/>
-                  </a:cubicBezTo>
-                  <a:cubicBezTo>
-                    <a:pt x="2114725" y="1937"/>
-                    <a:pt x="2117453" y="1937"/>
-                    <a:pt x="2119933" y="1937"/>
-                  </a:cubicBezTo>
-                  <a:cubicBezTo>
-                    <a:pt x="4808915" y="1937"/>
-                    <a:pt x="5916843" y="2490455"/>
-                    <a:pt x="5333582" y="4434610"/>
-                  </a:cubicBezTo>
-                  <a:lnTo>
-                    <a:pt x="5305435" y="4518038"/>
-                  </a:lnTo>
-                  <a:lnTo>
-                    <a:pt x="4646095" y="4518038"/>
-                  </a:lnTo>
-                  <a:lnTo>
-                    <a:pt x="4691006" y="4409093"/>
-                  </a:lnTo>
-                  <a:cubicBezTo>
-                    <a:pt x="4806425" y="4087572"/>
-                    <a:pt x="4864938" y="3744753"/>
-                    <a:pt x="4864938" y="3389953"/>
-                  </a:cubicBezTo>
-                  <a:cubicBezTo>
-                    <a:pt x="4864938" y="3030072"/>
-                    <a:pt x="4804812" y="2679509"/>
-                    <a:pt x="4686293" y="2347943"/>
-                  </a:cubicBezTo>
-                  <a:cubicBezTo>
-                    <a:pt x="4565916" y="2011174"/>
-                    <a:pt x="4391115" y="1712040"/>
-                    <a:pt x="4166848" y="1458888"/>
-                  </a:cubicBezTo>
-                  <a:cubicBezTo>
-                    <a:pt x="3932787" y="1194604"/>
-                    <a:pt x="3650253" y="988162"/>
-                    <a:pt x="3327179" y="845129"/>
-                  </a:cubicBezTo>
-                  <a:cubicBezTo>
-                    <a:pt x="2970387" y="687212"/>
-                    <a:pt x="2564126" y="607104"/>
-                    <a:pt x="2119684" y="607104"/>
-                  </a:cubicBezTo>
-                  <a:lnTo>
-                    <a:pt x="2113362" y="607104"/>
-                  </a:lnTo>
-                  <a:lnTo>
-                    <a:pt x="2102700" y="607104"/>
-                  </a:lnTo>
-                  <a:lnTo>
-                    <a:pt x="2092038" y="606740"/>
-                  </a:lnTo>
-                  <a:cubicBezTo>
-                    <a:pt x="2057202" y="605532"/>
-                    <a:pt x="2023605" y="605046"/>
-                    <a:pt x="1989265" y="605046"/>
-                  </a:cubicBezTo>
-                  <a:cubicBezTo>
-                    <a:pt x="1584989" y="605046"/>
-                    <a:pt x="1215923" y="682977"/>
-                    <a:pt x="892105" y="837143"/>
-                  </a:cubicBezTo>
-                  <a:cubicBezTo>
-                    <a:pt x="596554" y="977755"/>
-                    <a:pt x="337327" y="1181776"/>
-                    <a:pt x="121738" y="1443641"/>
-                  </a:cubicBezTo>
-                  <a:lnTo>
-                    <a:pt x="0" y="1607393"/>
-                  </a:lnTo>
-                  <a:lnTo>
-                    <a:pt x="0" y="701173"/>
-                  </a:lnTo>
-                  <a:lnTo>
-                    <a:pt x="94238" y="618817"/>
-                  </a:lnTo>
-                  <a:cubicBezTo>
-                    <a:pt x="583605" y="235740"/>
-                    <a:pt x="1215977" y="0"/>
-                    <a:pt x="1989265" y="0"/>
-                  </a:cubicBezTo>
-                  <a:close/>
-                </a:path>
-              </a:pathLst>
-            </a:custGeom>
-            <a:solidFill>
-              <a:schemeClr val="lt1">
-                <a:alpha val="29411"/>
-              </a:schemeClr>
-            </a:solidFill>
-            <a:ln>
-              <a:noFill/>
-            </a:ln>
-          </p:spPr>
-          <p:txBody>
-            <a:bodyPr anchorCtr="0" anchor="ctr" bIns="45700" lIns="91425" spcFirstLastPara="1" rIns="91425" wrap="square" tIns="45700">
-              <a:noAutofit/>
-            </a:bodyPr>
-            <a:lstStyle/>
-            <a:p>
-              <a:pPr indent="0" lvl="0" marL="0" marR="0" rtl="0" algn="ctr">
-                <a:lnSpc>
-                  <a:spcPct val="100000"/>
-                </a:lnSpc>
-                <a:spcBef>
-                  <a:spcPts val="0"/>
-                </a:spcBef>
-                <a:spcAft>
-                  <a:spcPts val="0"/>
-                </a:spcAft>
-                <a:buClr>
-                  <a:srgbClr val="000000"/>
-                </a:buClr>
-                <a:buSzPts val="1400"/>
-                <a:buFont typeface="Arial"/>
-                <a:buNone/>
-              </a:pPr>
-              <a:r>
-                <a:t/>
-              </a:r>
-              <a:endParaRPr b="0" i="0" sz="1400" u="none" cap="none" strike="noStrike">
-                <a:solidFill>
-                  <a:schemeClr val="lt1"/>
-                </a:solidFill>
-                <a:latin typeface="Arial"/>
-                <a:ea typeface="Arial"/>
-                <a:cs typeface="Arial"/>
-                <a:sym typeface="Arial"/>
-              </a:endParaRPr>
-            </a:p>
-          </p:txBody>
-        </p:sp>
-        <p:sp>
-          <p:nvSpPr>
-            <p:cNvPr id="153" name="Google Shape;153;p35"/>
-            <p:cNvSpPr/>
-            <p:nvPr/>
-          </p:nvSpPr>
-          <p:spPr>
-            <a:xfrm>
-              <a:off x="1" y="2361563"/>
-              <a:ext cx="5474293" cy="4492666"/>
-            </a:xfrm>
-            <a:custGeom>
-              <a:rect b="b" l="l" r="r" t="t"/>
-              <a:pathLst>
-                <a:path extrusionOk="0" h="4492666" w="5474293">
-                  <a:moveTo>
-                    <a:pt x="2115592" y="41"/>
-                  </a:moveTo>
-                  <a:cubicBezTo>
-                    <a:pt x="2546769" y="1129"/>
-                    <a:pt x="2985634" y="65627"/>
-                    <a:pt x="3398462" y="218585"/>
-                  </a:cubicBezTo>
-                  <a:lnTo>
-                    <a:pt x="3475450" y="248231"/>
-                  </a:lnTo>
-                  <a:lnTo>
-                    <a:pt x="3514006" y="262994"/>
-                  </a:lnTo>
-                  <a:cubicBezTo>
-                    <a:pt x="3526651" y="268318"/>
-                    <a:pt x="3539171" y="274006"/>
-                    <a:pt x="3551818" y="279573"/>
-                  </a:cubicBezTo>
-                  <a:lnTo>
-                    <a:pt x="3627317" y="313213"/>
-                  </a:lnTo>
-                  <a:lnTo>
-                    <a:pt x="3665128" y="330033"/>
-                  </a:lnTo>
-                  <a:cubicBezTo>
-                    <a:pt x="3677650" y="335841"/>
-                    <a:pt x="3689676" y="342377"/>
-                    <a:pt x="3702071" y="348669"/>
-                  </a:cubicBezTo>
-                  <a:lnTo>
-                    <a:pt x="3775959" y="386060"/>
-                  </a:lnTo>
-                  <a:lnTo>
-                    <a:pt x="3812905" y="404817"/>
-                  </a:lnTo>
-                  <a:cubicBezTo>
-                    <a:pt x="3825054" y="411352"/>
-                    <a:pt x="3836832" y="418491"/>
-                    <a:pt x="3848855" y="425267"/>
-                  </a:cubicBezTo>
-                  <a:lnTo>
-                    <a:pt x="3920762" y="466653"/>
-                  </a:lnTo>
-                  <a:lnTo>
-                    <a:pt x="3956712" y="487466"/>
-                  </a:lnTo>
-                  <a:lnTo>
-                    <a:pt x="3991550" y="509852"/>
-                  </a:lnTo>
-                  <a:cubicBezTo>
-                    <a:pt x="4178500" y="628078"/>
-                    <a:pt x="4353674" y="766030"/>
-                    <a:pt x="4511739" y="921042"/>
-                  </a:cubicBezTo>
-                  <a:cubicBezTo>
-                    <a:pt x="4669309" y="1076539"/>
-                    <a:pt x="4811754" y="1247647"/>
-                    <a:pt x="4933990" y="1431579"/>
-                  </a:cubicBezTo>
-                  <a:cubicBezTo>
-                    <a:pt x="5056724" y="1615272"/>
-                    <a:pt x="5159993" y="1811186"/>
-                    <a:pt x="5244418" y="2014241"/>
-                  </a:cubicBezTo>
-                  <a:cubicBezTo>
-                    <a:pt x="5327481" y="2217657"/>
-                    <a:pt x="5396409" y="2427728"/>
-                    <a:pt x="5433601" y="2643851"/>
-                  </a:cubicBezTo>
-                  <a:cubicBezTo>
-                    <a:pt x="5452446" y="2751792"/>
-                    <a:pt x="5463480" y="2860819"/>
-                    <a:pt x="5469182" y="2969730"/>
-                  </a:cubicBezTo>
-                  <a:cubicBezTo>
-                    <a:pt x="5471413" y="2996957"/>
-                    <a:pt x="5471785" y="3024183"/>
-                    <a:pt x="5472280" y="3051530"/>
-                  </a:cubicBezTo>
-                  <a:lnTo>
-                    <a:pt x="5473893" y="3133213"/>
-                  </a:lnTo>
-                  <a:cubicBezTo>
-                    <a:pt x="5474883" y="3160441"/>
-                    <a:pt x="5473770" y="3187667"/>
-                    <a:pt x="5473396" y="3214894"/>
-                  </a:cubicBezTo>
-                  <a:lnTo>
-                    <a:pt x="5471413" y="3296455"/>
-                  </a:lnTo>
-                  <a:cubicBezTo>
-                    <a:pt x="5463726" y="3513909"/>
-                    <a:pt x="5421452" y="3728700"/>
-                    <a:pt x="5370003" y="3937439"/>
-                  </a:cubicBezTo>
-                  <a:cubicBezTo>
-                    <a:pt x="5356367" y="3989595"/>
-                    <a:pt x="5343100" y="4041629"/>
-                    <a:pt x="5330578" y="4093542"/>
-                  </a:cubicBezTo>
-                  <a:lnTo>
-                    <a:pt x="5309380" y="4170988"/>
-                  </a:lnTo>
-                  <a:lnTo>
-                    <a:pt x="5289173" y="4248555"/>
-                  </a:lnTo>
-                  <a:lnTo>
-                    <a:pt x="5266983" y="4325639"/>
-                  </a:lnTo>
-                  <a:cubicBezTo>
-                    <a:pt x="5259667" y="4351292"/>
-                    <a:pt x="5253096" y="4377187"/>
-                    <a:pt x="5245039" y="4402599"/>
-                  </a:cubicBezTo>
-                  <a:lnTo>
-                    <a:pt x="5216062" y="4492666"/>
-                  </a:lnTo>
-                  <a:lnTo>
-                    <a:pt x="4901582" y="4492666"/>
-                  </a:lnTo>
-                  <a:lnTo>
-                    <a:pt x="4912791" y="4462983"/>
-                  </a:lnTo>
-                  <a:cubicBezTo>
-                    <a:pt x="4921718" y="4440114"/>
-                    <a:pt x="4927669" y="4416273"/>
-                    <a:pt x="4934983" y="4393040"/>
-                  </a:cubicBezTo>
-                  <a:lnTo>
-                    <a:pt x="4956181" y="4322734"/>
-                  </a:lnTo>
-                  <a:cubicBezTo>
-                    <a:pt x="4968704" y="4275420"/>
-                    <a:pt x="4979862" y="4227742"/>
-                    <a:pt x="4990895" y="4180064"/>
-                  </a:cubicBezTo>
-                  <a:cubicBezTo>
-                    <a:pt x="5000067" y="4131903"/>
-                    <a:pt x="5007506" y="4083498"/>
-                    <a:pt x="5014697" y="4035216"/>
-                  </a:cubicBezTo>
-                  <a:cubicBezTo>
-                    <a:pt x="5019284" y="3986327"/>
-                    <a:pt x="5023871" y="3937683"/>
-                    <a:pt x="5026474" y="3888915"/>
-                  </a:cubicBezTo>
-                  <a:cubicBezTo>
-                    <a:pt x="5034534" y="3693002"/>
-                    <a:pt x="5016310" y="3498298"/>
-                    <a:pt x="4998580" y="3307225"/>
-                  </a:cubicBezTo>
-                  <a:lnTo>
-                    <a:pt x="4990770" y="3235586"/>
-                  </a:lnTo>
-                  <a:cubicBezTo>
-                    <a:pt x="4988167" y="3211748"/>
-                    <a:pt x="4986182" y="3187910"/>
-                    <a:pt x="4982093" y="3164190"/>
-                  </a:cubicBezTo>
-                  <a:lnTo>
-                    <a:pt x="4971556" y="3093158"/>
-                  </a:lnTo>
-                  <a:cubicBezTo>
-                    <a:pt x="4968084" y="3069442"/>
-                    <a:pt x="4964735" y="3045844"/>
-                    <a:pt x="4960024" y="3022368"/>
-                  </a:cubicBezTo>
-                  <a:lnTo>
-                    <a:pt x="4946883" y="2951941"/>
-                  </a:lnTo>
-                  <a:lnTo>
-                    <a:pt x="4940685" y="2916728"/>
-                  </a:lnTo>
-                  <a:cubicBezTo>
-                    <a:pt x="4938454" y="2904988"/>
-                    <a:pt x="4935603" y="2893372"/>
-                    <a:pt x="4933123" y="2881754"/>
-                  </a:cubicBezTo>
-                  <a:cubicBezTo>
-                    <a:pt x="4927915" y="2858522"/>
-                    <a:pt x="4923205" y="2835167"/>
-                    <a:pt x="4918494" y="2811812"/>
-                  </a:cubicBezTo>
-                  <a:lnTo>
-                    <a:pt x="4911553" y="2776841"/>
-                  </a:lnTo>
-                  <a:lnTo>
-                    <a:pt x="4903494" y="2742111"/>
-                  </a:lnTo>
-                  <a:cubicBezTo>
-                    <a:pt x="4862335" y="2556724"/>
-                    <a:pt x="4819069" y="2371579"/>
-                    <a:pt x="4755594" y="2192244"/>
-                  </a:cubicBezTo>
-                  <a:cubicBezTo>
-                    <a:pt x="4693607" y="2012547"/>
-                    <a:pt x="4616123" y="1837930"/>
-                    <a:pt x="4523888" y="1671057"/>
-                  </a:cubicBezTo>
-                  <a:lnTo>
-                    <a:pt x="4489176" y="1608376"/>
-                  </a:lnTo>
-                  <a:lnTo>
-                    <a:pt x="4451613" y="1547507"/>
-                  </a:lnTo>
-                  <a:cubicBezTo>
-                    <a:pt x="4439092" y="1527178"/>
-                    <a:pt x="4427065" y="1506485"/>
-                    <a:pt x="4414049" y="1486398"/>
-                  </a:cubicBezTo>
-                  <a:lnTo>
-                    <a:pt x="4373758" y="1427104"/>
-                  </a:lnTo>
-                  <a:cubicBezTo>
-                    <a:pt x="4360121" y="1407499"/>
-                    <a:pt x="4347475" y="1387050"/>
-                    <a:pt x="4332971" y="1367930"/>
-                  </a:cubicBezTo>
-                  <a:lnTo>
-                    <a:pt x="4289828" y="1310450"/>
-                  </a:lnTo>
-                  <a:lnTo>
-                    <a:pt x="4268258" y="1281651"/>
-                  </a:lnTo>
-                  <a:lnTo>
-                    <a:pt x="4257471" y="1267250"/>
-                  </a:lnTo>
-                  <a:lnTo>
-                    <a:pt x="4245941" y="1253455"/>
-                  </a:lnTo>
-                  <a:lnTo>
-                    <a:pt x="4199824" y="1198154"/>
-                  </a:lnTo>
-                  <a:cubicBezTo>
-                    <a:pt x="4076223" y="1051127"/>
-                    <a:pt x="3936878" y="915598"/>
-                    <a:pt x="3782406" y="797372"/>
-                  </a:cubicBezTo>
-                  <a:cubicBezTo>
-                    <a:pt x="3705172" y="738198"/>
-                    <a:pt x="3624465" y="683017"/>
-                    <a:pt x="3540661" y="632194"/>
-                  </a:cubicBezTo>
-                  <a:cubicBezTo>
-                    <a:pt x="3456483" y="582217"/>
-                    <a:pt x="3369578" y="535749"/>
-                    <a:pt x="3279449" y="495211"/>
-                  </a:cubicBezTo>
-                  <a:cubicBezTo>
-                    <a:pt x="3099688" y="413287"/>
-                    <a:pt x="2908894" y="352421"/>
-                    <a:pt x="2712893" y="311278"/>
-                  </a:cubicBezTo>
-                  <a:lnTo>
-                    <a:pt x="2639377" y="295787"/>
-                  </a:lnTo>
-                  <a:cubicBezTo>
-                    <a:pt x="2614706" y="291552"/>
-                    <a:pt x="2589789" y="288163"/>
-                    <a:pt x="2564993" y="284291"/>
-                  </a:cubicBezTo>
-                  <a:cubicBezTo>
-                    <a:pt x="2515280" y="277031"/>
-                    <a:pt x="2465817" y="268198"/>
-                    <a:pt x="2415482" y="264446"/>
-                  </a:cubicBezTo>
-                  <a:lnTo>
-                    <a:pt x="2340231" y="257428"/>
-                  </a:lnTo>
-                  <a:cubicBezTo>
-                    <a:pt x="2315188" y="255129"/>
-                    <a:pt x="2290147" y="252466"/>
-                    <a:pt x="2264732" y="251982"/>
-                  </a:cubicBezTo>
-                  <a:lnTo>
-                    <a:pt x="2112989" y="245811"/>
-                  </a:lnTo>
-                  <a:cubicBezTo>
-                    <a:pt x="1910292" y="242179"/>
-                    <a:pt x="1709334" y="261422"/>
-                    <a:pt x="1515068" y="306677"/>
-                  </a:cubicBezTo>
-                  <a:cubicBezTo>
-                    <a:pt x="1320802" y="351572"/>
-                    <a:pt x="1135214" y="423574"/>
-                    <a:pt x="963016" y="513967"/>
-                  </a:cubicBezTo>
-                  <a:cubicBezTo>
-                    <a:pt x="790695" y="604482"/>
-                    <a:pt x="631639" y="713754"/>
-                    <a:pt x="485101" y="835489"/>
-                  </a:cubicBezTo>
-                  <a:cubicBezTo>
-                    <a:pt x="447290" y="864410"/>
-                    <a:pt x="413445" y="898292"/>
-                    <a:pt x="377616" y="929391"/>
-                  </a:cubicBezTo>
-                  <a:lnTo>
-                    <a:pt x="350963" y="952869"/>
-                  </a:lnTo>
-                  <a:cubicBezTo>
-                    <a:pt x="342160" y="960855"/>
-                    <a:pt x="333854" y="969326"/>
-                    <a:pt x="325177" y="977433"/>
-                  </a:cubicBezTo>
-                  <a:cubicBezTo>
-                    <a:pt x="307943" y="993770"/>
-                    <a:pt x="290712" y="1010106"/>
-                    <a:pt x="273108" y="1026079"/>
-                  </a:cubicBezTo>
-                  <a:cubicBezTo>
-                    <a:pt x="264431" y="1034187"/>
-                    <a:pt x="255379" y="1041931"/>
-                    <a:pt x="246950" y="1050280"/>
-                  </a:cubicBezTo>
-                  <a:lnTo>
-                    <a:pt x="221907" y="1075572"/>
-                  </a:lnTo>
-                  <a:lnTo>
-                    <a:pt x="171698" y="1126154"/>
-                  </a:lnTo>
-                  <a:cubicBezTo>
-                    <a:pt x="154467" y="1142611"/>
-                    <a:pt x="139340" y="1161005"/>
-                    <a:pt x="123596" y="1178793"/>
-                  </a:cubicBezTo>
-                  <a:lnTo>
-                    <a:pt x="76734" y="1232642"/>
-                  </a:lnTo>
-                  <a:lnTo>
-                    <a:pt x="0" y="1334855"/>
-                  </a:lnTo>
-                  <a:lnTo>
-                    <a:pt x="0" y="663435"/>
-                  </a:lnTo>
-                  <a:lnTo>
-                    <a:pt x="16483" y="648530"/>
-                  </a:lnTo>
-                  <a:cubicBezTo>
-                    <a:pt x="27021" y="639332"/>
-                    <a:pt x="37312" y="629893"/>
-                    <a:pt x="48220" y="620940"/>
-                  </a:cubicBezTo>
-                  <a:lnTo>
-                    <a:pt x="81570" y="595043"/>
-                  </a:lnTo>
-                  <a:cubicBezTo>
-                    <a:pt x="126324" y="560920"/>
-                    <a:pt x="170334" y="526189"/>
-                    <a:pt x="217693" y="495573"/>
-                  </a:cubicBezTo>
-                  <a:cubicBezTo>
-                    <a:pt x="403528" y="368636"/>
-                    <a:pt x="607091" y="267955"/>
-                    <a:pt x="817844" y="193898"/>
-                  </a:cubicBezTo>
-                  <a:cubicBezTo>
-                    <a:pt x="1028722" y="119356"/>
-                    <a:pt x="1246293" y="71921"/>
-                    <a:pt x="1463494" y="41427"/>
-                  </a:cubicBezTo>
-                  <a:cubicBezTo>
-                    <a:pt x="1681315" y="11537"/>
-                    <a:pt x="1899630" y="-805"/>
-                    <a:pt x="2115592" y="41"/>
-                  </a:cubicBezTo>
-                  <a:close/>
-                </a:path>
-              </a:pathLst>
-            </a:custGeom>
-            <a:solidFill>
-              <a:schemeClr val="lt1">
-                <a:alpha val="29411"/>
-              </a:schemeClr>
-            </a:solidFill>
-            <a:ln>
-              <a:noFill/>
-            </a:ln>
-          </p:spPr>
-          <p:txBody>
-            <a:bodyPr anchorCtr="0" anchor="ctr" bIns="45700" lIns="91425" spcFirstLastPara="1" rIns="91425" wrap="square" tIns="45700">
-              <a:noAutofit/>
-            </a:bodyPr>
-            <a:lstStyle/>
-            <a:p>
-              <a:pPr indent="0" lvl="0" marL="0" marR="0" rtl="0" algn="ctr">
-                <a:lnSpc>
-                  <a:spcPct val="100000"/>
-                </a:lnSpc>
-                <a:spcBef>
-                  <a:spcPts val="0"/>
-                </a:spcBef>
-                <a:spcAft>
-                  <a:spcPts val="0"/>
-                </a:spcAft>
-                <a:buClr>
-                  <a:srgbClr val="000000"/>
-                </a:buClr>
-                <a:buSzPts val="1400"/>
-                <a:buFont typeface="Arial"/>
-                <a:buNone/>
-              </a:pPr>
-              <a:r>
-                <a:t/>
-              </a:r>
-              <a:endParaRPr b="0" i="0" sz="1400" u="none" cap="none" strike="noStrike">
-                <a:solidFill>
-                  <a:schemeClr val="lt1"/>
-                </a:solidFill>
-                <a:latin typeface="Arial"/>
-                <a:ea typeface="Arial"/>
-                <a:cs typeface="Arial"/>
-                <a:sym typeface="Arial"/>
-              </a:endParaRPr>
-            </a:p>
-          </p:txBody>
-        </p:sp>
-        <p:sp>
-          <p:nvSpPr>
-            <p:cNvPr id="154" name="Google Shape;154;p35"/>
-            <p:cNvSpPr/>
-            <p:nvPr/>
-          </p:nvSpPr>
-          <p:spPr>
-            <a:xfrm>
-              <a:off x="1" y="2328207"/>
-              <a:ext cx="5455589" cy="4526023"/>
-            </a:xfrm>
-            <a:custGeom>
-              <a:rect b="b" l="l" r="r" t="t"/>
-              <a:pathLst>
-                <a:path extrusionOk="0" h="4526023" w="5455589">
-                  <a:moveTo>
-                    <a:pt x="1959882" y="0"/>
-                  </a:moveTo>
-                  <a:cubicBezTo>
-                    <a:pt x="2000792" y="0"/>
-                    <a:pt x="2041209" y="606"/>
-                    <a:pt x="2082862" y="1937"/>
-                  </a:cubicBezTo>
-                  <a:cubicBezTo>
-                    <a:pt x="2085342" y="1937"/>
-                    <a:pt x="2088070" y="1937"/>
-                    <a:pt x="2090550" y="1937"/>
-                  </a:cubicBezTo>
-                  <a:cubicBezTo>
-                    <a:pt x="4779457" y="1937"/>
-                    <a:pt x="5887402" y="2490455"/>
-                    <a:pt x="5304164" y="4434610"/>
-                  </a:cubicBezTo>
-                  <a:lnTo>
-                    <a:pt x="5273324" y="4526023"/>
-                  </a:lnTo>
-                  <a:lnTo>
-                    <a:pt x="4480043" y="4526023"/>
-                  </a:lnTo>
-                  <a:lnTo>
-                    <a:pt x="4544716" y="4369040"/>
-                  </a:lnTo>
-                  <a:cubicBezTo>
-                    <a:pt x="4655547" y="4060465"/>
-                    <a:pt x="4711707" y="3731077"/>
-                    <a:pt x="4711707" y="3389953"/>
-                  </a:cubicBezTo>
-                  <a:cubicBezTo>
-                    <a:pt x="4711707" y="3043625"/>
-                    <a:pt x="4653936" y="2706493"/>
-                    <a:pt x="4540005" y="2387756"/>
-                  </a:cubicBezTo>
-                  <a:cubicBezTo>
-                    <a:pt x="4424835" y="2065386"/>
-                    <a:pt x="4257842" y="1779441"/>
-                    <a:pt x="4043865" y="1537907"/>
-                  </a:cubicBezTo>
-                  <a:cubicBezTo>
-                    <a:pt x="3821582" y="1287054"/>
-                    <a:pt x="3553305" y="1091020"/>
-                    <a:pt x="3246721" y="955249"/>
-                  </a:cubicBezTo>
-                  <a:cubicBezTo>
-                    <a:pt x="2906044" y="804470"/>
-                    <a:pt x="2517016" y="727992"/>
-                    <a:pt x="2090425" y="727992"/>
-                  </a:cubicBezTo>
-                  <a:lnTo>
-                    <a:pt x="2083606" y="727992"/>
-                  </a:lnTo>
-                  <a:lnTo>
-                    <a:pt x="2071085" y="727992"/>
-                  </a:lnTo>
-                  <a:lnTo>
-                    <a:pt x="2058564" y="727630"/>
-                  </a:lnTo>
-                  <a:cubicBezTo>
-                    <a:pt x="2025216" y="726541"/>
-                    <a:pt x="1992858" y="726055"/>
-                    <a:pt x="1959882" y="726055"/>
-                  </a:cubicBezTo>
-                  <a:cubicBezTo>
-                    <a:pt x="1574698" y="726055"/>
-                    <a:pt x="1223854" y="799992"/>
-                    <a:pt x="917394" y="945930"/>
-                  </a:cubicBezTo>
-                  <a:cubicBezTo>
-                    <a:pt x="638454" y="1078555"/>
-                    <a:pt x="393486" y="1271566"/>
-                    <a:pt x="189425" y="1519394"/>
-                  </a:cubicBezTo>
-                  <a:cubicBezTo>
-                    <a:pt x="139464" y="1580080"/>
-                    <a:pt x="92231" y="1643617"/>
-                    <a:pt x="47794" y="1709883"/>
-                  </a:cubicBezTo>
-                  <a:lnTo>
-                    <a:pt x="0" y="1789072"/>
-                  </a:lnTo>
-                  <a:lnTo>
-                    <a:pt x="0" y="675495"/>
-                  </a:lnTo>
-                  <a:lnTo>
-                    <a:pt x="64855" y="618817"/>
-                  </a:lnTo>
-                  <a:cubicBezTo>
-                    <a:pt x="554222" y="235740"/>
-                    <a:pt x="1186594" y="0"/>
-                    <a:pt x="1959882" y="0"/>
-                  </a:cubicBezTo>
-                  <a:close/>
-                </a:path>
-              </a:pathLst>
-            </a:custGeom>
-            <a:solidFill>
-              <a:schemeClr val="lt1">
-                <a:alpha val="29411"/>
-              </a:schemeClr>
-            </a:solidFill>
-            <a:ln>
-              <a:noFill/>
-            </a:ln>
-          </p:spPr>
-          <p:txBody>
-            <a:bodyPr anchorCtr="0" anchor="ctr" bIns="45700" lIns="91425" spcFirstLastPara="1" rIns="91425" wrap="square" tIns="45700">
-              <a:noAutofit/>
-            </a:bodyPr>
-            <a:lstStyle/>
-            <a:p>
-              <a:pPr indent="0" lvl="0" marL="0" marR="0" rtl="0" algn="ctr">
-                <a:lnSpc>
-                  <a:spcPct val="100000"/>
-                </a:lnSpc>
-                <a:spcBef>
-                  <a:spcPts val="0"/>
-                </a:spcBef>
-                <a:spcAft>
-                  <a:spcPts val="0"/>
-                </a:spcAft>
-                <a:buClr>
-                  <a:srgbClr val="000000"/>
-                </a:buClr>
-                <a:buSzPts val="1400"/>
-                <a:buFont typeface="Arial"/>
-                <a:buNone/>
-              </a:pPr>
-              <a:r>
-                <a:t/>
-              </a:r>
-              <a:endParaRPr b="0" i="0" sz="1400" u="none" cap="none" strike="noStrike">
-                <a:solidFill>
-                  <a:schemeClr val="lt1"/>
-                </a:solidFill>
-                <a:latin typeface="Arial"/>
-                <a:ea typeface="Arial"/>
-                <a:cs typeface="Arial"/>
-                <a:sym typeface="Arial"/>
-              </a:endParaRPr>
-            </a:p>
-          </p:txBody>
-        </p:sp>
-        <p:sp>
-          <p:nvSpPr>
-            <p:cNvPr id="155" name="Google Shape;155;p35"/>
-            <p:cNvSpPr/>
-            <p:nvPr/>
-          </p:nvSpPr>
-          <p:spPr>
-            <a:xfrm>
-              <a:off x="1" y="2328207"/>
-              <a:ext cx="5455589" cy="4526023"/>
-            </a:xfrm>
-            <a:custGeom>
-              <a:rect b="b" l="l" r="r" t="t"/>
-              <a:pathLst>
-                <a:path extrusionOk="0" h="4526023" w="5455589">
-                  <a:moveTo>
-                    <a:pt x="1959882" y="0"/>
-                  </a:moveTo>
-                  <a:cubicBezTo>
-                    <a:pt x="2000792" y="0"/>
-                    <a:pt x="2041209" y="606"/>
-                    <a:pt x="2082862" y="1937"/>
-                  </a:cubicBezTo>
-                  <a:cubicBezTo>
-                    <a:pt x="2085342" y="1937"/>
-                    <a:pt x="2088070" y="1937"/>
-                    <a:pt x="2090550" y="1937"/>
-                  </a:cubicBezTo>
-                  <a:cubicBezTo>
-                    <a:pt x="4779457" y="1937"/>
-                    <a:pt x="5887402" y="2490455"/>
-                    <a:pt x="5304164" y="4434610"/>
-                  </a:cubicBezTo>
-                  <a:lnTo>
-                    <a:pt x="5273324" y="4526023"/>
-                  </a:lnTo>
-                  <a:lnTo>
-                    <a:pt x="4613420" y="4526023"/>
-                  </a:lnTo>
-                  <a:lnTo>
-                    <a:pt x="4661623" y="4409094"/>
-                  </a:lnTo>
-                  <a:cubicBezTo>
-                    <a:pt x="4777041" y="4087572"/>
-                    <a:pt x="4835557" y="3744753"/>
-                    <a:pt x="4835557" y="3389953"/>
-                  </a:cubicBezTo>
-                  <a:cubicBezTo>
-                    <a:pt x="4835557" y="3030072"/>
-                    <a:pt x="4775428" y="2679509"/>
-                    <a:pt x="4656910" y="2347944"/>
-                  </a:cubicBezTo>
-                  <a:cubicBezTo>
-                    <a:pt x="4536532" y="2011174"/>
-                    <a:pt x="4361732" y="1712040"/>
-                    <a:pt x="4137464" y="1458888"/>
-                  </a:cubicBezTo>
-                  <a:cubicBezTo>
-                    <a:pt x="3903404" y="1194604"/>
-                    <a:pt x="3620870" y="988162"/>
-                    <a:pt x="3297796" y="845129"/>
-                  </a:cubicBezTo>
-                  <a:cubicBezTo>
-                    <a:pt x="2941004" y="687212"/>
-                    <a:pt x="2534743" y="607104"/>
-                    <a:pt x="2090301" y="607104"/>
-                  </a:cubicBezTo>
-                  <a:lnTo>
-                    <a:pt x="2083978" y="607104"/>
-                  </a:lnTo>
-                  <a:lnTo>
-                    <a:pt x="2073317" y="607104"/>
-                  </a:lnTo>
-                  <a:lnTo>
-                    <a:pt x="2062656" y="606741"/>
-                  </a:lnTo>
-                  <a:cubicBezTo>
-                    <a:pt x="2027819" y="605532"/>
-                    <a:pt x="1994222" y="605046"/>
-                    <a:pt x="1959882" y="605046"/>
-                  </a:cubicBezTo>
-                  <a:cubicBezTo>
-                    <a:pt x="1555729" y="605046"/>
-                    <a:pt x="1186663" y="683098"/>
-                    <a:pt x="862722" y="837143"/>
-                  </a:cubicBezTo>
-                  <a:cubicBezTo>
-                    <a:pt x="567171" y="977755"/>
-                    <a:pt x="307943" y="1181776"/>
-                    <a:pt x="92355" y="1443641"/>
-                  </a:cubicBezTo>
-                  <a:lnTo>
-                    <a:pt x="0" y="1567870"/>
-                  </a:lnTo>
-                  <a:lnTo>
-                    <a:pt x="0" y="675495"/>
-                  </a:lnTo>
-                  <a:lnTo>
-                    <a:pt x="64855" y="618817"/>
-                  </a:lnTo>
-                  <a:cubicBezTo>
-                    <a:pt x="554222" y="235740"/>
-                    <a:pt x="1186594" y="0"/>
-                    <a:pt x="1959882" y="0"/>
-                  </a:cubicBezTo>
-                  <a:close/>
-                </a:path>
-              </a:pathLst>
-            </a:custGeom>
-            <a:solidFill>
-              <a:schemeClr val="lt1">
-                <a:alpha val="29411"/>
-              </a:schemeClr>
-            </a:solidFill>
-            <a:ln>
-              <a:noFill/>
-            </a:ln>
-          </p:spPr>
-          <p:txBody>
-            <a:bodyPr anchorCtr="0" anchor="ctr" bIns="45700" lIns="91425" spcFirstLastPara="1" rIns="91425" wrap="square" tIns="45700">
-              <a:noAutofit/>
-            </a:bodyPr>
-            <a:lstStyle/>
-            <a:p>
-              <a:pPr indent="0" lvl="0" marL="0" marR="0" rtl="0" algn="ctr">
-                <a:lnSpc>
-                  <a:spcPct val="100000"/>
-                </a:lnSpc>
-                <a:spcBef>
-                  <a:spcPts val="0"/>
-                </a:spcBef>
-                <a:spcAft>
-                  <a:spcPts val="0"/>
-                </a:spcAft>
-                <a:buClr>
-                  <a:srgbClr val="000000"/>
-                </a:buClr>
-                <a:buSzPts val="1400"/>
-                <a:buFont typeface="Arial"/>
-                <a:buNone/>
-              </a:pPr>
-              <a:r>
-                <a:t/>
-              </a:r>
-              <a:endParaRPr b="0" i="0" sz="1400" u="none" cap="none" strike="noStrike">
-                <a:solidFill>
-                  <a:schemeClr val="lt1"/>
-                </a:solidFill>
-                <a:latin typeface="Arial"/>
-                <a:ea typeface="Arial"/>
-                <a:cs typeface="Arial"/>
-                <a:sym typeface="Arial"/>
-              </a:endParaRPr>
-            </a:p>
-          </p:txBody>
-        </p:sp>
-        <p:sp>
-          <p:nvSpPr>
-            <p:cNvPr id="156" name="Google Shape;156;p35"/>
-            <p:cNvSpPr/>
-            <p:nvPr/>
-          </p:nvSpPr>
-          <p:spPr>
-            <a:xfrm>
-              <a:off x="1" y="2317967"/>
-              <a:ext cx="5635125" cy="4536263"/>
-            </a:xfrm>
-            <a:custGeom>
-              <a:rect b="b" l="l" r="r" t="t"/>
-              <a:pathLst>
-                <a:path extrusionOk="0" h="4536263" w="5635125">
-                  <a:moveTo>
-                    <a:pt x="2112370" y="2011"/>
-                  </a:moveTo>
-                  <a:cubicBezTo>
-                    <a:pt x="2560655" y="2374"/>
-                    <a:pt x="3013032" y="58402"/>
-                    <a:pt x="3443962" y="201797"/>
-                  </a:cubicBezTo>
-                  <a:lnTo>
-                    <a:pt x="3524048" y="230356"/>
-                  </a:lnTo>
-                  <a:lnTo>
-                    <a:pt x="3564215" y="244513"/>
-                  </a:lnTo>
-                  <a:cubicBezTo>
-                    <a:pt x="3577605" y="249353"/>
-                    <a:pt x="3591118" y="253589"/>
-                    <a:pt x="3604134" y="259397"/>
-                  </a:cubicBezTo>
-                  <a:cubicBezTo>
-                    <a:pt x="3656450" y="281301"/>
-                    <a:pt x="3709388" y="302356"/>
-                    <a:pt x="3761580" y="325106"/>
-                  </a:cubicBezTo>
-                  <a:cubicBezTo>
-                    <a:pt x="3812903" y="349550"/>
-                    <a:pt x="3864849" y="373268"/>
-                    <a:pt x="3915926" y="398680"/>
-                  </a:cubicBezTo>
-                  <a:cubicBezTo>
-                    <a:pt x="3965887" y="426028"/>
-                    <a:pt x="4016716" y="452409"/>
-                    <a:pt x="4066305" y="480844"/>
-                  </a:cubicBezTo>
-                  <a:cubicBezTo>
-                    <a:pt x="4263794" y="596166"/>
-                    <a:pt x="4449629" y="733392"/>
-                    <a:pt x="4617984" y="890098"/>
-                  </a:cubicBezTo>
-                  <a:cubicBezTo>
-                    <a:pt x="4954818" y="1203754"/>
-                    <a:pt x="5217764" y="1595219"/>
-                    <a:pt x="5387359" y="2020324"/>
-                  </a:cubicBezTo>
-                  <a:cubicBezTo>
-                    <a:pt x="5557947" y="2445551"/>
-                    <a:pt x="5639646" y="2902604"/>
-                    <a:pt x="5634933" y="3356508"/>
-                  </a:cubicBezTo>
-                  <a:cubicBezTo>
-                    <a:pt x="5631191" y="3754046"/>
-                    <a:pt x="5559369" y="4148944"/>
-                    <a:pt x="5426809" y="4521289"/>
-                  </a:cubicBezTo>
-                  <a:lnTo>
-                    <a:pt x="5420775" y="4536263"/>
-                  </a:lnTo>
-                  <a:lnTo>
-                    <a:pt x="5192615" y="4536263"/>
-                  </a:lnTo>
-                  <a:lnTo>
-                    <a:pt x="5252198" y="4305372"/>
-                  </a:lnTo>
-                  <a:cubicBezTo>
-                    <a:pt x="5273894" y="4201637"/>
-                    <a:pt x="5290785" y="4097084"/>
-                    <a:pt x="5302934" y="3992169"/>
-                  </a:cubicBezTo>
-                  <a:lnTo>
-                    <a:pt x="5317935" y="3834617"/>
-                  </a:lnTo>
-                  <a:cubicBezTo>
-                    <a:pt x="5320661" y="3781977"/>
-                    <a:pt x="5324259" y="3729339"/>
-                    <a:pt x="5326240" y="3676819"/>
-                  </a:cubicBezTo>
-                  <a:cubicBezTo>
-                    <a:pt x="5326862" y="3624181"/>
-                    <a:pt x="5328968" y="3571662"/>
-                    <a:pt x="5328597" y="3519023"/>
-                  </a:cubicBezTo>
-                  <a:lnTo>
-                    <a:pt x="5326862" y="3440247"/>
-                  </a:lnTo>
-                  <a:cubicBezTo>
-                    <a:pt x="5326117" y="3413987"/>
-                    <a:pt x="5326862" y="3387729"/>
-                    <a:pt x="5324754" y="3361590"/>
-                  </a:cubicBezTo>
-                  <a:lnTo>
-                    <a:pt x="5320291" y="3282936"/>
-                  </a:lnTo>
-                  <a:cubicBezTo>
-                    <a:pt x="5318678" y="3256798"/>
-                    <a:pt x="5317812" y="3230537"/>
-                    <a:pt x="5314712" y="3204522"/>
-                  </a:cubicBezTo>
-                  <a:lnTo>
-                    <a:pt x="5307521" y="3126228"/>
-                  </a:lnTo>
-                  <a:lnTo>
-                    <a:pt x="5304050" y="3087142"/>
-                  </a:lnTo>
-                  <a:cubicBezTo>
-                    <a:pt x="5302934" y="3074072"/>
-                    <a:pt x="5300704" y="3061124"/>
-                    <a:pt x="5299091" y="3048177"/>
-                  </a:cubicBezTo>
-                  <a:cubicBezTo>
-                    <a:pt x="5286074" y="2944230"/>
-                    <a:pt x="5269833" y="2840646"/>
-                    <a:pt x="5249253" y="2738030"/>
-                  </a:cubicBezTo>
-                  <a:cubicBezTo>
-                    <a:pt x="5208342" y="2532798"/>
-                    <a:pt x="5151563" y="2330834"/>
-                    <a:pt x="5078790" y="2134677"/>
-                  </a:cubicBezTo>
-                  <a:cubicBezTo>
-                    <a:pt x="4932999" y="1742729"/>
-                    <a:pt x="4725096" y="1371231"/>
-                    <a:pt x="4445910" y="1049950"/>
-                  </a:cubicBezTo>
-                  <a:cubicBezTo>
-                    <a:pt x="4306688" y="889252"/>
-                    <a:pt x="4149614" y="741739"/>
-                    <a:pt x="3975680" y="613349"/>
-                  </a:cubicBezTo>
-                  <a:cubicBezTo>
-                    <a:pt x="3932043" y="581525"/>
-                    <a:pt x="3886916" y="551514"/>
-                    <a:pt x="3842409" y="520416"/>
-                  </a:cubicBezTo>
-                  <a:cubicBezTo>
-                    <a:pt x="3796787" y="491131"/>
-                    <a:pt x="3749926" y="463419"/>
-                    <a:pt x="3703560" y="434620"/>
-                  </a:cubicBezTo>
-                  <a:cubicBezTo>
-                    <a:pt x="3656077" y="407756"/>
-                    <a:pt x="3607357" y="383069"/>
-                    <a:pt x="3559132" y="357174"/>
-                  </a:cubicBezTo>
-                  <a:cubicBezTo>
-                    <a:pt x="3510163" y="332850"/>
-                    <a:pt x="3459830" y="310827"/>
-                    <a:pt x="3409869" y="287835"/>
-                  </a:cubicBezTo>
-                  <a:lnTo>
-                    <a:pt x="3391024" y="279364"/>
-                  </a:lnTo>
-                  <a:lnTo>
-                    <a:pt x="3371810" y="271862"/>
-                  </a:lnTo>
-                  <a:lnTo>
-                    <a:pt x="3333378" y="256857"/>
-                  </a:lnTo>
-                  <a:lnTo>
-                    <a:pt x="3256391" y="226846"/>
-                  </a:lnTo>
-                  <a:cubicBezTo>
-                    <a:pt x="3230976" y="216077"/>
-                    <a:pt x="3204322" y="208816"/>
-                    <a:pt x="3178039" y="200103"/>
-                  </a:cubicBezTo>
-                  <a:lnTo>
-                    <a:pt x="3099068" y="174933"/>
-                  </a:lnTo>
-                  <a:lnTo>
-                    <a:pt x="3059520" y="162469"/>
-                  </a:lnTo>
-                  <a:lnTo>
-                    <a:pt x="3019354" y="152062"/>
-                  </a:lnTo>
-                  <a:lnTo>
-                    <a:pt x="2938896" y="131490"/>
-                  </a:lnTo>
-                  <a:cubicBezTo>
-                    <a:pt x="2885463" y="116485"/>
-                    <a:pt x="2830668" y="107532"/>
-                    <a:pt x="2776242" y="96762"/>
-                  </a:cubicBezTo>
-                  <a:cubicBezTo>
-                    <a:pt x="2557927" y="55618"/>
-                    <a:pt x="2335272" y="37588"/>
-                    <a:pt x="2111872" y="38314"/>
-                  </a:cubicBezTo>
-                  <a:cubicBezTo>
-                    <a:pt x="1888597" y="32748"/>
-                    <a:pt x="1665820" y="47631"/>
-                    <a:pt x="1447502" y="87201"/>
-                  </a:cubicBezTo>
-                  <a:lnTo>
-                    <a:pt x="1365679" y="101965"/>
-                  </a:lnTo>
-                  <a:lnTo>
-                    <a:pt x="1284974" y="121446"/>
-                  </a:lnTo>
-                  <a:lnTo>
-                    <a:pt x="1204515" y="141291"/>
-                  </a:lnTo>
-                  <a:cubicBezTo>
-                    <a:pt x="1177737" y="148069"/>
-                    <a:pt x="1151703" y="157388"/>
-                    <a:pt x="1125296" y="165253"/>
-                  </a:cubicBezTo>
-                  <a:lnTo>
-                    <a:pt x="1046326" y="189939"/>
-                  </a:lnTo>
-                  <a:cubicBezTo>
-                    <a:pt x="1039756" y="191996"/>
-                    <a:pt x="1033186" y="193931"/>
-                    <a:pt x="1026614" y="196231"/>
-                  </a:cubicBezTo>
-                  <a:lnTo>
-                    <a:pt x="1007275" y="203492"/>
-                  </a:lnTo>
-                  <a:lnTo>
-                    <a:pt x="968719" y="218255"/>
-                  </a:lnTo>
-                  <a:lnTo>
-                    <a:pt x="891856" y="247901"/>
-                  </a:lnTo>
-                  <a:lnTo>
-                    <a:pt x="872641" y="255283"/>
-                  </a:lnTo>
-                  <a:lnTo>
-                    <a:pt x="853922" y="263755"/>
-                  </a:lnTo>
-                  <a:lnTo>
-                    <a:pt x="816481" y="280817"/>
-                  </a:lnTo>
-                  <a:cubicBezTo>
-                    <a:pt x="616389" y="370121"/>
-                    <a:pt x="429437" y="484353"/>
-                    <a:pt x="260959" y="618433"/>
-                  </a:cubicBezTo>
-                  <a:cubicBezTo>
-                    <a:pt x="176595" y="685350"/>
-                    <a:pt x="96787" y="757109"/>
-                    <a:pt x="21645" y="832906"/>
-                  </a:cubicBezTo>
-                  <a:lnTo>
-                    <a:pt x="0" y="857354"/>
-                  </a:lnTo>
-                  <a:lnTo>
-                    <a:pt x="0" y="593247"/>
-                  </a:lnTo>
-                  <a:lnTo>
-                    <a:pt x="18510" y="579335"/>
-                  </a:lnTo>
-                  <a:cubicBezTo>
-                    <a:pt x="65368" y="546190"/>
-                    <a:pt x="113152" y="514425"/>
-                    <a:pt x="161780" y="484113"/>
-                  </a:cubicBezTo>
-                  <a:cubicBezTo>
-                    <a:pt x="356292" y="362861"/>
-                    <a:pt x="564071" y="264601"/>
-                    <a:pt x="778792" y="190181"/>
-                  </a:cubicBezTo>
-                  <a:cubicBezTo>
-                    <a:pt x="1208731" y="40371"/>
-                    <a:pt x="1664207" y="-11299"/>
-                    <a:pt x="2112370" y="2011"/>
-                  </a:cubicBezTo>
-                  <a:close/>
-                </a:path>
-              </a:pathLst>
-            </a:custGeom>
-            <a:solidFill>
-              <a:schemeClr val="lt1"/>
-            </a:solidFill>
-            <a:ln>
-              <a:noFill/>
-            </a:ln>
-          </p:spPr>
-          <p:txBody>
-            <a:bodyPr anchorCtr="0" anchor="ctr" bIns="45700" lIns="91425" spcFirstLastPara="1" rIns="91425" wrap="square" tIns="45700">
-              <a:noAutofit/>
-            </a:bodyPr>
-            <a:lstStyle/>
-            <a:p>
-              <a:pPr indent="0" lvl="0" marL="0" marR="0" rtl="0" algn="ctr">
-                <a:lnSpc>
-                  <a:spcPct val="100000"/>
-                </a:lnSpc>
-                <a:spcBef>
-                  <a:spcPts val="0"/>
-                </a:spcBef>
-                <a:spcAft>
-                  <a:spcPts val="0"/>
-                </a:spcAft>
-                <a:buClr>
-                  <a:srgbClr val="000000"/>
-                </a:buClr>
-                <a:buSzPts val="1400"/>
-                <a:buFont typeface="Arial"/>
-                <a:buNone/>
-              </a:pPr>
-              <a:r>
-                <a:t/>
-              </a:r>
-              <a:endParaRPr b="0" i="0" sz="1400" u="none" cap="none" strike="noStrike">
-                <a:solidFill>
-                  <a:schemeClr val="lt1"/>
-                </a:solidFill>
-                <a:latin typeface="Arial"/>
-                <a:ea typeface="Arial"/>
-                <a:cs typeface="Arial"/>
-                <a:sym typeface="Arial"/>
-              </a:endParaRPr>
-            </a:p>
-          </p:txBody>
-        </p:sp>
-      </p:grpSp>
       <p:sp>
         <p:nvSpPr>
-          <p:cNvPr id="157" name="Google Shape;157;p35"/>
+          <p:cNvPr id="162" name="Google Shape;162;p35"/>
           <p:cNvSpPr/>
           <p:nvPr/>
         </p:nvSpPr>
         <p:spPr>
           <a:xfrm>
-            <a:off x="706540" y="621740"/>
-            <a:ext cx="10779000" cy="769500"/>
+            <a:off x="622450" y="-3"/>
+            <a:ext cx="10779000" cy="574800"/>
           </a:xfrm>
           <a:prstGeom prst="rect">
             <a:avLst/>
@@ -23534,7 +24278,7 @@
               <a:buNone/>
             </a:pPr>
             <a:r>
-              <a:rPr b="0" i="0" lang="es-419" sz="4400" u="none" cap="none" strike="noStrike">
+              <a:rPr b="0" i="0" lang="es-419" sz="2800" u="none" cap="none" strike="noStrike">
                 <a:solidFill>
                   <a:schemeClr val="dk1"/>
                 </a:solidFill>
@@ -23543,9 +24287,9 @@
                 <a:cs typeface="Arial"/>
                 <a:sym typeface="Arial"/>
               </a:rPr>
-              <a:t>Tecnologías y Modelo por Capas</a:t>
+              <a:t>Modelo por Capas</a:t>
             </a:r>
-            <a:endParaRPr b="0" i="0" sz="4400" u="none" cap="none" strike="noStrike">
+            <a:endParaRPr b="0" i="0" sz="2800" u="none" cap="none" strike="noStrike">
               <a:solidFill>
                 <a:schemeClr val="dk1"/>
               </a:solidFill>
@@ -23557,6 +24301,33 @@
           </a:p>
         </p:txBody>
       </p:sp>
+      <p:pic>
+        <p:nvPicPr>
+          <p:cNvPr id="163" name="Google Shape;163;p35"/>
+          <p:cNvPicPr preferRelativeResize="0"/>
+          <p:nvPr/>
+        </p:nvPicPr>
+        <p:blipFill rotWithShape="1">
+          <a:blip r:embed="rId3">
+            <a:alphaModFix/>
+          </a:blip>
+          <a:srcRect b="0" l="0" r="0" t="0"/>
+          <a:stretch/>
+        </p:blipFill>
+        <p:spPr>
+          <a:xfrm>
+            <a:off x="150" y="527550"/>
+            <a:ext cx="12191700" cy="6760375"/>
+          </a:xfrm>
+          <a:prstGeom prst="rect">
+            <a:avLst/>
+          </a:prstGeom>
+          <a:noFill/>
+          <a:ln>
+            <a:noFill/>
+          </a:ln>
+        </p:spPr>
+      </p:pic>
     </p:spTree>
   </p:cSld>
   <p:clrMapOvr>
@@ -23565,7 +24336,7 @@
 </p:sld>
 </file>
 
-<file path=ppt/slides/slide8.xml><?xml version="1.0" encoding="utf-8"?>
+<file path=ppt/slides/slide9.xml><?xml version="1.0" encoding="utf-8"?>
 <p:sld xmlns:a="http://schemas.openxmlformats.org/drawingml/2006/main" xmlns:r="http://schemas.openxmlformats.org/officeDocument/2006/relationships" xmlns:mc="http://schemas.openxmlformats.org/markup-compatibility/2006" xmlns:mv="urn:schemas-microsoft-com:mac:vml" xmlns:p="http://schemas.openxmlformats.org/presentationml/2006/main" xmlns:c="http://schemas.openxmlformats.org/drawingml/2006/chart" xmlns:dgm="http://schemas.openxmlformats.org/drawingml/2006/diagram" xmlns:o="urn:schemas-microsoft-com:office:office" xmlns:v="urn:schemas-microsoft-com:vml" xmlns:pvml="urn:schemas-microsoft-com:office:powerpoint" xmlns:com="http://schemas.openxmlformats.org/drawingml/2006/compatibility" xmlns:p14="http://schemas.microsoft.com/office/powerpoint/2010/main" xmlns:p15="http://schemas.microsoft.com/office/powerpoint/2012/main" xmlns:ahyp="http://schemas.microsoft.com/office/drawing/2018/hyperlinkcolor">
   <p:cSld>
     <p:bg>
@@ -23577,7 +24348,7 @@
     </p:bg>
     <p:spTree>
       <p:nvGrpSpPr>
-        <p:cNvPr id="161" name="Shape 161"/>
+        <p:cNvPr id="167" name="Shape 167"/>
         <p:cNvGrpSpPr/>
         <p:nvPr/>
       </p:nvGrpSpPr>
@@ -23591,7 +24362,7 @@
       </p:grpSpPr>
       <p:pic>
         <p:nvPicPr>
-          <p:cNvPr id="162" name="Google Shape;162;p33"/>
+          <p:cNvPr id="168" name="Google Shape;168;p33"/>
           <p:cNvPicPr preferRelativeResize="0"/>
           <p:nvPr/>
         </p:nvPicPr>
@@ -23618,7 +24389,7 @@
       </p:pic>
       <p:cxnSp>
         <p:nvCxnSpPr>
-          <p:cNvPr id="163" name="Google Shape;163;p33"/>
+          <p:cNvPr id="169" name="Google Shape;169;p33"/>
           <p:cNvCxnSpPr/>
           <p:nvPr/>
         </p:nvCxnSpPr>
@@ -23644,7 +24415,7 @@
       </p:cxnSp>
       <p:sp>
         <p:nvSpPr>
-          <p:cNvPr id="164" name="Google Shape;164;p33"/>
+          <p:cNvPr id="170" name="Google Shape;170;p33"/>
           <p:cNvSpPr txBox="1"/>
           <p:nvPr/>
         </p:nvSpPr>
@@ -23708,118 +24479,6 @@
           </a:p>
         </p:txBody>
       </p:sp>
-    </p:spTree>
-  </p:cSld>
-  <p:clrMapOvr>
-    <a:masterClrMapping/>
-  </p:clrMapOvr>
-</p:sld>
-</file>
-
-<file path=ppt/slides/slide9.xml><?xml version="1.0" encoding="utf-8"?>
-<p:sld xmlns:a="http://schemas.openxmlformats.org/drawingml/2006/main" xmlns:r="http://schemas.openxmlformats.org/officeDocument/2006/relationships" xmlns:mc="http://schemas.openxmlformats.org/markup-compatibility/2006" xmlns:mv="urn:schemas-microsoft-com:mac:vml" xmlns:p="http://schemas.openxmlformats.org/presentationml/2006/main" xmlns:c="http://schemas.openxmlformats.org/drawingml/2006/chart" xmlns:dgm="http://schemas.openxmlformats.org/drawingml/2006/diagram" xmlns:o="urn:schemas-microsoft-com:office:office" xmlns:v="urn:schemas-microsoft-com:vml" xmlns:pvml="urn:schemas-microsoft-com:office:powerpoint" xmlns:com="http://schemas.openxmlformats.org/drawingml/2006/compatibility" xmlns:p14="http://schemas.microsoft.com/office/powerpoint/2010/main" xmlns:p15="http://schemas.microsoft.com/office/powerpoint/2012/main" xmlns:ahyp="http://schemas.microsoft.com/office/drawing/2018/hyperlinkcolor">
-  <p:cSld>
-    <p:spTree>
-      <p:nvGrpSpPr>
-        <p:cNvPr id="168" name="Shape 168"/>
-        <p:cNvGrpSpPr/>
-        <p:nvPr/>
-      </p:nvGrpSpPr>
-      <p:grpSpPr>
-        <a:xfrm>
-          <a:off x="0" y="0"/>
-          <a:ext cx="0" cy="0"/>
-          <a:chOff x="0" y="0"/>
-          <a:chExt cx="0" cy="0"/>
-        </a:xfrm>
-      </p:grpSpPr>
-      <p:sp>
-        <p:nvSpPr>
-          <p:cNvPr id="169" name="Google Shape;169;g27b59b7e26b_0_25"/>
-          <p:cNvSpPr txBox="1"/>
-          <p:nvPr>
-            <p:ph type="title"/>
-          </p:nvPr>
-        </p:nvSpPr>
-        <p:spPr>
-          <a:xfrm>
-            <a:off x="2138100" y="33025"/>
-            <a:ext cx="8703600" cy="1292700"/>
-          </a:xfrm>
-          <a:prstGeom prst="rect">
-            <a:avLst/>
-          </a:prstGeom>
-          <a:noFill/>
-          <a:ln>
-            <a:noFill/>
-          </a:ln>
-        </p:spPr>
-        <p:txBody>
-          <a:bodyPr anchorCtr="0" anchor="ctr" bIns="45700" lIns="91425" spcFirstLastPara="1" rIns="91425" wrap="square" tIns="45700">
-            <a:normAutofit/>
-          </a:bodyPr>
-          <a:lstStyle/>
-          <a:p>
-            <a:pPr indent="0" lvl="0" marL="0" rtl="0" algn="l">
-              <a:lnSpc>
-                <a:spcPct val="90000"/>
-              </a:lnSpc>
-              <a:spcBef>
-                <a:spcPts val="0"/>
-              </a:spcBef>
-              <a:spcAft>
-                <a:spcPts val="0"/>
-              </a:spcAft>
-              <a:buSzPts val="1800"/>
-              <a:buNone/>
-            </a:pPr>
-            <a:r>
-              <a:rPr b="1" i="0" lang="es-419" sz="2800" u="none" strike="noStrike">
-                <a:solidFill>
-                  <a:srgbClr val="000000"/>
-                </a:solidFill>
-              </a:rPr>
-              <a:t>Diagrama de Actividad </a:t>
-            </a:r>
-            <a:endParaRPr b="1" i="0" sz="2800" u="none" strike="noStrike">
-              <a:solidFill>
-                <a:srgbClr val="000000"/>
-              </a:solidFill>
-              <a:latin typeface="Arial"/>
-              <a:ea typeface="Arial"/>
-              <a:cs typeface="Arial"/>
-              <a:sym typeface="Arial"/>
-            </a:endParaRPr>
-          </a:p>
-        </p:txBody>
-      </p:sp>
-      <p:pic>
-        <p:nvPicPr>
-          <p:cNvPr id="170" name="Google Shape;170;g27b59b7e26b_0_25"/>
-          <p:cNvPicPr preferRelativeResize="0"/>
-          <p:nvPr/>
-        </p:nvPicPr>
-        <p:blipFill rotWithShape="1">
-          <a:blip r:embed="rId3">
-            <a:alphaModFix/>
-          </a:blip>
-          <a:srcRect b="0" l="0" r="0" t="0"/>
-          <a:stretch/>
-        </p:blipFill>
-        <p:spPr>
-          <a:xfrm>
-            <a:off x="0" y="1474650"/>
-            <a:ext cx="12106325" cy="5241325"/>
-          </a:xfrm>
-          <a:prstGeom prst="rect">
-            <a:avLst/>
-          </a:prstGeom>
-          <a:noFill/>
-          <a:ln>
-            <a:noFill/>
-          </a:ln>
-        </p:spPr>
-      </p:pic>
     </p:spTree>
   </p:cSld>
   <p:clrMapOvr>
